--- a/images/offset.pptx
+++ b/images/offset.pptx
@@ -6,6 +6,10 @@
   </p:sldMasterIdLst>
   <p:sldIdLst>
     <p:sldId id="256" r:id="rId2"/>
+    <p:sldId id="257" r:id="rId3"/>
+    <p:sldId id="260" r:id="rId4"/>
+    <p:sldId id="258" r:id="rId5"/>
+    <p:sldId id="259" r:id="rId6"/>
   </p:sldIdLst>
   <p:sldSz cx="12192000" cy="6858000"/>
   <p:notesSz cx="6858000" cy="9144000"/>
@@ -104,7 +108,558 @@
       </a:defRPr>
     </a:lvl9pPr>
   </p:defaultTextStyle>
+  <p:extLst>
+    <p:ext uri="{EFAFB233-063F-42B5-8137-9DF3F51BA10A}">
+      <p15:sldGuideLst xmlns:p15="http://schemas.microsoft.com/office/powerpoint/2012/main"/>
+    </p:ext>
+  </p:extLst>
 </p:presentation>
+</file>
+
+<file path=ppt/revisionInfo.xml><?xml version="1.0" encoding="utf-8"?>
+<p1510:revInfo xmlns:a="http://schemas.openxmlformats.org/drawingml/2006/main" xmlns:r="http://schemas.openxmlformats.org/officeDocument/2006/relationships" xmlns:p1510="http://schemas.microsoft.com/office/powerpoint/2015/10/main">
+  <p1510:revLst>
+    <p1510:client id="{8B37A0D2-A186-442A-9307-220B448B516A}" v="28" dt="2021-06-12T22:41:51.658"/>
+  </p1510:revLst>
+</p1510:revInfo>
+</file>
+
+<file path=ppt/changesInfos/changesInfo1.xml><?xml version="1.0" encoding="utf-8"?>
+<pc:chgInfo xmlns:a="http://schemas.openxmlformats.org/drawingml/2006/main" xmlns:r="http://schemas.openxmlformats.org/officeDocument/2006/relationships" xmlns:ac="http://schemas.microsoft.com/office/drawing/2013/main/command" xmlns:pc="http://schemas.microsoft.com/office/powerpoint/2013/main/command">
+  <pc:docChgLst>
+    <pc:chgData name="Raymond Deleu" userId="068f976be0c9fe56" providerId="LiveId" clId="{8B37A0D2-A186-442A-9307-220B448B516A}"/>
+    <pc:docChg chg="undo custSel addSld modSld">
+      <pc:chgData name="Raymond Deleu" userId="068f976be0c9fe56" providerId="LiveId" clId="{8B37A0D2-A186-442A-9307-220B448B516A}" dt="2021-06-12T23:10:31.532" v="376" actId="1076"/>
+      <pc:docMkLst>
+        <pc:docMk/>
+      </pc:docMkLst>
+      <pc:sldChg chg="addSp delSp modSp new mod">
+        <pc:chgData name="Raymond Deleu" userId="068f976be0c9fe56" providerId="LiveId" clId="{8B37A0D2-A186-442A-9307-220B448B516A}" dt="2021-06-12T21:23:57.036" v="212"/>
+        <pc:sldMkLst>
+          <pc:docMk/>
+          <pc:sldMk cId="3613501520" sldId="257"/>
+        </pc:sldMkLst>
+        <pc:spChg chg="add mod">
+          <ac:chgData name="Raymond Deleu" userId="068f976be0c9fe56" providerId="LiveId" clId="{8B37A0D2-A186-442A-9307-220B448B516A}" dt="2021-06-12T21:12:15.167" v="122" actId="1076"/>
+          <ac:spMkLst>
+            <pc:docMk/>
+            <pc:sldMk cId="3613501520" sldId="257"/>
+            <ac:spMk id="2" creationId="{716D9C6B-258B-4B75-903C-000779857DED}"/>
+          </ac:spMkLst>
+        </pc:spChg>
+        <pc:spChg chg="add mod">
+          <ac:chgData name="Raymond Deleu" userId="068f976be0c9fe56" providerId="LiveId" clId="{8B37A0D2-A186-442A-9307-220B448B516A}" dt="2021-06-12T21:14:45.003" v="143" actId="108"/>
+          <ac:spMkLst>
+            <pc:docMk/>
+            <pc:sldMk cId="3613501520" sldId="257"/>
+            <ac:spMk id="3" creationId="{3B6036A9-D266-474F-AE35-7EBE02E705A1}"/>
+          </ac:spMkLst>
+        </pc:spChg>
+        <pc:spChg chg="add del mod">
+          <ac:chgData name="Raymond Deleu" userId="068f976be0c9fe56" providerId="LiveId" clId="{8B37A0D2-A186-442A-9307-220B448B516A}" dt="2021-06-12T21:09:20.632" v="87" actId="478"/>
+          <ac:spMkLst>
+            <pc:docMk/>
+            <pc:sldMk cId="3613501520" sldId="257"/>
+            <ac:spMk id="13" creationId="{613B601B-7684-4A43-93EB-1FF2FB7DB21C}"/>
+          </ac:spMkLst>
+        </pc:spChg>
+        <pc:spChg chg="add mod">
+          <ac:chgData name="Raymond Deleu" userId="068f976be0c9fe56" providerId="LiveId" clId="{8B37A0D2-A186-442A-9307-220B448B516A}" dt="2021-06-12T21:12:15.167" v="122" actId="1076"/>
+          <ac:spMkLst>
+            <pc:docMk/>
+            <pc:sldMk cId="3613501520" sldId="257"/>
+            <ac:spMk id="14" creationId="{329F4CD2-A791-4B79-90E4-9E3F289FD9E1}"/>
+          </ac:spMkLst>
+        </pc:spChg>
+        <pc:spChg chg="add mod">
+          <ac:chgData name="Raymond Deleu" userId="068f976be0c9fe56" providerId="LiveId" clId="{8B37A0D2-A186-442A-9307-220B448B516A}" dt="2021-06-12T21:16:35.586" v="159" actId="207"/>
+          <ac:spMkLst>
+            <pc:docMk/>
+            <pc:sldMk cId="3613501520" sldId="257"/>
+            <ac:spMk id="15" creationId="{A341C8A6-A30B-4554-A829-A12FE703E510}"/>
+          </ac:spMkLst>
+        </pc:spChg>
+        <pc:spChg chg="add mod">
+          <ac:chgData name="Raymond Deleu" userId="068f976be0c9fe56" providerId="LiveId" clId="{8B37A0D2-A186-442A-9307-220B448B516A}" dt="2021-06-12T21:14:24.969" v="141" actId="208"/>
+          <ac:spMkLst>
+            <pc:docMk/>
+            <pc:sldMk cId="3613501520" sldId="257"/>
+            <ac:spMk id="16" creationId="{FDC7BDFC-A8C3-431F-88BF-5E4B8953C09A}"/>
+          </ac:spMkLst>
+        </pc:spChg>
+        <pc:spChg chg="add mod">
+          <ac:chgData name="Raymond Deleu" userId="068f976be0c9fe56" providerId="LiveId" clId="{8B37A0D2-A186-442A-9307-220B448B516A}" dt="2021-06-12T21:14:40.911" v="142" actId="108"/>
+          <ac:spMkLst>
+            <pc:docMk/>
+            <pc:sldMk cId="3613501520" sldId="257"/>
+            <ac:spMk id="17" creationId="{349E3BC3-B55C-43BE-96D6-A659C3A79F63}"/>
+          </ac:spMkLst>
+        </pc:spChg>
+        <pc:spChg chg="add mod">
+          <ac:chgData name="Raymond Deleu" userId="068f976be0c9fe56" providerId="LiveId" clId="{8B37A0D2-A186-442A-9307-220B448B516A}" dt="2021-06-12T21:12:15.167" v="122" actId="1076"/>
+          <ac:spMkLst>
+            <pc:docMk/>
+            <pc:sldMk cId="3613501520" sldId="257"/>
+            <ac:spMk id="19" creationId="{2ABE61D8-625D-4BED-8875-35E91D637482}"/>
+          </ac:spMkLst>
+        </pc:spChg>
+        <pc:spChg chg="add mod">
+          <ac:chgData name="Raymond Deleu" userId="068f976be0c9fe56" providerId="LiveId" clId="{8B37A0D2-A186-442A-9307-220B448B516A}" dt="2021-06-12T21:16:28.403" v="157" actId="207"/>
+          <ac:spMkLst>
+            <pc:docMk/>
+            <pc:sldMk cId="3613501520" sldId="257"/>
+            <ac:spMk id="20" creationId="{8070338C-43BF-4BEB-9667-C1CDA79E3E5E}"/>
+          </ac:spMkLst>
+        </pc:spChg>
+        <pc:spChg chg="add mod">
+          <ac:chgData name="Raymond Deleu" userId="068f976be0c9fe56" providerId="LiveId" clId="{8B37A0D2-A186-442A-9307-220B448B516A}" dt="2021-06-12T21:16:31.618" v="158" actId="207"/>
+          <ac:spMkLst>
+            <pc:docMk/>
+            <pc:sldMk cId="3613501520" sldId="257"/>
+            <ac:spMk id="23" creationId="{C2F666CD-7DA4-4AB0-853E-E4A833D7B1A4}"/>
+          </ac:spMkLst>
+        </pc:spChg>
+        <pc:spChg chg="add mod">
+          <ac:chgData name="Raymond Deleu" userId="068f976be0c9fe56" providerId="LiveId" clId="{8B37A0D2-A186-442A-9307-220B448B516A}" dt="2021-06-12T21:23:16.092" v="206" actId="108"/>
+          <ac:spMkLst>
+            <pc:docMk/>
+            <pc:sldMk cId="3613501520" sldId="257"/>
+            <ac:spMk id="24" creationId="{332F7D04-3BCC-4AA7-A037-8135206946C9}"/>
+          </ac:spMkLst>
+        </pc:spChg>
+        <pc:spChg chg="add mod">
+          <ac:chgData name="Raymond Deleu" userId="068f976be0c9fe56" providerId="LiveId" clId="{8B37A0D2-A186-442A-9307-220B448B516A}" dt="2021-06-12T21:13:17.889" v="135" actId="20577"/>
+          <ac:spMkLst>
+            <pc:docMk/>
+            <pc:sldMk cId="3613501520" sldId="257"/>
+            <ac:spMk id="27" creationId="{6A181768-2D05-41C7-998C-FC461ADD769B}"/>
+          </ac:spMkLst>
+        </pc:spChg>
+        <pc:spChg chg="add mod">
+          <ac:chgData name="Raymond Deleu" userId="068f976be0c9fe56" providerId="LiveId" clId="{8B37A0D2-A186-442A-9307-220B448B516A}" dt="2021-06-12T21:13:06.862" v="133" actId="20577"/>
+          <ac:spMkLst>
+            <pc:docMk/>
+            <pc:sldMk cId="3613501520" sldId="257"/>
+            <ac:spMk id="28" creationId="{BBAFC4D9-12F0-49AC-BA30-B2246CCC073C}"/>
+          </ac:spMkLst>
+        </pc:spChg>
+        <pc:cxnChg chg="add mod">
+          <ac:chgData name="Raymond Deleu" userId="068f976be0c9fe56" providerId="LiveId" clId="{8B37A0D2-A186-442A-9307-220B448B516A}" dt="2021-06-12T21:23:07.300" v="204"/>
+          <ac:cxnSpMkLst>
+            <pc:docMk/>
+            <pc:sldMk cId="3613501520" sldId="257"/>
+            <ac:cxnSpMk id="5" creationId="{AE6CFE6D-462C-4006-B1B3-786E34D5C894}"/>
+          </ac:cxnSpMkLst>
+        </pc:cxnChg>
+        <pc:cxnChg chg="add mod">
+          <ac:chgData name="Raymond Deleu" userId="068f976be0c9fe56" providerId="LiveId" clId="{8B37A0D2-A186-442A-9307-220B448B516A}" dt="2021-06-12T21:23:27.406" v="208"/>
+          <ac:cxnSpMkLst>
+            <pc:docMk/>
+            <pc:sldMk cId="3613501520" sldId="257"/>
+            <ac:cxnSpMk id="7" creationId="{42594AB7-0CF0-482C-8E1B-89E76974C4E4}"/>
+          </ac:cxnSpMkLst>
+        </pc:cxnChg>
+        <pc:cxnChg chg="add del mod">
+          <ac:chgData name="Raymond Deleu" userId="068f976be0c9fe56" providerId="LiveId" clId="{8B37A0D2-A186-442A-9307-220B448B516A}" dt="2021-06-12T21:09:14.222" v="86" actId="478"/>
+          <ac:cxnSpMkLst>
+            <pc:docMk/>
+            <pc:sldMk cId="3613501520" sldId="257"/>
+            <ac:cxnSpMk id="10" creationId="{B4FFFB36-43BF-41E7-B5AC-AEBC6D175E60}"/>
+          </ac:cxnSpMkLst>
+        </pc:cxnChg>
+        <pc:cxnChg chg="add mod">
+          <ac:chgData name="Raymond Deleu" userId="068f976be0c9fe56" providerId="LiveId" clId="{8B37A0D2-A186-442A-9307-220B448B516A}" dt="2021-06-12T21:23:57.036" v="212"/>
+          <ac:cxnSpMkLst>
+            <pc:docMk/>
+            <pc:sldMk cId="3613501520" sldId="257"/>
+            <ac:cxnSpMk id="25" creationId="{4B1C793B-0C40-4D19-94EC-642A868FF17F}"/>
+          </ac:cxnSpMkLst>
+        </pc:cxnChg>
+        <pc:cxnChg chg="add mod">
+          <ac:chgData name="Raymond Deleu" userId="068f976be0c9fe56" providerId="LiveId" clId="{8B37A0D2-A186-442A-9307-220B448B516A}" dt="2021-06-12T21:23:41.345" v="210"/>
+          <ac:cxnSpMkLst>
+            <pc:docMk/>
+            <pc:sldMk cId="3613501520" sldId="257"/>
+            <ac:cxnSpMk id="29" creationId="{9F6EDAE5-2306-4ED5-9255-7205E44F0CE5}"/>
+          </ac:cxnSpMkLst>
+        </pc:cxnChg>
+      </pc:sldChg>
+      <pc:sldChg chg="addSp delSp modSp new mod">
+        <pc:chgData name="Raymond Deleu" userId="068f976be0c9fe56" providerId="LiveId" clId="{8B37A0D2-A186-442A-9307-220B448B516A}" dt="2021-06-12T22:01:38.577" v="323" actId="207"/>
+        <pc:sldMkLst>
+          <pc:docMk/>
+          <pc:sldMk cId="2181466537" sldId="258"/>
+        </pc:sldMkLst>
+        <pc:spChg chg="add mod">
+          <ac:chgData name="Raymond Deleu" userId="068f976be0c9fe56" providerId="LiveId" clId="{8B37A0D2-A186-442A-9307-220B448B516A}" dt="2021-06-12T21:17:49.593" v="161"/>
+          <ac:spMkLst>
+            <pc:docMk/>
+            <pc:sldMk cId="2181466537" sldId="258"/>
+            <ac:spMk id="2" creationId="{B3633963-40E3-4752-954C-87909F9D82AC}"/>
+          </ac:spMkLst>
+        </pc:spChg>
+        <pc:spChg chg="add del mod">
+          <ac:chgData name="Raymond Deleu" userId="068f976be0c9fe56" providerId="LiveId" clId="{8B37A0D2-A186-442A-9307-220B448B516A}" dt="2021-06-12T21:24:20.256" v="218" actId="478"/>
+          <ac:spMkLst>
+            <pc:docMk/>
+            <pc:sldMk cId="2181466537" sldId="258"/>
+            <ac:spMk id="3" creationId="{4E759A5E-0421-4937-A676-75B7D8CB0DA2}"/>
+          </ac:spMkLst>
+        </pc:spChg>
+        <pc:spChg chg="add del mod">
+          <ac:chgData name="Raymond Deleu" userId="068f976be0c9fe56" providerId="LiveId" clId="{8B37A0D2-A186-442A-9307-220B448B516A}" dt="2021-06-12T21:24:22.336" v="219" actId="478"/>
+          <ac:spMkLst>
+            <pc:docMk/>
+            <pc:sldMk cId="2181466537" sldId="258"/>
+            <ac:spMk id="6" creationId="{D0DFDCB6-F1E5-4C89-9BFE-D0FD7B6FD3C1}"/>
+          </ac:spMkLst>
+        </pc:spChg>
+        <pc:spChg chg="add del mod">
+          <ac:chgData name="Raymond Deleu" userId="068f976be0c9fe56" providerId="LiveId" clId="{8B37A0D2-A186-442A-9307-220B448B516A}" dt="2021-06-12T21:24:18.760" v="217" actId="478"/>
+          <ac:spMkLst>
+            <pc:docMk/>
+            <pc:sldMk cId="2181466537" sldId="258"/>
+            <ac:spMk id="7" creationId="{AEE5AA54-5353-46FB-B1C4-840EE852EE25}"/>
+          </ac:spMkLst>
+        </pc:spChg>
+        <pc:spChg chg="add del mod">
+          <ac:chgData name="Raymond Deleu" userId="068f976be0c9fe56" providerId="LiveId" clId="{8B37A0D2-A186-442A-9307-220B448B516A}" dt="2021-06-12T21:22:23.584" v="197" actId="478"/>
+          <ac:spMkLst>
+            <pc:docMk/>
+            <pc:sldMk cId="2181466537" sldId="258"/>
+            <ac:spMk id="8" creationId="{B59A7EC9-4E20-4337-8C07-D429DAE66C2F}"/>
+          </ac:spMkLst>
+        </pc:spChg>
+        <pc:spChg chg="add mod">
+          <ac:chgData name="Raymond Deleu" userId="068f976be0c9fe56" providerId="LiveId" clId="{8B37A0D2-A186-442A-9307-220B448B516A}" dt="2021-06-12T21:18:34.584" v="168" actId="108"/>
+          <ac:spMkLst>
+            <pc:docMk/>
+            <pc:sldMk cId="2181466537" sldId="258"/>
+            <ac:spMk id="9" creationId="{C15D0BE6-1477-46ED-BA60-34A125B6D600}"/>
+          </ac:spMkLst>
+        </pc:spChg>
+        <pc:spChg chg="add mod">
+          <ac:chgData name="Raymond Deleu" userId="068f976be0c9fe56" providerId="LiveId" clId="{8B37A0D2-A186-442A-9307-220B448B516A}" dt="2021-06-12T21:17:49.593" v="161"/>
+          <ac:spMkLst>
+            <pc:docMk/>
+            <pc:sldMk cId="2181466537" sldId="258"/>
+            <ac:spMk id="10" creationId="{DACBF721-4117-47BB-8D6B-D90029F67F2E}"/>
+          </ac:spMkLst>
+        </pc:spChg>
+        <pc:spChg chg="add mod">
+          <ac:chgData name="Raymond Deleu" userId="068f976be0c9fe56" providerId="LiveId" clId="{8B37A0D2-A186-442A-9307-220B448B516A}" dt="2021-06-12T22:01:38.577" v="323" actId="207"/>
+          <ac:spMkLst>
+            <pc:docMk/>
+            <pc:sldMk cId="2181466537" sldId="258"/>
+            <ac:spMk id="11" creationId="{9DB0C328-2597-4B46-BCEC-69E4108D35F3}"/>
+          </ac:spMkLst>
+        </pc:spChg>
+        <pc:spChg chg="add del mod">
+          <ac:chgData name="Raymond Deleu" userId="068f976be0c9fe56" providerId="LiveId" clId="{8B37A0D2-A186-442A-9307-220B448B516A}" dt="2021-06-12T22:00:01.577" v="308" actId="478"/>
+          <ac:spMkLst>
+            <pc:docMk/>
+            <pc:sldMk cId="2181466537" sldId="258"/>
+            <ac:spMk id="12" creationId="{D1EB89B6-240D-499A-982E-596E10690A1A}"/>
+          </ac:spMkLst>
+        </pc:spChg>
+        <pc:spChg chg="add mod">
+          <ac:chgData name="Raymond Deleu" userId="068f976be0c9fe56" providerId="LiveId" clId="{8B37A0D2-A186-442A-9307-220B448B516A}" dt="2021-06-12T21:22:35.335" v="200" actId="20577"/>
+          <ac:spMkLst>
+            <pc:docMk/>
+            <pc:sldMk cId="2181466537" sldId="258"/>
+            <ac:spMk id="13" creationId="{6DD6CA90-7A04-4E22-9AB0-F67190E09E83}"/>
+          </ac:spMkLst>
+        </pc:spChg>
+        <pc:spChg chg="add del mod">
+          <ac:chgData name="Raymond Deleu" userId="068f976be0c9fe56" providerId="LiveId" clId="{8B37A0D2-A186-442A-9307-220B448B516A}" dt="2021-06-12T21:24:13.259" v="214" actId="478"/>
+          <ac:spMkLst>
+            <pc:docMk/>
+            <pc:sldMk cId="2181466537" sldId="258"/>
+            <ac:spMk id="15" creationId="{25466E99-16C7-4EDD-A8A1-114978417851}"/>
+          </ac:spMkLst>
+        </pc:spChg>
+        <pc:spChg chg="add del mod">
+          <ac:chgData name="Raymond Deleu" userId="068f976be0c9fe56" providerId="LiveId" clId="{8B37A0D2-A186-442A-9307-220B448B516A}" dt="2021-06-12T21:24:16.464" v="216" actId="478"/>
+          <ac:spMkLst>
+            <pc:docMk/>
+            <pc:sldMk cId="2181466537" sldId="258"/>
+            <ac:spMk id="16" creationId="{5DCCBFF0-2D17-4C86-AFBD-8BF48C0E2FD6}"/>
+          </ac:spMkLst>
+        </pc:spChg>
+        <pc:spChg chg="add mod">
+          <ac:chgData name="Raymond Deleu" userId="068f976be0c9fe56" providerId="LiveId" clId="{8B37A0D2-A186-442A-9307-220B448B516A}" dt="2021-06-12T21:18:45.411" v="172" actId="20577"/>
+          <ac:spMkLst>
+            <pc:docMk/>
+            <pc:sldMk cId="2181466537" sldId="258"/>
+            <ac:spMk id="21" creationId="{15945C35-1C56-44B8-B1F2-B4DE1D2DF9CC}"/>
+          </ac:spMkLst>
+        </pc:spChg>
+        <pc:spChg chg="add mod">
+          <ac:chgData name="Raymond Deleu" userId="068f976be0c9fe56" providerId="LiveId" clId="{8B37A0D2-A186-442A-9307-220B448B516A}" dt="2021-06-12T21:21:56.703" v="193" actId="14100"/>
+          <ac:spMkLst>
+            <pc:docMk/>
+            <pc:sldMk cId="2181466537" sldId="258"/>
+            <ac:spMk id="22" creationId="{EA7BC2DE-BCD6-4784-9E8B-0EB0FCB7322C}"/>
+          </ac:spMkLst>
+        </pc:spChg>
+        <pc:spChg chg="add mod">
+          <ac:chgData name="Raymond Deleu" userId="068f976be0c9fe56" providerId="LiveId" clId="{8B37A0D2-A186-442A-9307-220B448B516A}" dt="2021-06-12T21:22:18.698" v="196" actId="1076"/>
+          <ac:spMkLst>
+            <pc:docMk/>
+            <pc:sldMk cId="2181466537" sldId="258"/>
+            <ac:spMk id="23" creationId="{52936659-644B-41D6-9FEE-9F13C5DF6D84}"/>
+          </ac:spMkLst>
+        </pc:spChg>
+        <pc:spChg chg="add mod">
+          <ac:chgData name="Raymond Deleu" userId="068f976be0c9fe56" providerId="LiveId" clId="{8B37A0D2-A186-442A-9307-220B448B516A}" dt="2021-06-12T21:57:24.230" v="305" actId="208"/>
+          <ac:spMkLst>
+            <pc:docMk/>
+            <pc:sldMk cId="2181466537" sldId="258"/>
+            <ac:spMk id="27" creationId="{8ECD2929-1121-40D5-B88B-6CA82CB0FA38}"/>
+          </ac:spMkLst>
+        </pc:spChg>
+        <pc:spChg chg="add mod">
+          <ac:chgData name="Raymond Deleu" userId="068f976be0c9fe56" providerId="LiveId" clId="{8B37A0D2-A186-442A-9307-220B448B516A}" dt="2021-06-12T21:57:28.687" v="306" actId="207"/>
+          <ac:spMkLst>
+            <pc:docMk/>
+            <pc:sldMk cId="2181466537" sldId="258"/>
+            <ac:spMk id="28" creationId="{2AC6EA61-16DC-4194-AD6C-B3DDBB1581F3}"/>
+          </ac:spMkLst>
+        </pc:spChg>
+        <pc:cxnChg chg="add del mod">
+          <ac:chgData name="Raymond Deleu" userId="068f976be0c9fe56" providerId="LiveId" clId="{8B37A0D2-A186-442A-9307-220B448B516A}" dt="2021-06-12T21:18:04.496" v="163" actId="478"/>
+          <ac:cxnSpMkLst>
+            <pc:docMk/>
+            <pc:sldMk cId="2181466537" sldId="258"/>
+            <ac:cxnSpMk id="4" creationId="{5BE16742-2DC0-4BC3-8C5C-7E20AD65D754}"/>
+          </ac:cxnSpMkLst>
+        </pc:cxnChg>
+        <pc:cxnChg chg="add mod">
+          <ac:chgData name="Raymond Deleu" userId="068f976be0c9fe56" providerId="LiveId" clId="{8B37A0D2-A186-442A-9307-220B448B516A}" dt="2021-06-12T21:17:49.593" v="161"/>
+          <ac:cxnSpMkLst>
+            <pc:docMk/>
+            <pc:sldMk cId="2181466537" sldId="258"/>
+            <ac:cxnSpMk id="5" creationId="{BAEAD97F-8EFF-4241-A08C-B4422D1541BF}"/>
+          </ac:cxnSpMkLst>
+        </pc:cxnChg>
+        <pc:cxnChg chg="add del mod">
+          <ac:chgData name="Raymond Deleu" userId="068f976be0c9fe56" providerId="LiveId" clId="{8B37A0D2-A186-442A-9307-220B448B516A}" dt="2021-06-12T21:24:14.679" v="215" actId="478"/>
+          <ac:cxnSpMkLst>
+            <pc:docMk/>
+            <pc:sldMk cId="2181466537" sldId="258"/>
+            <ac:cxnSpMk id="14" creationId="{6528871D-BD98-4C50-A4C2-85FF7E034277}"/>
+          </ac:cxnSpMkLst>
+        </pc:cxnChg>
+        <pc:cxnChg chg="add del mod">
+          <ac:chgData name="Raymond Deleu" userId="068f976be0c9fe56" providerId="LiveId" clId="{8B37A0D2-A186-442A-9307-220B448B516A}" dt="2021-06-12T21:24:11.788" v="213" actId="478"/>
+          <ac:cxnSpMkLst>
+            <pc:docMk/>
+            <pc:sldMk cId="2181466537" sldId="258"/>
+            <ac:cxnSpMk id="17" creationId="{54ACB2FA-83E1-4A1E-BD11-20A49D76D793}"/>
+          </ac:cxnSpMkLst>
+        </pc:cxnChg>
+        <pc:cxnChg chg="add mod">
+          <ac:chgData name="Raymond Deleu" userId="068f976be0c9fe56" providerId="LiveId" clId="{8B37A0D2-A186-442A-9307-220B448B516A}" dt="2021-06-12T21:18:20.970" v="167" actId="208"/>
+          <ac:cxnSpMkLst>
+            <pc:docMk/>
+            <pc:sldMk cId="2181466537" sldId="258"/>
+            <ac:cxnSpMk id="19" creationId="{2A6EEA36-C099-4B39-A055-1415E3EC2C91}"/>
+          </ac:cxnSpMkLst>
+        </pc:cxnChg>
+        <pc:cxnChg chg="add mod">
+          <ac:chgData name="Raymond Deleu" userId="068f976be0c9fe56" providerId="LiveId" clId="{8B37A0D2-A186-442A-9307-220B448B516A}" dt="2021-06-12T21:22:49.232" v="202" actId="1582"/>
+          <ac:cxnSpMkLst>
+            <pc:docMk/>
+            <pc:sldMk cId="2181466537" sldId="258"/>
+            <ac:cxnSpMk id="25" creationId="{2479F7AC-646C-43FE-BFED-8E2E5894A644}"/>
+          </ac:cxnSpMkLst>
+        </pc:cxnChg>
+      </pc:sldChg>
+      <pc:sldChg chg="delSp modSp add mod">
+        <pc:chgData name="Raymond Deleu" userId="068f976be0c9fe56" providerId="LiveId" clId="{8B37A0D2-A186-442A-9307-220B448B516A}" dt="2021-06-12T22:01:33.176" v="322" actId="207"/>
+        <pc:sldMkLst>
+          <pc:docMk/>
+          <pc:sldMk cId="448348419" sldId="259"/>
+        </pc:sldMkLst>
+        <pc:spChg chg="mod">
+          <ac:chgData name="Raymond Deleu" userId="068f976be0c9fe56" providerId="LiveId" clId="{8B37A0D2-A186-442A-9307-220B448B516A}" dt="2021-06-12T22:01:33.176" v="322" actId="207"/>
+          <ac:spMkLst>
+            <pc:docMk/>
+            <pc:sldMk cId="448348419" sldId="259"/>
+            <ac:spMk id="11" creationId="{9DB0C328-2597-4B46-BCEC-69E4108D35F3}"/>
+          </ac:spMkLst>
+        </pc:spChg>
+        <pc:spChg chg="del">
+          <ac:chgData name="Raymond Deleu" userId="068f976be0c9fe56" providerId="LiveId" clId="{8B37A0D2-A186-442A-9307-220B448B516A}" dt="2021-06-12T22:00:09.839" v="309" actId="478"/>
+          <ac:spMkLst>
+            <pc:docMk/>
+            <pc:sldMk cId="448348419" sldId="259"/>
+            <ac:spMk id="12" creationId="{D1EB89B6-240D-499A-982E-596E10690A1A}"/>
+          </ac:spMkLst>
+        </pc:spChg>
+        <pc:spChg chg="mod">
+          <ac:chgData name="Raymond Deleu" userId="068f976be0c9fe56" providerId="LiveId" clId="{8B37A0D2-A186-442A-9307-220B448B516A}" dt="2021-06-12T22:00:43.468" v="314" actId="20577"/>
+          <ac:spMkLst>
+            <pc:docMk/>
+            <pc:sldMk cId="448348419" sldId="259"/>
+            <ac:spMk id="13" creationId="{6DD6CA90-7A04-4E22-9AB0-F67190E09E83}"/>
+          </ac:spMkLst>
+        </pc:spChg>
+        <pc:cxnChg chg="mod">
+          <ac:chgData name="Raymond Deleu" userId="068f976be0c9fe56" providerId="LiveId" clId="{8B37A0D2-A186-442A-9307-220B448B516A}" dt="2021-06-12T22:00:50.178" v="315" actId="14100"/>
+          <ac:cxnSpMkLst>
+            <pc:docMk/>
+            <pc:sldMk cId="448348419" sldId="259"/>
+            <ac:cxnSpMk id="25" creationId="{2479F7AC-646C-43FE-BFED-8E2E5894A644}"/>
+          </ac:cxnSpMkLst>
+        </pc:cxnChg>
+      </pc:sldChg>
+      <pc:sldChg chg="addSp delSp modSp add mod">
+        <pc:chgData name="Raymond Deleu" userId="068f976be0c9fe56" providerId="LiveId" clId="{8B37A0D2-A186-442A-9307-220B448B516A}" dt="2021-06-12T23:10:31.532" v="376" actId="1076"/>
+        <pc:sldMkLst>
+          <pc:docMk/>
+          <pc:sldMk cId="4002065478" sldId="260"/>
+        </pc:sldMkLst>
+        <pc:spChg chg="del">
+          <ac:chgData name="Raymond Deleu" userId="068f976be0c9fe56" providerId="LiveId" clId="{8B37A0D2-A186-442A-9307-220B448B516A}" dt="2021-06-12T22:59:31.862" v="362" actId="478"/>
+          <ac:spMkLst>
+            <pc:docMk/>
+            <pc:sldMk cId="4002065478" sldId="260"/>
+            <ac:spMk id="3" creationId="{3B6036A9-D266-474F-AE35-7EBE02E705A1}"/>
+          </ac:spMkLst>
+        </pc:spChg>
+        <pc:spChg chg="add mod">
+          <ac:chgData name="Raymond Deleu" userId="068f976be0c9fe56" providerId="LiveId" clId="{8B37A0D2-A186-442A-9307-220B448B516A}" dt="2021-06-12T22:42:19.337" v="358" actId="208"/>
+          <ac:spMkLst>
+            <pc:docMk/>
+            <pc:sldMk cId="4002065478" sldId="260"/>
+            <ac:spMk id="11" creationId="{A1DE9225-48BA-4747-BEB1-0D74A74467AB}"/>
+          </ac:spMkLst>
+        </pc:spChg>
+        <pc:spChg chg="mod">
+          <ac:chgData name="Raymond Deleu" userId="068f976be0c9fe56" providerId="LiveId" clId="{8B37A0D2-A186-442A-9307-220B448B516A}" dt="2021-06-12T22:26:50.538" v="335" actId="20577"/>
+          <ac:spMkLst>
+            <pc:docMk/>
+            <pc:sldMk cId="4002065478" sldId="260"/>
+            <ac:spMk id="14" creationId="{329F4CD2-A791-4B79-90E4-9E3F289FD9E1}"/>
+          </ac:spMkLst>
+        </pc:spChg>
+        <pc:spChg chg="del">
+          <ac:chgData name="Raymond Deleu" userId="068f976be0c9fe56" providerId="LiveId" clId="{8B37A0D2-A186-442A-9307-220B448B516A}" dt="2021-06-12T22:59:31.862" v="362" actId="478"/>
+          <ac:spMkLst>
+            <pc:docMk/>
+            <pc:sldMk cId="4002065478" sldId="260"/>
+            <ac:spMk id="15" creationId="{A341C8A6-A30B-4554-A829-A12FE703E510}"/>
+          </ac:spMkLst>
+        </pc:spChg>
+        <pc:spChg chg="del mod">
+          <ac:chgData name="Raymond Deleu" userId="068f976be0c9fe56" providerId="LiveId" clId="{8B37A0D2-A186-442A-9307-220B448B516A}" dt="2021-06-12T22:26:40.766" v="332" actId="478"/>
+          <ac:spMkLst>
+            <pc:docMk/>
+            <pc:sldMk cId="4002065478" sldId="260"/>
+            <ac:spMk id="16" creationId="{FDC7BDFC-A8C3-431F-88BF-5E4B8953C09A}"/>
+          </ac:spMkLst>
+        </pc:spChg>
+        <pc:spChg chg="mod">
+          <ac:chgData name="Raymond Deleu" userId="068f976be0c9fe56" providerId="LiveId" clId="{8B37A0D2-A186-442A-9307-220B448B516A}" dt="2021-06-12T22:25:45.895" v="325" actId="1076"/>
+          <ac:spMkLst>
+            <pc:docMk/>
+            <pc:sldMk cId="4002065478" sldId="260"/>
+            <ac:spMk id="17" creationId="{349E3BC3-B55C-43BE-96D6-A659C3A79F63}"/>
+          </ac:spMkLst>
+        </pc:spChg>
+        <pc:spChg chg="del">
+          <ac:chgData name="Raymond Deleu" userId="068f976be0c9fe56" providerId="LiveId" clId="{8B37A0D2-A186-442A-9307-220B448B516A}" dt="2021-06-12T22:59:40.290" v="363" actId="478"/>
+          <ac:spMkLst>
+            <pc:docMk/>
+            <pc:sldMk cId="4002065478" sldId="260"/>
+            <ac:spMk id="20" creationId="{8070338C-43BF-4BEB-9667-C1CDA79E3E5E}"/>
+          </ac:spMkLst>
+        </pc:spChg>
+        <pc:spChg chg="mod">
+          <ac:chgData name="Raymond Deleu" userId="068f976be0c9fe56" providerId="LiveId" clId="{8B37A0D2-A186-442A-9307-220B448B516A}" dt="2021-06-12T23:10:31.532" v="376" actId="1076"/>
+          <ac:spMkLst>
+            <pc:docMk/>
+            <pc:sldMk cId="4002065478" sldId="260"/>
+            <ac:spMk id="23" creationId="{C2F666CD-7DA4-4AB0-853E-E4A833D7B1A4}"/>
+          </ac:spMkLst>
+        </pc:spChg>
+        <pc:spChg chg="del">
+          <ac:chgData name="Raymond Deleu" userId="068f976be0c9fe56" providerId="LiveId" clId="{8B37A0D2-A186-442A-9307-220B448B516A}" dt="2021-06-12T22:26:35.109" v="329" actId="478"/>
+          <ac:spMkLst>
+            <pc:docMk/>
+            <pc:sldMk cId="4002065478" sldId="260"/>
+            <ac:spMk id="24" creationId="{332F7D04-3BCC-4AA7-A037-8135206946C9}"/>
+          </ac:spMkLst>
+        </pc:spChg>
+        <pc:spChg chg="add mod">
+          <ac:chgData name="Raymond Deleu" userId="068f976be0c9fe56" providerId="LiveId" clId="{8B37A0D2-A186-442A-9307-220B448B516A}" dt="2021-06-12T22:42:05.036" v="356" actId="20577"/>
+          <ac:spMkLst>
+            <pc:docMk/>
+            <pc:sldMk cId="4002065478" sldId="260"/>
+            <ac:spMk id="26" creationId="{71B7B885-32B7-4330-9BDB-B7E862F9C012}"/>
+          </ac:spMkLst>
+        </pc:spChg>
+        <pc:spChg chg="del">
+          <ac:chgData name="Raymond Deleu" userId="068f976be0c9fe56" providerId="LiveId" clId="{8B37A0D2-A186-442A-9307-220B448B516A}" dt="2021-06-12T22:59:24.656" v="359" actId="478"/>
+          <ac:spMkLst>
+            <pc:docMk/>
+            <pc:sldMk cId="4002065478" sldId="260"/>
+            <ac:spMk id="27" creationId="{6A181768-2D05-41C7-998C-FC461ADD769B}"/>
+          </ac:spMkLst>
+        </pc:spChg>
+        <pc:spChg chg="del">
+          <ac:chgData name="Raymond Deleu" userId="068f976be0c9fe56" providerId="LiveId" clId="{8B37A0D2-A186-442A-9307-220B448B516A}" dt="2021-06-12T22:59:31.862" v="362" actId="478"/>
+          <ac:spMkLst>
+            <pc:docMk/>
+            <pc:sldMk cId="4002065478" sldId="260"/>
+            <ac:spMk id="28" creationId="{BBAFC4D9-12F0-49AC-BA30-B2246CCC073C}"/>
+          </ac:spMkLst>
+        </pc:spChg>
+        <pc:cxnChg chg="mod">
+          <ac:chgData name="Raymond Deleu" userId="068f976be0c9fe56" providerId="LiveId" clId="{8B37A0D2-A186-442A-9307-220B448B516A}" dt="2021-06-12T22:42:08.957" v="357" actId="1076"/>
+          <ac:cxnSpMkLst>
+            <pc:docMk/>
+            <pc:sldMk cId="4002065478" sldId="260"/>
+            <ac:cxnSpMk id="5" creationId="{AE6CFE6D-462C-4006-B1B3-786E34D5C894}"/>
+          </ac:cxnSpMkLst>
+        </pc:cxnChg>
+        <pc:cxnChg chg="del mod">
+          <ac:chgData name="Raymond Deleu" userId="068f976be0c9fe56" providerId="LiveId" clId="{8B37A0D2-A186-442A-9307-220B448B516A}" dt="2021-06-12T22:26:37.442" v="330" actId="478"/>
+          <ac:cxnSpMkLst>
+            <pc:docMk/>
+            <pc:sldMk cId="4002065478" sldId="260"/>
+            <ac:cxnSpMk id="7" creationId="{42594AB7-0CF0-482C-8E1B-89E76974C4E4}"/>
+          </ac:cxnSpMkLst>
+        </pc:cxnChg>
+        <pc:cxnChg chg="add mod">
+          <ac:chgData name="Raymond Deleu" userId="068f976be0c9fe56" providerId="LiveId" clId="{8B37A0D2-A186-442A-9307-220B448B516A}" dt="2021-06-12T22:27:40.860" v="344" actId="1076"/>
+          <ac:cxnSpMkLst>
+            <pc:docMk/>
+            <pc:sldMk cId="4002065478" sldId="260"/>
+            <ac:cxnSpMk id="21" creationId="{92935540-7F59-472F-B670-E7F5C3FB6C51}"/>
+          </ac:cxnSpMkLst>
+        </pc:cxnChg>
+        <pc:cxnChg chg="del mod">
+          <ac:chgData name="Raymond Deleu" userId="068f976be0c9fe56" providerId="LiveId" clId="{8B37A0D2-A186-442A-9307-220B448B516A}" dt="2021-06-12T22:59:27.341" v="361" actId="478"/>
+          <ac:cxnSpMkLst>
+            <pc:docMk/>
+            <pc:sldMk cId="4002065478" sldId="260"/>
+            <ac:cxnSpMk id="25" creationId="{4B1C793B-0C40-4D19-94EC-642A868FF17F}"/>
+          </ac:cxnSpMkLst>
+        </pc:cxnChg>
+        <pc:cxnChg chg="mod">
+          <ac:chgData name="Raymond Deleu" userId="068f976be0c9fe56" providerId="LiveId" clId="{8B37A0D2-A186-442A-9307-220B448B516A}" dt="2021-06-12T22:27:26.186" v="340" actId="1076"/>
+          <ac:cxnSpMkLst>
+            <pc:docMk/>
+            <pc:sldMk cId="4002065478" sldId="260"/>
+            <ac:cxnSpMk id="29" creationId="{9F6EDAE5-2306-4ED5-9255-7205E44F0CE5}"/>
+          </ac:cxnSpMkLst>
+        </pc:cxnChg>
+      </pc:sldChg>
+    </pc:docChg>
+  </pc:docChgLst>
+</pc:chgInfo>
 </file>
 
 <file path=ppt/slideLayouts/slideLayout1.xml><?xml version="1.0" encoding="utf-8"?>
@@ -256,7 +811,7 @@
           <a:p>
             <a:fld id="{8087D175-5A45-444D-9BFE-01914BD47155}" type="datetimeFigureOut">
               <a:rPr lang="en-US" smtClean="0"/>
-              <a:t>6/10/2021</a:t>
+              <a:t>6/12/2021</a:t>
             </a:fld>
             <a:endParaRPr lang="en-US"/>
           </a:p>
@@ -456,7 +1011,7 @@
           <a:p>
             <a:fld id="{8087D175-5A45-444D-9BFE-01914BD47155}" type="datetimeFigureOut">
               <a:rPr lang="en-US" smtClean="0"/>
-              <a:t>6/10/2021</a:t>
+              <a:t>6/12/2021</a:t>
             </a:fld>
             <a:endParaRPr lang="en-US"/>
           </a:p>
@@ -666,7 +1221,7 @@
           <a:p>
             <a:fld id="{8087D175-5A45-444D-9BFE-01914BD47155}" type="datetimeFigureOut">
               <a:rPr lang="en-US" smtClean="0"/>
-              <a:t>6/10/2021</a:t>
+              <a:t>6/12/2021</a:t>
             </a:fld>
             <a:endParaRPr lang="en-US"/>
           </a:p>
@@ -866,7 +1421,7 @@
           <a:p>
             <a:fld id="{8087D175-5A45-444D-9BFE-01914BD47155}" type="datetimeFigureOut">
               <a:rPr lang="en-US" smtClean="0"/>
-              <a:t>6/10/2021</a:t>
+              <a:t>6/12/2021</a:t>
             </a:fld>
             <a:endParaRPr lang="en-US"/>
           </a:p>
@@ -1142,7 +1697,7 @@
           <a:p>
             <a:fld id="{8087D175-5A45-444D-9BFE-01914BD47155}" type="datetimeFigureOut">
               <a:rPr lang="en-US" smtClean="0"/>
-              <a:t>6/10/2021</a:t>
+              <a:t>6/12/2021</a:t>
             </a:fld>
             <a:endParaRPr lang="en-US"/>
           </a:p>
@@ -1410,7 +1965,7 @@
           <a:p>
             <a:fld id="{8087D175-5A45-444D-9BFE-01914BD47155}" type="datetimeFigureOut">
               <a:rPr lang="en-US" smtClean="0"/>
-              <a:t>6/10/2021</a:t>
+              <a:t>6/12/2021</a:t>
             </a:fld>
             <a:endParaRPr lang="en-US"/>
           </a:p>
@@ -1825,7 +2380,7 @@
           <a:p>
             <a:fld id="{8087D175-5A45-444D-9BFE-01914BD47155}" type="datetimeFigureOut">
               <a:rPr lang="en-US" smtClean="0"/>
-              <a:t>6/10/2021</a:t>
+              <a:t>6/12/2021</a:t>
             </a:fld>
             <a:endParaRPr lang="en-US"/>
           </a:p>
@@ -1967,7 +2522,7 @@
           <a:p>
             <a:fld id="{8087D175-5A45-444D-9BFE-01914BD47155}" type="datetimeFigureOut">
               <a:rPr lang="en-US" smtClean="0"/>
-              <a:t>6/10/2021</a:t>
+              <a:t>6/12/2021</a:t>
             </a:fld>
             <a:endParaRPr lang="en-US"/>
           </a:p>
@@ -2080,7 +2635,7 @@
           <a:p>
             <a:fld id="{8087D175-5A45-444D-9BFE-01914BD47155}" type="datetimeFigureOut">
               <a:rPr lang="en-US" smtClean="0"/>
-              <a:t>6/10/2021</a:t>
+              <a:t>6/12/2021</a:t>
             </a:fld>
             <a:endParaRPr lang="en-US"/>
           </a:p>
@@ -2393,7 +2948,7 @@
           <a:p>
             <a:fld id="{8087D175-5A45-444D-9BFE-01914BD47155}" type="datetimeFigureOut">
               <a:rPr lang="en-US" smtClean="0"/>
-              <a:t>6/10/2021</a:t>
+              <a:t>6/12/2021</a:t>
             </a:fld>
             <a:endParaRPr lang="en-US"/>
           </a:p>
@@ -2682,7 +3237,7 @@
           <a:p>
             <a:fld id="{8087D175-5A45-444D-9BFE-01914BD47155}" type="datetimeFigureOut">
               <a:rPr lang="en-US" smtClean="0"/>
-              <a:t>6/10/2021</a:t>
+              <a:t>6/12/2021</a:t>
             </a:fld>
             <a:endParaRPr lang="en-US"/>
           </a:p>
@@ -2925,7 +3480,7 @@
           <a:p>
             <a:fld id="{8087D175-5A45-444D-9BFE-01914BD47155}" type="datetimeFigureOut">
               <a:rPr lang="en-US" smtClean="0"/>
-              <a:t>6/10/2021</a:t>
+              <a:t>6/12/2021</a:t>
             </a:fld>
             <a:endParaRPr lang="en-US"/>
           </a:p>
@@ -4004,6 +4559,3075 @@
 </p:sld>
 </file>
 
+<file path=ppt/slides/slide2.xml><?xml version="1.0" encoding="utf-8"?>
+<p:sld xmlns:a="http://schemas.openxmlformats.org/drawingml/2006/main" xmlns:r="http://schemas.openxmlformats.org/officeDocument/2006/relationships" xmlns:p="http://schemas.openxmlformats.org/presentationml/2006/main">
+  <p:cSld>
+    <p:spTree>
+      <p:nvGrpSpPr>
+        <p:cNvPr id="1" name=""/>
+        <p:cNvGrpSpPr/>
+        <p:nvPr/>
+      </p:nvGrpSpPr>
+      <p:grpSpPr>
+        <a:xfrm>
+          <a:off x="0" y="0"/>
+          <a:ext cx="0" cy="0"/>
+          <a:chOff x="0" y="0"/>
+          <a:chExt cx="0" cy="0"/>
+        </a:xfrm>
+      </p:grpSpPr>
+      <p:sp>
+        <p:nvSpPr>
+          <p:cNvPr id="2" name="Ovaal 1">
+            <a:extLst>
+              <a:ext uri="{FF2B5EF4-FFF2-40B4-BE49-F238E27FC236}">
+                <a16:creationId xmlns:a16="http://schemas.microsoft.com/office/drawing/2014/main" id="{716D9C6B-258B-4B75-903C-000779857DED}"/>
+              </a:ext>
+            </a:extLst>
+          </p:cNvPr>
+          <p:cNvSpPr/>
+          <p:nvPr/>
+        </p:nvSpPr>
+        <p:spPr>
+          <a:xfrm>
+            <a:off x="5363586" y="3276600"/>
+            <a:ext cx="117231" cy="118800"/>
+          </a:xfrm>
+          <a:prstGeom prst="ellipse">
+            <a:avLst/>
+          </a:prstGeom>
+          <a:solidFill>
+            <a:schemeClr val="tx1"/>
+          </a:solidFill>
+          <a:ln>
+            <a:solidFill>
+              <a:schemeClr val="tx1"/>
+            </a:solidFill>
+          </a:ln>
+        </p:spPr>
+        <p:style>
+          <a:lnRef idx="2">
+            <a:schemeClr val="accent1">
+              <a:shade val="50000"/>
+            </a:schemeClr>
+          </a:lnRef>
+          <a:fillRef idx="1">
+            <a:schemeClr val="accent1"/>
+          </a:fillRef>
+          <a:effectRef idx="0">
+            <a:schemeClr val="accent1"/>
+          </a:effectRef>
+          <a:fontRef idx="minor">
+            <a:schemeClr val="lt1"/>
+          </a:fontRef>
+        </p:style>
+        <p:txBody>
+          <a:bodyPr rtlCol="0" anchor="ctr"/>
+          <a:lstStyle/>
+          <a:p>
+            <a:pPr algn="ctr"/>
+            <a:endParaRPr lang="en-US"/>
+          </a:p>
+        </p:txBody>
+      </p:sp>
+      <p:sp>
+        <p:nvSpPr>
+          <p:cNvPr id="3" name="Ovaal 2">
+            <a:extLst>
+              <a:ext uri="{FF2B5EF4-FFF2-40B4-BE49-F238E27FC236}">
+                <a16:creationId xmlns:a16="http://schemas.microsoft.com/office/drawing/2014/main" id="{3B6036A9-D266-474F-AE35-7EBE02E705A1}"/>
+              </a:ext>
+            </a:extLst>
+          </p:cNvPr>
+          <p:cNvSpPr/>
+          <p:nvPr/>
+        </p:nvSpPr>
+        <p:spPr>
+          <a:xfrm>
+            <a:off x="4241519" y="4052463"/>
+            <a:ext cx="117231" cy="118800"/>
+          </a:xfrm>
+          <a:prstGeom prst="ellipse">
+            <a:avLst/>
+          </a:prstGeom>
+          <a:solidFill>
+            <a:schemeClr val="bg1">
+              <a:lumMod val="50000"/>
+            </a:schemeClr>
+          </a:solidFill>
+          <a:ln>
+            <a:solidFill>
+              <a:schemeClr val="bg1">
+                <a:lumMod val="50000"/>
+              </a:schemeClr>
+            </a:solidFill>
+          </a:ln>
+        </p:spPr>
+        <p:style>
+          <a:lnRef idx="2">
+            <a:schemeClr val="accent1">
+              <a:shade val="50000"/>
+            </a:schemeClr>
+          </a:lnRef>
+          <a:fillRef idx="1">
+            <a:schemeClr val="accent1"/>
+          </a:fillRef>
+          <a:effectRef idx="0">
+            <a:schemeClr val="accent1"/>
+          </a:effectRef>
+          <a:fontRef idx="minor">
+            <a:schemeClr val="lt1"/>
+          </a:fontRef>
+        </p:style>
+        <p:txBody>
+          <a:bodyPr rtlCol="0" anchor="ctr"/>
+          <a:lstStyle/>
+          <a:p>
+            <a:pPr algn="ctr"/>
+            <a:endParaRPr lang="en-US"/>
+          </a:p>
+        </p:txBody>
+      </p:sp>
+      <p:cxnSp>
+        <p:nvCxnSpPr>
+          <p:cNvPr id="5" name="Rechte verbindingslijn 4">
+            <a:extLst>
+              <a:ext uri="{FF2B5EF4-FFF2-40B4-BE49-F238E27FC236}">
+                <a16:creationId xmlns:a16="http://schemas.microsoft.com/office/drawing/2014/main" id="{AE6CFE6D-462C-4006-B1B3-786E34D5C894}"/>
+              </a:ext>
+            </a:extLst>
+          </p:cNvPr>
+          <p:cNvCxnSpPr>
+            <a:cxnSpLocks/>
+            <a:endCxn id="17" idx="2"/>
+          </p:cNvCxnSpPr>
+          <p:nvPr/>
+        </p:nvCxnSpPr>
+        <p:spPr>
+          <a:xfrm flipV="1">
+            <a:off x="5480817" y="3318602"/>
+            <a:ext cx="1591271" cy="6742"/>
+          </a:xfrm>
+          <a:prstGeom prst="line">
+            <a:avLst/>
+          </a:prstGeom>
+          <a:ln w="28575">
+            <a:solidFill>
+              <a:srgbClr val="FF66FF"/>
+            </a:solidFill>
+            <a:headEnd type="none" w="med" len="med"/>
+            <a:tailEnd type="arrow" w="med" len="med"/>
+          </a:ln>
+        </p:spPr>
+        <p:style>
+          <a:lnRef idx="1">
+            <a:schemeClr val="accent1"/>
+          </a:lnRef>
+          <a:fillRef idx="0">
+            <a:schemeClr val="accent1"/>
+          </a:fillRef>
+          <a:effectRef idx="0">
+            <a:schemeClr val="accent1"/>
+          </a:effectRef>
+          <a:fontRef idx="minor">
+            <a:schemeClr val="tx1"/>
+          </a:fontRef>
+        </p:style>
+      </p:cxnSp>
+      <p:cxnSp>
+        <p:nvCxnSpPr>
+          <p:cNvPr id="7" name="Rechte verbindingslijn 6">
+            <a:extLst>
+              <a:ext uri="{FF2B5EF4-FFF2-40B4-BE49-F238E27FC236}">
+                <a16:creationId xmlns:a16="http://schemas.microsoft.com/office/drawing/2014/main" id="{42594AB7-0CF0-482C-8E1B-89E76974C4E4}"/>
+              </a:ext>
+            </a:extLst>
+          </p:cNvPr>
+          <p:cNvCxnSpPr>
+            <a:cxnSpLocks/>
+            <a:endCxn id="2" idx="0"/>
+          </p:cNvCxnSpPr>
+          <p:nvPr/>
+        </p:nvCxnSpPr>
+        <p:spPr>
+          <a:xfrm>
+            <a:off x="5422202" y="2594068"/>
+            <a:ext cx="0" cy="682532"/>
+          </a:xfrm>
+          <a:prstGeom prst="line">
+            <a:avLst/>
+          </a:prstGeom>
+          <a:ln w="28575">
+            <a:solidFill>
+              <a:srgbClr val="FF66FF"/>
+            </a:solidFill>
+            <a:headEnd type="arrow" w="med" len="med"/>
+            <a:tailEnd type="none" w="med" len="med"/>
+          </a:ln>
+        </p:spPr>
+        <p:style>
+          <a:lnRef idx="1">
+            <a:schemeClr val="accent1"/>
+          </a:lnRef>
+          <a:fillRef idx="0">
+            <a:schemeClr val="accent1"/>
+          </a:fillRef>
+          <a:effectRef idx="0">
+            <a:schemeClr val="accent1"/>
+          </a:effectRef>
+          <a:fontRef idx="minor">
+            <a:schemeClr val="tx1"/>
+          </a:fontRef>
+        </p:style>
+      </p:cxnSp>
+      <p:sp>
+        <p:nvSpPr>
+          <p:cNvPr id="14" name="Tekstvak 13">
+            <a:extLst>
+              <a:ext uri="{FF2B5EF4-FFF2-40B4-BE49-F238E27FC236}">
+                <a16:creationId xmlns:a16="http://schemas.microsoft.com/office/drawing/2014/main" id="{329F4CD2-A791-4B79-90E4-9E3F289FD9E1}"/>
+              </a:ext>
+            </a:extLst>
+          </p:cNvPr>
+          <p:cNvSpPr txBox="1"/>
+          <p:nvPr/>
+        </p:nvSpPr>
+        <p:spPr>
+          <a:xfrm>
+            <a:off x="6664160" y="3306597"/>
+            <a:ext cx="328936" cy="261610"/>
+          </a:xfrm>
+          <a:prstGeom prst="rect">
+            <a:avLst/>
+          </a:prstGeom>
+          <a:noFill/>
+        </p:spPr>
+        <p:txBody>
+          <a:bodyPr wrap="none" rtlCol="0">
+            <a:spAutoFit/>
+          </a:bodyPr>
+          <a:lstStyle/>
+          <a:p>
+            <a:r>
+              <a:rPr lang="nl-NL" sz="1100">
+                <a:solidFill>
+                  <a:srgbClr val="FF66FF"/>
+                </a:solidFill>
+              </a:rPr>
+              <a:t>10</a:t>
+            </a:r>
+            <a:endParaRPr lang="en-US" sz="1100">
+              <a:solidFill>
+                <a:srgbClr val="FF66FF"/>
+              </a:solidFill>
+            </a:endParaRPr>
+          </a:p>
+        </p:txBody>
+      </p:sp>
+      <p:sp>
+        <p:nvSpPr>
+          <p:cNvPr id="15" name="Tekstvak 14">
+            <a:extLst>
+              <a:ext uri="{FF2B5EF4-FFF2-40B4-BE49-F238E27FC236}">
+                <a16:creationId xmlns:a16="http://schemas.microsoft.com/office/drawing/2014/main" id="{A341C8A6-A30B-4554-A829-A12FE703E510}"/>
+              </a:ext>
+            </a:extLst>
+          </p:cNvPr>
+          <p:cNvSpPr txBox="1"/>
+          <p:nvPr/>
+        </p:nvSpPr>
+        <p:spPr>
+          <a:xfrm>
+            <a:off x="3949838" y="4173168"/>
+            <a:ext cx="2036135" cy="369332"/>
+          </a:xfrm>
+          <a:prstGeom prst="rect">
+            <a:avLst/>
+          </a:prstGeom>
+          <a:noFill/>
+        </p:spPr>
+        <p:txBody>
+          <a:bodyPr wrap="none" rtlCol="0">
+            <a:spAutoFit/>
+          </a:bodyPr>
+          <a:lstStyle/>
+          <a:p>
+            <a:r>
+              <a:rPr lang="nl-NL">
+                <a:solidFill>
+                  <a:schemeClr val="tx1">
+                    <a:lumMod val="50000"/>
+                    <a:lumOff val="50000"/>
+                  </a:schemeClr>
+                </a:solidFill>
+              </a:rPr>
+              <a:t>p1 = </a:t>
+            </a:r>
+            <a:r>
+              <a:rPr lang="nl-NL">
+                <a:solidFill>
+                  <a:srgbClr val="00B050"/>
+                </a:solidFill>
+              </a:rPr>
+              <a:t>Dxy</a:t>
+            </a:r>
+            <a:r>
+              <a:rPr lang="nl-NL">
+                <a:solidFill>
+                  <a:schemeClr val="tx1">
+                    <a:lumMod val="50000"/>
+                    <a:lumOff val="50000"/>
+                  </a:schemeClr>
+                </a:solidFill>
+              </a:rPr>
+              <a:t>(</a:t>
+            </a:r>
+            <a:r>
+              <a:rPr lang="nl-NL"/>
+              <a:t>p0</a:t>
+            </a:r>
+            <a:r>
+              <a:rPr lang="nl-NL">
+                <a:solidFill>
+                  <a:srgbClr val="FF66FF"/>
+                </a:solidFill>
+              </a:rPr>
+              <a:t>,-6.5</a:t>
+            </a:r>
+            <a:r>
+              <a:rPr lang="nl-NL">
+                <a:solidFill>
+                  <a:schemeClr val="tx1">
+                    <a:lumMod val="50000"/>
+                    <a:lumOff val="50000"/>
+                  </a:schemeClr>
+                </a:solidFill>
+              </a:rPr>
+              <a:t>,</a:t>
+            </a:r>
+            <a:r>
+              <a:rPr lang="nl-NL">
+                <a:solidFill>
+                  <a:srgbClr val="FF66FF"/>
+                </a:solidFill>
+              </a:rPr>
+              <a:t>-5</a:t>
+            </a:r>
+            <a:r>
+              <a:rPr lang="nl-NL">
+                <a:solidFill>
+                  <a:schemeClr val="tx1">
+                    <a:lumMod val="50000"/>
+                    <a:lumOff val="50000"/>
+                  </a:schemeClr>
+                </a:solidFill>
+              </a:rPr>
+              <a:t>)</a:t>
+            </a:r>
+            <a:endParaRPr lang="en-US">
+              <a:solidFill>
+                <a:schemeClr val="tx1">
+                  <a:lumMod val="50000"/>
+                  <a:lumOff val="50000"/>
+                </a:schemeClr>
+              </a:solidFill>
+            </a:endParaRPr>
+          </a:p>
+        </p:txBody>
+      </p:sp>
+      <p:sp>
+        <p:nvSpPr>
+          <p:cNvPr id="16" name="Ovaal 15">
+            <a:extLst>
+              <a:ext uri="{FF2B5EF4-FFF2-40B4-BE49-F238E27FC236}">
+                <a16:creationId xmlns:a16="http://schemas.microsoft.com/office/drawing/2014/main" id="{FDC7BDFC-A8C3-431F-88BF-5E4B8953C09A}"/>
+              </a:ext>
+            </a:extLst>
+          </p:cNvPr>
+          <p:cNvSpPr/>
+          <p:nvPr/>
+        </p:nvSpPr>
+        <p:spPr>
+          <a:xfrm>
+            <a:off x="5363031" y="2483339"/>
+            <a:ext cx="117231" cy="118800"/>
+          </a:xfrm>
+          <a:prstGeom prst="ellipse">
+            <a:avLst/>
+          </a:prstGeom>
+          <a:solidFill>
+            <a:schemeClr val="bg1">
+              <a:lumMod val="50000"/>
+            </a:schemeClr>
+          </a:solidFill>
+          <a:ln>
+            <a:solidFill>
+              <a:schemeClr val="bg1">
+                <a:lumMod val="50000"/>
+              </a:schemeClr>
+            </a:solidFill>
+          </a:ln>
+        </p:spPr>
+        <p:style>
+          <a:lnRef idx="2">
+            <a:schemeClr val="accent1">
+              <a:shade val="50000"/>
+            </a:schemeClr>
+          </a:lnRef>
+          <a:fillRef idx="1">
+            <a:schemeClr val="accent1"/>
+          </a:fillRef>
+          <a:effectRef idx="0">
+            <a:schemeClr val="accent1"/>
+          </a:effectRef>
+          <a:fontRef idx="minor">
+            <a:schemeClr val="lt1"/>
+          </a:fontRef>
+        </p:style>
+        <p:txBody>
+          <a:bodyPr rtlCol="0" anchor="ctr"/>
+          <a:lstStyle/>
+          <a:p>
+            <a:pPr algn="ctr"/>
+            <a:endParaRPr lang="en-US"/>
+          </a:p>
+        </p:txBody>
+      </p:sp>
+      <p:sp>
+        <p:nvSpPr>
+          <p:cNvPr id="17" name="Ovaal 16">
+            <a:extLst>
+              <a:ext uri="{FF2B5EF4-FFF2-40B4-BE49-F238E27FC236}">
+                <a16:creationId xmlns:a16="http://schemas.microsoft.com/office/drawing/2014/main" id="{349E3BC3-B55C-43BE-96D6-A659C3A79F63}"/>
+              </a:ext>
+            </a:extLst>
+          </p:cNvPr>
+          <p:cNvSpPr/>
+          <p:nvPr/>
+        </p:nvSpPr>
+        <p:spPr>
+          <a:xfrm>
+            <a:off x="7072088" y="3259202"/>
+            <a:ext cx="117231" cy="118800"/>
+          </a:xfrm>
+          <a:prstGeom prst="ellipse">
+            <a:avLst/>
+          </a:prstGeom>
+          <a:solidFill>
+            <a:schemeClr val="bg1">
+              <a:lumMod val="50000"/>
+            </a:schemeClr>
+          </a:solidFill>
+          <a:ln>
+            <a:solidFill>
+              <a:schemeClr val="bg1">
+                <a:lumMod val="50000"/>
+              </a:schemeClr>
+            </a:solidFill>
+          </a:ln>
+        </p:spPr>
+        <p:style>
+          <a:lnRef idx="2">
+            <a:schemeClr val="accent1">
+              <a:shade val="50000"/>
+            </a:schemeClr>
+          </a:lnRef>
+          <a:fillRef idx="1">
+            <a:schemeClr val="accent1"/>
+          </a:fillRef>
+          <a:effectRef idx="0">
+            <a:schemeClr val="accent1"/>
+          </a:effectRef>
+          <a:fontRef idx="minor">
+            <a:schemeClr val="lt1"/>
+          </a:fontRef>
+        </p:style>
+        <p:txBody>
+          <a:bodyPr rtlCol="0" anchor="ctr"/>
+          <a:lstStyle/>
+          <a:p>
+            <a:pPr algn="ctr"/>
+            <a:endParaRPr lang="en-US"/>
+          </a:p>
+        </p:txBody>
+      </p:sp>
+      <p:sp>
+        <p:nvSpPr>
+          <p:cNvPr id="19" name="Tekstvak 18">
+            <a:extLst>
+              <a:ext uri="{FF2B5EF4-FFF2-40B4-BE49-F238E27FC236}">
+                <a16:creationId xmlns:a16="http://schemas.microsoft.com/office/drawing/2014/main" id="{2ABE61D8-625D-4BED-8875-35E91D637482}"/>
+              </a:ext>
+            </a:extLst>
+          </p:cNvPr>
+          <p:cNvSpPr txBox="1"/>
+          <p:nvPr/>
+        </p:nvSpPr>
+        <p:spPr>
+          <a:xfrm>
+            <a:off x="5095242" y="3437402"/>
+            <a:ext cx="423514" cy="369332"/>
+          </a:xfrm>
+          <a:prstGeom prst="rect">
+            <a:avLst/>
+          </a:prstGeom>
+          <a:noFill/>
+        </p:spPr>
+        <p:txBody>
+          <a:bodyPr wrap="none" rtlCol="0">
+            <a:spAutoFit/>
+          </a:bodyPr>
+          <a:lstStyle/>
+          <a:p>
+            <a:r>
+              <a:rPr lang="nl-NL"/>
+              <a:t>p0</a:t>
+            </a:r>
+            <a:endParaRPr lang="en-US"/>
+          </a:p>
+        </p:txBody>
+      </p:sp>
+      <p:sp>
+        <p:nvSpPr>
+          <p:cNvPr id="20" name="Tekstvak 19">
+            <a:extLst>
+              <a:ext uri="{FF2B5EF4-FFF2-40B4-BE49-F238E27FC236}">
+                <a16:creationId xmlns:a16="http://schemas.microsoft.com/office/drawing/2014/main" id="{8070338C-43BF-4BEB-9667-C1CDA79E3E5E}"/>
+              </a:ext>
+            </a:extLst>
+          </p:cNvPr>
+          <p:cNvSpPr txBox="1"/>
+          <p:nvPr/>
+        </p:nvSpPr>
+        <p:spPr>
+          <a:xfrm>
+            <a:off x="7072088" y="3437402"/>
+            <a:ext cx="1558440" cy="369332"/>
+          </a:xfrm>
+          <a:prstGeom prst="rect">
+            <a:avLst/>
+          </a:prstGeom>
+          <a:noFill/>
+        </p:spPr>
+        <p:txBody>
+          <a:bodyPr wrap="none" rtlCol="0">
+            <a:spAutoFit/>
+          </a:bodyPr>
+          <a:lstStyle/>
+          <a:p>
+            <a:r>
+              <a:rPr lang="nl-NL">
+                <a:solidFill>
+                  <a:schemeClr val="tx1">
+                    <a:lumMod val="50000"/>
+                    <a:lumOff val="50000"/>
+                  </a:schemeClr>
+                </a:solidFill>
+              </a:rPr>
+              <a:t>p1 = </a:t>
+            </a:r>
+            <a:r>
+              <a:rPr lang="nl-NL">
+                <a:solidFill>
+                  <a:srgbClr val="00B050"/>
+                </a:solidFill>
+              </a:rPr>
+              <a:t>Dx</a:t>
+            </a:r>
+            <a:r>
+              <a:rPr lang="nl-NL">
+                <a:solidFill>
+                  <a:schemeClr val="tx1">
+                    <a:lumMod val="50000"/>
+                    <a:lumOff val="50000"/>
+                  </a:schemeClr>
+                </a:solidFill>
+              </a:rPr>
+              <a:t>(</a:t>
+            </a:r>
+            <a:r>
+              <a:rPr lang="nl-NL"/>
+              <a:t>p0</a:t>
+            </a:r>
+            <a:r>
+              <a:rPr lang="nl-NL">
+                <a:solidFill>
+                  <a:schemeClr val="tx1">
+                    <a:lumMod val="50000"/>
+                    <a:lumOff val="50000"/>
+                  </a:schemeClr>
+                </a:solidFill>
+              </a:rPr>
+              <a:t>,</a:t>
+            </a:r>
+            <a:r>
+              <a:rPr lang="nl-NL">
+                <a:solidFill>
+                  <a:srgbClr val="FF66FF"/>
+                </a:solidFill>
+              </a:rPr>
+              <a:t>10</a:t>
+            </a:r>
+            <a:r>
+              <a:rPr lang="nl-NL">
+                <a:solidFill>
+                  <a:schemeClr val="tx1">
+                    <a:lumMod val="50000"/>
+                    <a:lumOff val="50000"/>
+                  </a:schemeClr>
+                </a:solidFill>
+              </a:rPr>
+              <a:t>)</a:t>
+            </a:r>
+            <a:endParaRPr lang="en-US">
+              <a:solidFill>
+                <a:schemeClr val="tx1">
+                  <a:lumMod val="50000"/>
+                  <a:lumOff val="50000"/>
+                </a:schemeClr>
+              </a:solidFill>
+            </a:endParaRPr>
+          </a:p>
+        </p:txBody>
+      </p:sp>
+      <p:sp>
+        <p:nvSpPr>
+          <p:cNvPr id="23" name="Tekstvak 22">
+            <a:extLst>
+              <a:ext uri="{FF2B5EF4-FFF2-40B4-BE49-F238E27FC236}">
+                <a16:creationId xmlns:a16="http://schemas.microsoft.com/office/drawing/2014/main" id="{C2F666CD-7DA4-4AB0-853E-E4A833D7B1A4}"/>
+              </a:ext>
+            </a:extLst>
+          </p:cNvPr>
+          <p:cNvSpPr txBox="1"/>
+          <p:nvPr/>
+        </p:nvSpPr>
+        <p:spPr>
+          <a:xfrm>
+            <a:off x="4777915" y="2084307"/>
+            <a:ext cx="1446230" cy="369332"/>
+          </a:xfrm>
+          <a:prstGeom prst="rect">
+            <a:avLst/>
+          </a:prstGeom>
+          <a:noFill/>
+        </p:spPr>
+        <p:txBody>
+          <a:bodyPr wrap="none" rtlCol="0">
+            <a:spAutoFit/>
+          </a:bodyPr>
+          <a:lstStyle/>
+          <a:p>
+            <a:r>
+              <a:rPr lang="nl-NL">
+                <a:solidFill>
+                  <a:schemeClr val="tx1">
+                    <a:lumMod val="50000"/>
+                    <a:lumOff val="50000"/>
+                  </a:schemeClr>
+                </a:solidFill>
+              </a:rPr>
+              <a:t>p1 = </a:t>
+            </a:r>
+            <a:r>
+              <a:rPr lang="nl-NL">
+                <a:solidFill>
+                  <a:srgbClr val="00B050"/>
+                </a:solidFill>
+              </a:rPr>
+              <a:t>Dy</a:t>
+            </a:r>
+            <a:r>
+              <a:rPr lang="nl-NL">
+                <a:solidFill>
+                  <a:schemeClr val="tx1">
+                    <a:lumMod val="50000"/>
+                    <a:lumOff val="50000"/>
+                  </a:schemeClr>
+                </a:solidFill>
+              </a:rPr>
+              <a:t>(</a:t>
+            </a:r>
+            <a:r>
+              <a:rPr lang="nl-NL"/>
+              <a:t>p0</a:t>
+            </a:r>
+            <a:r>
+              <a:rPr lang="nl-NL">
+                <a:solidFill>
+                  <a:schemeClr val="tx1">
+                    <a:lumMod val="50000"/>
+                    <a:lumOff val="50000"/>
+                  </a:schemeClr>
+                </a:solidFill>
+              </a:rPr>
+              <a:t>,</a:t>
+            </a:r>
+            <a:r>
+              <a:rPr lang="nl-NL">
+                <a:solidFill>
+                  <a:srgbClr val="FF66FF"/>
+                </a:solidFill>
+              </a:rPr>
+              <a:t>5</a:t>
+            </a:r>
+            <a:r>
+              <a:rPr lang="nl-NL">
+                <a:solidFill>
+                  <a:schemeClr val="tx1">
+                    <a:lumMod val="50000"/>
+                    <a:lumOff val="50000"/>
+                  </a:schemeClr>
+                </a:solidFill>
+              </a:rPr>
+              <a:t>)</a:t>
+            </a:r>
+            <a:endParaRPr lang="en-US">
+              <a:solidFill>
+                <a:schemeClr val="tx1">
+                  <a:lumMod val="50000"/>
+                  <a:lumOff val="50000"/>
+                </a:schemeClr>
+              </a:solidFill>
+            </a:endParaRPr>
+          </a:p>
+        </p:txBody>
+      </p:sp>
+      <p:sp>
+        <p:nvSpPr>
+          <p:cNvPr id="24" name="Tekstvak 23">
+            <a:extLst>
+              <a:ext uri="{FF2B5EF4-FFF2-40B4-BE49-F238E27FC236}">
+                <a16:creationId xmlns:a16="http://schemas.microsoft.com/office/drawing/2014/main" id="{332F7D04-3BCC-4AA7-A037-8135206946C9}"/>
+              </a:ext>
+            </a:extLst>
+          </p:cNvPr>
+          <p:cNvSpPr txBox="1"/>
+          <p:nvPr/>
+        </p:nvSpPr>
+        <p:spPr>
+          <a:xfrm>
+            <a:off x="5216166" y="2698760"/>
+            <a:ext cx="256802" cy="261610"/>
+          </a:xfrm>
+          <a:prstGeom prst="rect">
+            <a:avLst/>
+          </a:prstGeom>
+          <a:noFill/>
+        </p:spPr>
+        <p:txBody>
+          <a:bodyPr wrap="none" rtlCol="0">
+            <a:spAutoFit/>
+          </a:bodyPr>
+          <a:lstStyle/>
+          <a:p>
+            <a:r>
+              <a:rPr lang="nl-NL" sz="1100">
+                <a:solidFill>
+                  <a:srgbClr val="FF66FF"/>
+                </a:solidFill>
+              </a:rPr>
+              <a:t>5</a:t>
+            </a:r>
+            <a:endParaRPr lang="en-US" sz="1100">
+              <a:solidFill>
+                <a:srgbClr val="FF66FF"/>
+              </a:solidFill>
+            </a:endParaRPr>
+          </a:p>
+        </p:txBody>
+      </p:sp>
+      <p:cxnSp>
+        <p:nvCxnSpPr>
+          <p:cNvPr id="25" name="Rechte verbindingslijn 24">
+            <a:extLst>
+              <a:ext uri="{FF2B5EF4-FFF2-40B4-BE49-F238E27FC236}">
+                <a16:creationId xmlns:a16="http://schemas.microsoft.com/office/drawing/2014/main" id="{4B1C793B-0C40-4D19-94EC-642A868FF17F}"/>
+              </a:ext>
+            </a:extLst>
+          </p:cNvPr>
+          <p:cNvCxnSpPr>
+            <a:cxnSpLocks/>
+          </p:cNvCxnSpPr>
+          <p:nvPr/>
+        </p:nvCxnSpPr>
+        <p:spPr>
+          <a:xfrm>
+            <a:off x="4300135" y="3336000"/>
+            <a:ext cx="0" cy="716463"/>
+          </a:xfrm>
+          <a:prstGeom prst="line">
+            <a:avLst/>
+          </a:prstGeom>
+          <a:ln w="28575">
+            <a:solidFill>
+              <a:srgbClr val="FF66FF"/>
+            </a:solidFill>
+            <a:headEnd type="none" w="med" len="med"/>
+            <a:tailEnd type="arrow" w="med" len="med"/>
+          </a:ln>
+        </p:spPr>
+        <p:style>
+          <a:lnRef idx="1">
+            <a:schemeClr val="accent1"/>
+          </a:lnRef>
+          <a:fillRef idx="0">
+            <a:schemeClr val="accent1"/>
+          </a:fillRef>
+          <a:effectRef idx="0">
+            <a:schemeClr val="accent1"/>
+          </a:effectRef>
+          <a:fontRef idx="minor">
+            <a:schemeClr val="tx1"/>
+          </a:fontRef>
+        </p:style>
+      </p:cxnSp>
+      <p:sp>
+        <p:nvSpPr>
+          <p:cNvPr id="27" name="Tekstvak 26">
+            <a:extLst>
+              <a:ext uri="{FF2B5EF4-FFF2-40B4-BE49-F238E27FC236}">
+                <a16:creationId xmlns:a16="http://schemas.microsoft.com/office/drawing/2014/main" id="{6A181768-2D05-41C7-998C-FC461ADD769B}"/>
+              </a:ext>
+            </a:extLst>
+          </p:cNvPr>
+          <p:cNvSpPr txBox="1"/>
+          <p:nvPr/>
+        </p:nvSpPr>
+        <p:spPr>
+          <a:xfrm>
+            <a:off x="4707045" y="3128397"/>
+            <a:ext cx="407484" cy="261610"/>
+          </a:xfrm>
+          <a:prstGeom prst="rect">
+            <a:avLst/>
+          </a:prstGeom>
+          <a:noFill/>
+        </p:spPr>
+        <p:txBody>
+          <a:bodyPr wrap="none" rtlCol="0">
+            <a:spAutoFit/>
+          </a:bodyPr>
+          <a:lstStyle/>
+          <a:p>
+            <a:r>
+              <a:rPr lang="nl-NL" sz="1100">
+                <a:solidFill>
+                  <a:srgbClr val="FF66FF"/>
+                </a:solidFill>
+              </a:rPr>
+              <a:t>-6.5</a:t>
+            </a:r>
+            <a:endParaRPr lang="en-US" sz="1100">
+              <a:solidFill>
+                <a:srgbClr val="FF66FF"/>
+              </a:solidFill>
+            </a:endParaRPr>
+          </a:p>
+        </p:txBody>
+      </p:sp>
+      <p:sp>
+        <p:nvSpPr>
+          <p:cNvPr id="28" name="Tekstvak 27">
+            <a:extLst>
+              <a:ext uri="{FF2B5EF4-FFF2-40B4-BE49-F238E27FC236}">
+                <a16:creationId xmlns:a16="http://schemas.microsoft.com/office/drawing/2014/main" id="{BBAFC4D9-12F0-49AC-BA30-B2246CCC073C}"/>
+              </a:ext>
+            </a:extLst>
+          </p:cNvPr>
+          <p:cNvSpPr txBox="1"/>
+          <p:nvPr/>
+        </p:nvSpPr>
+        <p:spPr>
+          <a:xfrm>
+            <a:off x="3949838" y="3575132"/>
+            <a:ext cx="300082" cy="261610"/>
+          </a:xfrm>
+          <a:prstGeom prst="rect">
+            <a:avLst/>
+          </a:prstGeom>
+          <a:noFill/>
+        </p:spPr>
+        <p:txBody>
+          <a:bodyPr wrap="none" rtlCol="0">
+            <a:spAutoFit/>
+          </a:bodyPr>
+          <a:lstStyle/>
+          <a:p>
+            <a:r>
+              <a:rPr lang="nl-NL" sz="1100">
+                <a:solidFill>
+                  <a:srgbClr val="FF66FF"/>
+                </a:solidFill>
+              </a:rPr>
+              <a:t>-5</a:t>
+            </a:r>
+            <a:endParaRPr lang="en-US" sz="1100">
+              <a:solidFill>
+                <a:srgbClr val="FF66FF"/>
+              </a:solidFill>
+            </a:endParaRPr>
+          </a:p>
+        </p:txBody>
+      </p:sp>
+      <p:cxnSp>
+        <p:nvCxnSpPr>
+          <p:cNvPr id="29" name="Rechte verbindingslijn 28">
+            <a:extLst>
+              <a:ext uri="{FF2B5EF4-FFF2-40B4-BE49-F238E27FC236}">
+                <a16:creationId xmlns:a16="http://schemas.microsoft.com/office/drawing/2014/main" id="{9F6EDAE5-2306-4ED5-9255-7205E44F0CE5}"/>
+              </a:ext>
+            </a:extLst>
+          </p:cNvPr>
+          <p:cNvCxnSpPr>
+            <a:cxnSpLocks/>
+            <a:endCxn id="2" idx="2"/>
+          </p:cNvCxnSpPr>
+          <p:nvPr/>
+        </p:nvCxnSpPr>
+        <p:spPr>
+          <a:xfrm>
+            <a:off x="4283667" y="3336000"/>
+            <a:ext cx="1079919" cy="0"/>
+          </a:xfrm>
+          <a:prstGeom prst="line">
+            <a:avLst/>
+          </a:prstGeom>
+          <a:ln w="28575">
+            <a:solidFill>
+              <a:srgbClr val="FF66FF"/>
+            </a:solidFill>
+            <a:headEnd type="arrow" w="med" len="med"/>
+            <a:tailEnd type="none" w="med" len="med"/>
+          </a:ln>
+        </p:spPr>
+        <p:style>
+          <a:lnRef idx="1">
+            <a:schemeClr val="accent1"/>
+          </a:lnRef>
+          <a:fillRef idx="0">
+            <a:schemeClr val="accent1"/>
+          </a:fillRef>
+          <a:effectRef idx="0">
+            <a:schemeClr val="accent1"/>
+          </a:effectRef>
+          <a:fontRef idx="minor">
+            <a:schemeClr val="tx1"/>
+          </a:fontRef>
+        </p:style>
+      </p:cxnSp>
+    </p:spTree>
+    <p:extLst>
+      <p:ext uri="{BB962C8B-B14F-4D97-AF65-F5344CB8AC3E}">
+        <p14:creationId xmlns:p14="http://schemas.microsoft.com/office/powerpoint/2010/main" val="3613501520"/>
+      </p:ext>
+    </p:extLst>
+  </p:cSld>
+  <p:clrMapOvr>
+    <a:masterClrMapping/>
+  </p:clrMapOvr>
+</p:sld>
+</file>
+
+<file path=ppt/slides/slide3.xml><?xml version="1.0" encoding="utf-8"?>
+<p:sld xmlns:a="http://schemas.openxmlformats.org/drawingml/2006/main" xmlns:r="http://schemas.openxmlformats.org/officeDocument/2006/relationships" xmlns:p="http://schemas.openxmlformats.org/presentationml/2006/main">
+  <p:cSld>
+    <p:spTree>
+      <p:nvGrpSpPr>
+        <p:cNvPr id="1" name=""/>
+        <p:cNvGrpSpPr/>
+        <p:nvPr/>
+      </p:nvGrpSpPr>
+      <p:grpSpPr>
+        <a:xfrm>
+          <a:off x="0" y="0"/>
+          <a:ext cx="0" cy="0"/>
+          <a:chOff x="0" y="0"/>
+          <a:chExt cx="0" cy="0"/>
+        </a:xfrm>
+      </p:grpSpPr>
+      <p:sp>
+        <p:nvSpPr>
+          <p:cNvPr id="2" name="Ovaal 1">
+            <a:extLst>
+              <a:ext uri="{FF2B5EF4-FFF2-40B4-BE49-F238E27FC236}">
+                <a16:creationId xmlns:a16="http://schemas.microsoft.com/office/drawing/2014/main" id="{716D9C6B-258B-4B75-903C-000779857DED}"/>
+              </a:ext>
+            </a:extLst>
+          </p:cNvPr>
+          <p:cNvSpPr/>
+          <p:nvPr/>
+        </p:nvSpPr>
+        <p:spPr>
+          <a:xfrm>
+            <a:off x="5363586" y="3276600"/>
+            <a:ext cx="117231" cy="118800"/>
+          </a:xfrm>
+          <a:prstGeom prst="ellipse">
+            <a:avLst/>
+          </a:prstGeom>
+          <a:solidFill>
+            <a:schemeClr val="tx1"/>
+          </a:solidFill>
+          <a:ln>
+            <a:solidFill>
+              <a:schemeClr val="tx1"/>
+            </a:solidFill>
+          </a:ln>
+        </p:spPr>
+        <p:style>
+          <a:lnRef idx="2">
+            <a:schemeClr val="accent1">
+              <a:shade val="50000"/>
+            </a:schemeClr>
+          </a:lnRef>
+          <a:fillRef idx="1">
+            <a:schemeClr val="accent1"/>
+          </a:fillRef>
+          <a:effectRef idx="0">
+            <a:schemeClr val="accent1"/>
+          </a:effectRef>
+          <a:fontRef idx="minor">
+            <a:schemeClr val="lt1"/>
+          </a:fontRef>
+        </p:style>
+        <p:txBody>
+          <a:bodyPr rtlCol="0" anchor="ctr"/>
+          <a:lstStyle/>
+          <a:p>
+            <a:pPr algn="ctr"/>
+            <a:endParaRPr lang="en-US"/>
+          </a:p>
+        </p:txBody>
+      </p:sp>
+      <p:cxnSp>
+        <p:nvCxnSpPr>
+          <p:cNvPr id="5" name="Rechte verbindingslijn 4">
+            <a:extLst>
+              <a:ext uri="{FF2B5EF4-FFF2-40B4-BE49-F238E27FC236}">
+                <a16:creationId xmlns:a16="http://schemas.microsoft.com/office/drawing/2014/main" id="{AE6CFE6D-462C-4006-B1B3-786E34D5C894}"/>
+              </a:ext>
+            </a:extLst>
+          </p:cNvPr>
+          <p:cNvCxnSpPr>
+            <a:cxnSpLocks/>
+          </p:cNvCxnSpPr>
+          <p:nvPr/>
+        </p:nvCxnSpPr>
+        <p:spPr>
+          <a:xfrm flipV="1">
+            <a:off x="5487879" y="1868177"/>
+            <a:ext cx="1617758" cy="1424519"/>
+          </a:xfrm>
+          <a:prstGeom prst="line">
+            <a:avLst/>
+          </a:prstGeom>
+          <a:ln w="28575">
+            <a:solidFill>
+              <a:srgbClr val="FF66FF"/>
+            </a:solidFill>
+            <a:headEnd type="none" w="med" len="med"/>
+            <a:tailEnd type="arrow" w="med" len="med"/>
+          </a:ln>
+        </p:spPr>
+        <p:style>
+          <a:lnRef idx="1">
+            <a:schemeClr val="accent1"/>
+          </a:lnRef>
+          <a:fillRef idx="0">
+            <a:schemeClr val="accent1"/>
+          </a:fillRef>
+          <a:effectRef idx="0">
+            <a:schemeClr val="accent1"/>
+          </a:effectRef>
+          <a:fontRef idx="minor">
+            <a:schemeClr val="tx1"/>
+          </a:fontRef>
+        </p:style>
+      </p:cxnSp>
+      <p:sp>
+        <p:nvSpPr>
+          <p:cNvPr id="14" name="Tekstvak 13">
+            <a:extLst>
+              <a:ext uri="{FF2B5EF4-FFF2-40B4-BE49-F238E27FC236}">
+                <a16:creationId xmlns:a16="http://schemas.microsoft.com/office/drawing/2014/main" id="{329F4CD2-A791-4B79-90E4-9E3F289FD9E1}"/>
+              </a:ext>
+            </a:extLst>
+          </p:cNvPr>
+          <p:cNvSpPr txBox="1"/>
+          <p:nvPr/>
+        </p:nvSpPr>
+        <p:spPr>
+          <a:xfrm>
+            <a:off x="6084161" y="2250683"/>
+            <a:ext cx="328936" cy="261610"/>
+          </a:xfrm>
+          <a:prstGeom prst="rect">
+            <a:avLst/>
+          </a:prstGeom>
+          <a:noFill/>
+        </p:spPr>
+        <p:txBody>
+          <a:bodyPr wrap="none" rtlCol="0">
+            <a:spAutoFit/>
+          </a:bodyPr>
+          <a:lstStyle/>
+          <a:p>
+            <a:r>
+              <a:rPr lang="nl-NL" sz="1100">
+                <a:solidFill>
+                  <a:srgbClr val="FF66FF"/>
+                </a:solidFill>
+              </a:rPr>
+              <a:t>12</a:t>
+            </a:r>
+            <a:endParaRPr lang="en-US" sz="1100">
+              <a:solidFill>
+                <a:srgbClr val="FF66FF"/>
+              </a:solidFill>
+            </a:endParaRPr>
+          </a:p>
+        </p:txBody>
+      </p:sp>
+      <p:sp>
+        <p:nvSpPr>
+          <p:cNvPr id="17" name="Ovaal 16">
+            <a:extLst>
+              <a:ext uri="{FF2B5EF4-FFF2-40B4-BE49-F238E27FC236}">
+                <a16:creationId xmlns:a16="http://schemas.microsoft.com/office/drawing/2014/main" id="{349E3BC3-B55C-43BE-96D6-A659C3A79F63}"/>
+              </a:ext>
+            </a:extLst>
+          </p:cNvPr>
+          <p:cNvSpPr/>
+          <p:nvPr/>
+        </p:nvSpPr>
+        <p:spPr>
+          <a:xfrm>
+            <a:off x="7064239" y="1768077"/>
+            <a:ext cx="117231" cy="118800"/>
+          </a:xfrm>
+          <a:prstGeom prst="ellipse">
+            <a:avLst/>
+          </a:prstGeom>
+          <a:solidFill>
+            <a:schemeClr val="bg1">
+              <a:lumMod val="50000"/>
+            </a:schemeClr>
+          </a:solidFill>
+          <a:ln>
+            <a:solidFill>
+              <a:schemeClr val="bg1">
+                <a:lumMod val="50000"/>
+              </a:schemeClr>
+            </a:solidFill>
+          </a:ln>
+        </p:spPr>
+        <p:style>
+          <a:lnRef idx="2">
+            <a:schemeClr val="accent1">
+              <a:shade val="50000"/>
+            </a:schemeClr>
+          </a:lnRef>
+          <a:fillRef idx="1">
+            <a:schemeClr val="accent1"/>
+          </a:fillRef>
+          <a:effectRef idx="0">
+            <a:schemeClr val="accent1"/>
+          </a:effectRef>
+          <a:fontRef idx="minor">
+            <a:schemeClr val="lt1"/>
+          </a:fontRef>
+        </p:style>
+        <p:txBody>
+          <a:bodyPr rtlCol="0" anchor="ctr"/>
+          <a:lstStyle/>
+          <a:p>
+            <a:pPr algn="ctr"/>
+            <a:endParaRPr lang="en-US"/>
+          </a:p>
+        </p:txBody>
+      </p:sp>
+      <p:sp>
+        <p:nvSpPr>
+          <p:cNvPr id="19" name="Tekstvak 18">
+            <a:extLst>
+              <a:ext uri="{FF2B5EF4-FFF2-40B4-BE49-F238E27FC236}">
+                <a16:creationId xmlns:a16="http://schemas.microsoft.com/office/drawing/2014/main" id="{2ABE61D8-625D-4BED-8875-35E91D637482}"/>
+              </a:ext>
+            </a:extLst>
+          </p:cNvPr>
+          <p:cNvSpPr txBox="1"/>
+          <p:nvPr/>
+        </p:nvSpPr>
+        <p:spPr>
+          <a:xfrm>
+            <a:off x="5095242" y="3437402"/>
+            <a:ext cx="423514" cy="369332"/>
+          </a:xfrm>
+          <a:prstGeom prst="rect">
+            <a:avLst/>
+          </a:prstGeom>
+          <a:noFill/>
+        </p:spPr>
+        <p:txBody>
+          <a:bodyPr wrap="none" rtlCol="0">
+            <a:spAutoFit/>
+          </a:bodyPr>
+          <a:lstStyle/>
+          <a:p>
+            <a:r>
+              <a:rPr lang="nl-NL"/>
+              <a:t>p0</a:t>
+            </a:r>
+            <a:endParaRPr lang="en-US"/>
+          </a:p>
+        </p:txBody>
+      </p:sp>
+      <p:sp>
+        <p:nvSpPr>
+          <p:cNvPr id="23" name="Tekstvak 22">
+            <a:extLst>
+              <a:ext uri="{FF2B5EF4-FFF2-40B4-BE49-F238E27FC236}">
+                <a16:creationId xmlns:a16="http://schemas.microsoft.com/office/drawing/2014/main" id="{C2F666CD-7DA4-4AB0-853E-E4A833D7B1A4}"/>
+              </a:ext>
+            </a:extLst>
+          </p:cNvPr>
+          <p:cNvSpPr txBox="1"/>
+          <p:nvPr/>
+        </p:nvSpPr>
+        <p:spPr>
+          <a:xfrm>
+            <a:off x="6932354" y="1358651"/>
+            <a:ext cx="2087623" cy="369332"/>
+          </a:xfrm>
+          <a:prstGeom prst="rect">
+            <a:avLst/>
+          </a:prstGeom>
+          <a:noFill/>
+        </p:spPr>
+        <p:txBody>
+          <a:bodyPr wrap="none" rtlCol="0">
+            <a:spAutoFit/>
+          </a:bodyPr>
+          <a:lstStyle/>
+          <a:p>
+            <a:r>
+              <a:rPr lang="nl-NL">
+                <a:solidFill>
+                  <a:schemeClr val="tx1">
+                    <a:lumMod val="50000"/>
+                    <a:lumOff val="50000"/>
+                  </a:schemeClr>
+                </a:solidFill>
+              </a:rPr>
+              <a:t>p1 = </a:t>
+            </a:r>
+            <a:r>
+              <a:rPr lang="nl-NL">
+                <a:solidFill>
+                  <a:srgbClr val="00B050"/>
+                </a:solidFill>
+              </a:rPr>
+              <a:t>Polar</a:t>
+            </a:r>
+            <a:r>
+              <a:rPr lang="nl-NL">
+                <a:solidFill>
+                  <a:schemeClr val="tx1">
+                    <a:lumMod val="50000"/>
+                    <a:lumOff val="50000"/>
+                  </a:schemeClr>
+                </a:solidFill>
+              </a:rPr>
+              <a:t>(</a:t>
+            </a:r>
+            <a:r>
+              <a:rPr lang="nl-NL"/>
+              <a:t>p0</a:t>
+            </a:r>
+            <a:r>
+              <a:rPr lang="nl-NL">
+                <a:solidFill>
+                  <a:schemeClr val="tx1">
+                    <a:lumMod val="50000"/>
+                    <a:lumOff val="50000"/>
+                  </a:schemeClr>
+                </a:solidFill>
+              </a:rPr>
+              <a:t>,</a:t>
+            </a:r>
+            <a:r>
+              <a:rPr lang="nl-NL">
+                <a:solidFill>
+                  <a:srgbClr val="FF66FF"/>
+                </a:solidFill>
+              </a:rPr>
+              <a:t>12,42</a:t>
+            </a:r>
+            <a:r>
+              <a:rPr lang="nl-NL">
+                <a:solidFill>
+                  <a:schemeClr val="tx1">
+                    <a:lumMod val="50000"/>
+                    <a:lumOff val="50000"/>
+                  </a:schemeClr>
+                </a:solidFill>
+              </a:rPr>
+              <a:t>)</a:t>
+            </a:r>
+            <a:endParaRPr lang="en-US">
+              <a:solidFill>
+                <a:schemeClr val="tx1">
+                  <a:lumMod val="50000"/>
+                  <a:lumOff val="50000"/>
+                </a:schemeClr>
+              </a:solidFill>
+            </a:endParaRPr>
+          </a:p>
+        </p:txBody>
+      </p:sp>
+      <p:cxnSp>
+        <p:nvCxnSpPr>
+          <p:cNvPr id="29" name="Rechte verbindingslijn 28">
+            <a:extLst>
+              <a:ext uri="{FF2B5EF4-FFF2-40B4-BE49-F238E27FC236}">
+                <a16:creationId xmlns:a16="http://schemas.microsoft.com/office/drawing/2014/main" id="{9F6EDAE5-2306-4ED5-9255-7205E44F0CE5}"/>
+              </a:ext>
+            </a:extLst>
+          </p:cNvPr>
+          <p:cNvCxnSpPr>
+            <a:cxnSpLocks/>
+          </p:cNvCxnSpPr>
+          <p:nvPr/>
+        </p:nvCxnSpPr>
+        <p:spPr>
+          <a:xfrm>
+            <a:off x="5480817" y="3336000"/>
+            <a:ext cx="1367137" cy="0"/>
+          </a:xfrm>
+          <a:prstGeom prst="line">
+            <a:avLst/>
+          </a:prstGeom>
+          <a:ln w="12700">
+            <a:solidFill>
+              <a:srgbClr val="FF66FF"/>
+            </a:solidFill>
+            <a:headEnd type="none" w="med" len="med"/>
+            <a:tailEnd type="none" w="med" len="med"/>
+          </a:ln>
+        </p:spPr>
+        <p:style>
+          <a:lnRef idx="1">
+            <a:schemeClr val="accent1"/>
+          </a:lnRef>
+          <a:fillRef idx="0">
+            <a:schemeClr val="accent1"/>
+          </a:fillRef>
+          <a:effectRef idx="0">
+            <a:schemeClr val="accent1"/>
+          </a:effectRef>
+          <a:fontRef idx="minor">
+            <a:schemeClr val="tx1"/>
+          </a:fontRef>
+        </p:style>
+      </p:cxnSp>
+      <p:cxnSp>
+        <p:nvCxnSpPr>
+          <p:cNvPr id="21" name="Rechte verbindingslijn 20">
+            <a:extLst>
+              <a:ext uri="{FF2B5EF4-FFF2-40B4-BE49-F238E27FC236}">
+                <a16:creationId xmlns:a16="http://schemas.microsoft.com/office/drawing/2014/main" id="{92935540-7F59-472F-B670-E7F5C3FB6C51}"/>
+              </a:ext>
+            </a:extLst>
+          </p:cNvPr>
+          <p:cNvCxnSpPr>
+            <a:cxnSpLocks/>
+          </p:cNvCxnSpPr>
+          <p:nvPr/>
+        </p:nvCxnSpPr>
+        <p:spPr>
+          <a:xfrm flipV="1">
+            <a:off x="5415779" y="1807858"/>
+            <a:ext cx="0" cy="1468742"/>
+          </a:xfrm>
+          <a:prstGeom prst="line">
+            <a:avLst/>
+          </a:prstGeom>
+          <a:ln w="12700">
+            <a:solidFill>
+              <a:srgbClr val="FF66FF"/>
+            </a:solidFill>
+            <a:headEnd type="none" w="med" len="med"/>
+            <a:tailEnd type="none" w="med" len="med"/>
+          </a:ln>
+        </p:spPr>
+        <p:style>
+          <a:lnRef idx="1">
+            <a:schemeClr val="accent1"/>
+          </a:lnRef>
+          <a:fillRef idx="0">
+            <a:schemeClr val="accent1"/>
+          </a:fillRef>
+          <a:effectRef idx="0">
+            <a:schemeClr val="accent1"/>
+          </a:effectRef>
+          <a:fontRef idx="minor">
+            <a:schemeClr val="tx1"/>
+          </a:fontRef>
+        </p:style>
+      </p:cxnSp>
+      <p:sp>
+        <p:nvSpPr>
+          <p:cNvPr id="11" name="Boog 10">
+            <a:extLst>
+              <a:ext uri="{FF2B5EF4-FFF2-40B4-BE49-F238E27FC236}">
+                <a16:creationId xmlns:a16="http://schemas.microsoft.com/office/drawing/2014/main" id="{A1DE9225-48BA-4747-BEB1-0D74A74467AB}"/>
+              </a:ext>
+            </a:extLst>
+          </p:cNvPr>
+          <p:cNvSpPr/>
+          <p:nvPr/>
+        </p:nvSpPr>
+        <p:spPr>
+          <a:xfrm>
+            <a:off x="5299438" y="3066280"/>
+            <a:ext cx="503814" cy="522042"/>
+          </a:xfrm>
+          <a:prstGeom prst="arc">
+            <a:avLst>
+              <a:gd name="adj1" fmla="val 18121996"/>
+              <a:gd name="adj2" fmla="val 0"/>
+            </a:avLst>
+          </a:prstGeom>
+          <a:ln>
+            <a:solidFill>
+              <a:srgbClr val="FF66FF"/>
+            </a:solidFill>
+          </a:ln>
+        </p:spPr>
+        <p:style>
+          <a:lnRef idx="1">
+            <a:schemeClr val="accent1"/>
+          </a:lnRef>
+          <a:fillRef idx="0">
+            <a:schemeClr val="accent1"/>
+          </a:fillRef>
+          <a:effectRef idx="0">
+            <a:schemeClr val="accent1"/>
+          </a:effectRef>
+          <a:fontRef idx="minor">
+            <a:schemeClr val="tx1"/>
+          </a:fontRef>
+        </p:style>
+        <p:txBody>
+          <a:bodyPr rtlCol="0" anchor="ctr"/>
+          <a:lstStyle/>
+          <a:p>
+            <a:pPr algn="ctr"/>
+            <a:endParaRPr lang="en-US"/>
+          </a:p>
+        </p:txBody>
+      </p:sp>
+      <p:sp>
+        <p:nvSpPr>
+          <p:cNvPr id="26" name="Tekstvak 25">
+            <a:extLst>
+              <a:ext uri="{FF2B5EF4-FFF2-40B4-BE49-F238E27FC236}">
+                <a16:creationId xmlns:a16="http://schemas.microsoft.com/office/drawing/2014/main" id="{71B7B885-32B7-4330-9BDB-B7E862F9C012}"/>
+              </a:ext>
+            </a:extLst>
+          </p:cNvPr>
+          <p:cNvSpPr txBox="1"/>
+          <p:nvPr/>
+        </p:nvSpPr>
+        <p:spPr>
+          <a:xfrm>
+            <a:off x="5738847" y="3036982"/>
+            <a:ext cx="570990" cy="261610"/>
+          </a:xfrm>
+          <a:prstGeom prst="rect">
+            <a:avLst/>
+          </a:prstGeom>
+          <a:noFill/>
+        </p:spPr>
+        <p:txBody>
+          <a:bodyPr wrap="none" rtlCol="0">
+            <a:spAutoFit/>
+          </a:bodyPr>
+          <a:lstStyle/>
+          <a:p>
+            <a:r>
+              <a:rPr lang="nl-NL" sz="1100">
+                <a:solidFill>
+                  <a:srgbClr val="FF66FF"/>
+                </a:solidFill>
+              </a:rPr>
+              <a:t>42 deg</a:t>
+            </a:r>
+            <a:endParaRPr lang="en-US" sz="1100">
+              <a:solidFill>
+                <a:srgbClr val="FF66FF"/>
+              </a:solidFill>
+            </a:endParaRPr>
+          </a:p>
+        </p:txBody>
+      </p:sp>
+    </p:spTree>
+    <p:extLst>
+      <p:ext uri="{BB962C8B-B14F-4D97-AF65-F5344CB8AC3E}">
+        <p14:creationId xmlns:p14="http://schemas.microsoft.com/office/powerpoint/2010/main" val="4002065478"/>
+      </p:ext>
+    </p:extLst>
+  </p:cSld>
+  <p:clrMapOvr>
+    <a:masterClrMapping/>
+  </p:clrMapOvr>
+</p:sld>
+</file>
+
+<file path=ppt/slides/slide4.xml><?xml version="1.0" encoding="utf-8"?>
+<p:sld xmlns:a="http://schemas.openxmlformats.org/drawingml/2006/main" xmlns:r="http://schemas.openxmlformats.org/officeDocument/2006/relationships" xmlns:p="http://schemas.openxmlformats.org/presentationml/2006/main">
+  <p:cSld>
+    <p:spTree>
+      <p:nvGrpSpPr>
+        <p:cNvPr id="1" name=""/>
+        <p:cNvGrpSpPr/>
+        <p:nvPr/>
+      </p:nvGrpSpPr>
+      <p:grpSpPr>
+        <a:xfrm>
+          <a:off x="0" y="0"/>
+          <a:ext cx="0" cy="0"/>
+          <a:chOff x="0" y="0"/>
+          <a:chExt cx="0" cy="0"/>
+        </a:xfrm>
+      </p:grpSpPr>
+      <p:sp>
+        <p:nvSpPr>
+          <p:cNvPr id="2" name="Ovaal 1">
+            <a:extLst>
+              <a:ext uri="{FF2B5EF4-FFF2-40B4-BE49-F238E27FC236}">
+                <a16:creationId xmlns:a16="http://schemas.microsoft.com/office/drawing/2014/main" id="{B3633963-40E3-4752-954C-87909F9D82AC}"/>
+              </a:ext>
+            </a:extLst>
+          </p:cNvPr>
+          <p:cNvSpPr/>
+          <p:nvPr/>
+        </p:nvSpPr>
+        <p:spPr>
+          <a:xfrm>
+            <a:off x="5363586" y="3276600"/>
+            <a:ext cx="117231" cy="118800"/>
+          </a:xfrm>
+          <a:prstGeom prst="ellipse">
+            <a:avLst/>
+          </a:prstGeom>
+          <a:solidFill>
+            <a:schemeClr val="tx1"/>
+          </a:solidFill>
+          <a:ln>
+            <a:solidFill>
+              <a:schemeClr val="tx1"/>
+            </a:solidFill>
+          </a:ln>
+        </p:spPr>
+        <p:style>
+          <a:lnRef idx="2">
+            <a:schemeClr val="accent1">
+              <a:shade val="50000"/>
+            </a:schemeClr>
+          </a:lnRef>
+          <a:fillRef idx="1">
+            <a:schemeClr val="accent1"/>
+          </a:fillRef>
+          <a:effectRef idx="0">
+            <a:schemeClr val="accent1"/>
+          </a:effectRef>
+          <a:fontRef idx="minor">
+            <a:schemeClr val="lt1"/>
+          </a:fontRef>
+        </p:style>
+        <p:txBody>
+          <a:bodyPr rtlCol="0" anchor="ctr"/>
+          <a:lstStyle/>
+          <a:p>
+            <a:pPr algn="ctr"/>
+            <a:endParaRPr lang="en-US"/>
+          </a:p>
+        </p:txBody>
+      </p:sp>
+      <p:cxnSp>
+        <p:nvCxnSpPr>
+          <p:cNvPr id="5" name="Rechte verbindingslijn 4">
+            <a:extLst>
+              <a:ext uri="{FF2B5EF4-FFF2-40B4-BE49-F238E27FC236}">
+                <a16:creationId xmlns:a16="http://schemas.microsoft.com/office/drawing/2014/main" id="{BAEAD97F-8EFF-4241-A08C-B4422D1541BF}"/>
+              </a:ext>
+            </a:extLst>
+          </p:cNvPr>
+          <p:cNvCxnSpPr>
+            <a:cxnSpLocks/>
+            <a:endCxn id="2" idx="0"/>
+          </p:cNvCxnSpPr>
+          <p:nvPr/>
+        </p:nvCxnSpPr>
+        <p:spPr>
+          <a:xfrm>
+            <a:off x="5422202" y="2594068"/>
+            <a:ext cx="0" cy="682532"/>
+          </a:xfrm>
+          <a:prstGeom prst="line">
+            <a:avLst/>
+          </a:prstGeom>
+          <a:solidFill>
+            <a:schemeClr val="tx1"/>
+          </a:solidFill>
+          <a:ln>
+            <a:solidFill>
+              <a:srgbClr val="FF66FF"/>
+            </a:solidFill>
+          </a:ln>
+        </p:spPr>
+        <p:style>
+          <a:lnRef idx="2">
+            <a:schemeClr val="accent1">
+              <a:shade val="50000"/>
+            </a:schemeClr>
+          </a:lnRef>
+          <a:fillRef idx="1">
+            <a:schemeClr val="accent1"/>
+          </a:fillRef>
+          <a:effectRef idx="0">
+            <a:schemeClr val="accent1"/>
+          </a:effectRef>
+          <a:fontRef idx="minor">
+            <a:schemeClr val="lt1"/>
+          </a:fontRef>
+        </p:style>
+      </p:cxnSp>
+      <p:sp>
+        <p:nvSpPr>
+          <p:cNvPr id="9" name="Ovaal 8">
+            <a:extLst>
+              <a:ext uri="{FF2B5EF4-FFF2-40B4-BE49-F238E27FC236}">
+                <a16:creationId xmlns:a16="http://schemas.microsoft.com/office/drawing/2014/main" id="{C15D0BE6-1477-46ED-BA60-34A125B6D600}"/>
+              </a:ext>
+            </a:extLst>
+          </p:cNvPr>
+          <p:cNvSpPr/>
+          <p:nvPr/>
+        </p:nvSpPr>
+        <p:spPr>
+          <a:xfrm>
+            <a:off x="7175502" y="1619781"/>
+            <a:ext cx="117231" cy="118800"/>
+          </a:xfrm>
+          <a:prstGeom prst="ellipse">
+            <a:avLst/>
+          </a:prstGeom>
+          <a:solidFill>
+            <a:schemeClr val="tx1"/>
+          </a:solidFill>
+          <a:ln>
+            <a:solidFill>
+              <a:schemeClr val="tx1"/>
+            </a:solidFill>
+          </a:ln>
+        </p:spPr>
+        <p:style>
+          <a:lnRef idx="2">
+            <a:schemeClr val="accent1">
+              <a:shade val="50000"/>
+            </a:schemeClr>
+          </a:lnRef>
+          <a:fillRef idx="1">
+            <a:schemeClr val="accent1"/>
+          </a:fillRef>
+          <a:effectRef idx="0">
+            <a:schemeClr val="accent1"/>
+          </a:effectRef>
+          <a:fontRef idx="minor">
+            <a:schemeClr val="lt1"/>
+          </a:fontRef>
+        </p:style>
+        <p:txBody>
+          <a:bodyPr rtlCol="0" anchor="ctr"/>
+          <a:lstStyle/>
+          <a:p>
+            <a:pPr algn="ctr"/>
+            <a:endParaRPr lang="en-US"/>
+          </a:p>
+        </p:txBody>
+      </p:sp>
+      <p:sp>
+        <p:nvSpPr>
+          <p:cNvPr id="10" name="Tekstvak 9">
+            <a:extLst>
+              <a:ext uri="{FF2B5EF4-FFF2-40B4-BE49-F238E27FC236}">
+                <a16:creationId xmlns:a16="http://schemas.microsoft.com/office/drawing/2014/main" id="{DACBF721-4117-47BB-8D6B-D90029F67F2E}"/>
+              </a:ext>
+            </a:extLst>
+          </p:cNvPr>
+          <p:cNvSpPr txBox="1"/>
+          <p:nvPr/>
+        </p:nvSpPr>
+        <p:spPr>
+          <a:xfrm>
+            <a:off x="5095242" y="3437402"/>
+            <a:ext cx="423514" cy="369332"/>
+          </a:xfrm>
+          <a:prstGeom prst="rect">
+            <a:avLst/>
+          </a:prstGeom>
+          <a:noFill/>
+        </p:spPr>
+        <p:txBody>
+          <a:bodyPr wrap="none" rtlCol="0">
+            <a:spAutoFit/>
+          </a:bodyPr>
+          <a:lstStyle/>
+          <a:p>
+            <a:r>
+              <a:rPr lang="nl-NL"/>
+              <a:t>p0</a:t>
+            </a:r>
+            <a:endParaRPr lang="en-US"/>
+          </a:p>
+        </p:txBody>
+      </p:sp>
+      <p:sp>
+        <p:nvSpPr>
+          <p:cNvPr id="11" name="Tekstvak 10">
+            <a:extLst>
+              <a:ext uri="{FF2B5EF4-FFF2-40B4-BE49-F238E27FC236}">
+                <a16:creationId xmlns:a16="http://schemas.microsoft.com/office/drawing/2014/main" id="{9DB0C328-2597-4B46-BCEC-69E4108D35F3}"/>
+              </a:ext>
+            </a:extLst>
+          </p:cNvPr>
+          <p:cNvSpPr txBox="1"/>
+          <p:nvPr/>
+        </p:nvSpPr>
+        <p:spPr>
+          <a:xfrm>
+            <a:off x="6719033" y="2760515"/>
+            <a:ext cx="3034933" cy="369332"/>
+          </a:xfrm>
+          <a:prstGeom prst="rect">
+            <a:avLst/>
+          </a:prstGeom>
+          <a:noFill/>
+        </p:spPr>
+        <p:txBody>
+          <a:bodyPr wrap="none" rtlCol="0">
+            <a:spAutoFit/>
+          </a:bodyPr>
+          <a:lstStyle/>
+          <a:p>
+            <a:r>
+              <a:rPr lang="nl-NL">
+                <a:solidFill>
+                  <a:schemeClr val="tx1">
+                    <a:lumMod val="50000"/>
+                    <a:lumOff val="50000"/>
+                  </a:schemeClr>
+                </a:solidFill>
+              </a:rPr>
+              <a:t>p1 = </a:t>
+            </a:r>
+            <a:r>
+              <a:rPr lang="nl-NL">
+                <a:solidFill>
+                  <a:srgbClr val="00B050"/>
+                </a:solidFill>
+              </a:rPr>
+              <a:t>RadiusArc</a:t>
+            </a:r>
+            <a:r>
+              <a:rPr lang="nl-NL">
+                <a:solidFill>
+                  <a:schemeClr val="tx1">
+                    <a:lumMod val="50000"/>
+                    <a:lumOff val="50000"/>
+                  </a:schemeClr>
+                </a:solidFill>
+              </a:rPr>
+              <a:t>(</a:t>
+            </a:r>
+            <a:r>
+              <a:rPr lang="nl-NL"/>
+              <a:t>p0</a:t>
+            </a:r>
+            <a:r>
+              <a:rPr lang="nl-NL">
+                <a:solidFill>
+                  <a:schemeClr val="tx1">
+                    <a:lumMod val="50000"/>
+                    <a:lumOff val="50000"/>
+                  </a:schemeClr>
+                </a:solidFill>
+              </a:rPr>
+              <a:t>,</a:t>
+            </a:r>
+            <a:r>
+              <a:rPr lang="nl-NL"/>
+              <a:t>p2</a:t>
+            </a:r>
+            <a:r>
+              <a:rPr lang="nl-NL">
+                <a:solidFill>
+                  <a:schemeClr val="tx1">
+                    <a:lumMod val="50000"/>
+                    <a:lumOff val="50000"/>
+                  </a:schemeClr>
+                </a:solidFill>
+              </a:rPr>
+              <a:t>,</a:t>
+            </a:r>
+            <a:r>
+              <a:rPr lang="nl-NL">
+                <a:solidFill>
+                  <a:srgbClr val="FF66FF"/>
+                </a:solidFill>
+              </a:rPr>
+              <a:t>10</a:t>
+            </a:r>
+            <a:r>
+              <a:rPr lang="nl-NL">
+                <a:solidFill>
+                  <a:schemeClr val="tx1">
+                    <a:lumMod val="50000"/>
+                    <a:lumOff val="50000"/>
+                  </a:schemeClr>
+                </a:solidFill>
+              </a:rPr>
+              <a:t>,</a:t>
+            </a:r>
+            <a:r>
+              <a:rPr lang="nl-NL">
+                <a:solidFill>
+                  <a:schemeClr val="accent1">
+                    <a:lumMod val="75000"/>
+                  </a:schemeClr>
+                </a:solidFill>
+              </a:rPr>
+              <a:t>false</a:t>
+            </a:r>
+            <a:r>
+              <a:rPr lang="nl-NL">
+                <a:solidFill>
+                  <a:schemeClr val="tx1">
+                    <a:lumMod val="50000"/>
+                    <a:lumOff val="50000"/>
+                  </a:schemeClr>
+                </a:solidFill>
+              </a:rPr>
+              <a:t>)</a:t>
+            </a:r>
+            <a:endParaRPr lang="en-US">
+              <a:solidFill>
+                <a:schemeClr val="tx1">
+                  <a:lumMod val="50000"/>
+                  <a:lumOff val="50000"/>
+                </a:schemeClr>
+              </a:solidFill>
+            </a:endParaRPr>
+          </a:p>
+        </p:txBody>
+      </p:sp>
+      <p:sp>
+        <p:nvSpPr>
+          <p:cNvPr id="13" name="Tekstvak 12">
+            <a:extLst>
+              <a:ext uri="{FF2B5EF4-FFF2-40B4-BE49-F238E27FC236}">
+                <a16:creationId xmlns:a16="http://schemas.microsoft.com/office/drawing/2014/main" id="{6DD6CA90-7A04-4E22-9AB0-F67190E09E83}"/>
+              </a:ext>
+            </a:extLst>
+          </p:cNvPr>
+          <p:cNvSpPr txBox="1"/>
+          <p:nvPr/>
+        </p:nvSpPr>
+        <p:spPr>
+          <a:xfrm>
+            <a:off x="6222976" y="1792442"/>
+            <a:ext cx="328936" cy="261610"/>
+          </a:xfrm>
+          <a:prstGeom prst="rect">
+            <a:avLst/>
+          </a:prstGeom>
+          <a:noFill/>
+        </p:spPr>
+        <p:txBody>
+          <a:bodyPr wrap="none" rtlCol="0">
+            <a:spAutoFit/>
+          </a:bodyPr>
+          <a:lstStyle/>
+          <a:p>
+            <a:r>
+              <a:rPr lang="nl-NL" sz="1100">
+                <a:solidFill>
+                  <a:srgbClr val="FF66FF"/>
+                </a:solidFill>
+              </a:rPr>
+              <a:t>10</a:t>
+            </a:r>
+            <a:endParaRPr lang="en-US" sz="1100">
+              <a:solidFill>
+                <a:srgbClr val="FF66FF"/>
+              </a:solidFill>
+            </a:endParaRPr>
+          </a:p>
+        </p:txBody>
+      </p:sp>
+      <p:cxnSp>
+        <p:nvCxnSpPr>
+          <p:cNvPr id="19" name="Rechte verbindingslijn 18">
+            <a:extLst>
+              <a:ext uri="{FF2B5EF4-FFF2-40B4-BE49-F238E27FC236}">
+                <a16:creationId xmlns:a16="http://schemas.microsoft.com/office/drawing/2014/main" id="{2A6EEA36-C099-4B39-A055-1415E3EC2C91}"/>
+              </a:ext>
+            </a:extLst>
+          </p:cNvPr>
+          <p:cNvCxnSpPr>
+            <a:cxnSpLocks/>
+            <a:stCxn id="2" idx="7"/>
+            <a:endCxn id="9" idx="3"/>
+          </p:cNvCxnSpPr>
+          <p:nvPr/>
+        </p:nvCxnSpPr>
+        <p:spPr>
+          <a:xfrm flipV="1">
+            <a:off x="5463649" y="1721183"/>
+            <a:ext cx="1729021" cy="1572815"/>
+          </a:xfrm>
+          <a:prstGeom prst="line">
+            <a:avLst/>
+          </a:prstGeom>
+          <a:ln>
+            <a:solidFill>
+              <a:schemeClr val="tx1"/>
+            </a:solidFill>
+          </a:ln>
+        </p:spPr>
+        <p:style>
+          <a:lnRef idx="1">
+            <a:schemeClr val="accent1"/>
+          </a:lnRef>
+          <a:fillRef idx="0">
+            <a:schemeClr val="accent1"/>
+          </a:fillRef>
+          <a:effectRef idx="0">
+            <a:schemeClr val="accent1"/>
+          </a:effectRef>
+          <a:fontRef idx="minor">
+            <a:schemeClr val="tx1"/>
+          </a:fontRef>
+        </p:style>
+      </p:cxnSp>
+      <p:sp>
+        <p:nvSpPr>
+          <p:cNvPr id="21" name="Tekstvak 20">
+            <a:extLst>
+              <a:ext uri="{FF2B5EF4-FFF2-40B4-BE49-F238E27FC236}">
+                <a16:creationId xmlns:a16="http://schemas.microsoft.com/office/drawing/2014/main" id="{15945C35-1C56-44B8-B1F2-B4DE1D2DF9CC}"/>
+              </a:ext>
+            </a:extLst>
+          </p:cNvPr>
+          <p:cNvSpPr txBox="1"/>
+          <p:nvPr/>
+        </p:nvSpPr>
+        <p:spPr>
+          <a:xfrm>
+            <a:off x="7307292" y="1553915"/>
+            <a:ext cx="423514" cy="369332"/>
+          </a:xfrm>
+          <a:prstGeom prst="rect">
+            <a:avLst/>
+          </a:prstGeom>
+          <a:noFill/>
+        </p:spPr>
+        <p:txBody>
+          <a:bodyPr wrap="none" rtlCol="0">
+            <a:spAutoFit/>
+          </a:bodyPr>
+          <a:lstStyle/>
+          <a:p>
+            <a:r>
+              <a:rPr lang="nl-NL"/>
+              <a:t>p2</a:t>
+            </a:r>
+            <a:endParaRPr lang="en-US"/>
+          </a:p>
+        </p:txBody>
+      </p:sp>
+      <p:sp>
+        <p:nvSpPr>
+          <p:cNvPr id="22" name="Gedeeltelijke cirkel 21">
+            <a:extLst>
+              <a:ext uri="{FF2B5EF4-FFF2-40B4-BE49-F238E27FC236}">
+                <a16:creationId xmlns:a16="http://schemas.microsoft.com/office/drawing/2014/main" id="{EA7BC2DE-BCD6-4784-9E8B-0EB0FCB7322C}"/>
+              </a:ext>
+            </a:extLst>
+          </p:cNvPr>
+          <p:cNvSpPr/>
+          <p:nvPr/>
+        </p:nvSpPr>
+        <p:spPr>
+          <a:xfrm>
+            <a:off x="3667576" y="-143000"/>
+            <a:ext cx="3548015" cy="3472542"/>
+          </a:xfrm>
+          <a:prstGeom prst="pie">
+            <a:avLst>
+              <a:gd name="adj1" fmla="val 195000"/>
+              <a:gd name="adj2" fmla="val 5454701"/>
+            </a:avLst>
+          </a:prstGeom>
+          <a:noFill/>
+        </p:spPr>
+        <p:style>
+          <a:lnRef idx="2">
+            <a:schemeClr val="accent1">
+              <a:shade val="50000"/>
+            </a:schemeClr>
+          </a:lnRef>
+          <a:fillRef idx="1">
+            <a:schemeClr val="accent1"/>
+          </a:fillRef>
+          <a:effectRef idx="0">
+            <a:schemeClr val="accent1"/>
+          </a:effectRef>
+          <a:fontRef idx="minor">
+            <a:schemeClr val="lt1"/>
+          </a:fontRef>
+        </p:style>
+        <p:txBody>
+          <a:bodyPr rtlCol="0" anchor="ctr"/>
+          <a:lstStyle/>
+          <a:p>
+            <a:pPr algn="ctr"/>
+            <a:endParaRPr lang="en-US">
+              <a:solidFill>
+                <a:schemeClr val="tx1"/>
+              </a:solidFill>
+            </a:endParaRPr>
+          </a:p>
+        </p:txBody>
+      </p:sp>
+      <p:sp>
+        <p:nvSpPr>
+          <p:cNvPr id="23" name="Ovaal 22">
+            <a:extLst>
+              <a:ext uri="{FF2B5EF4-FFF2-40B4-BE49-F238E27FC236}">
+                <a16:creationId xmlns:a16="http://schemas.microsoft.com/office/drawing/2014/main" id="{52936659-644B-41D6-9FEE-9F13C5DF6D84}"/>
+              </a:ext>
+            </a:extLst>
+          </p:cNvPr>
+          <p:cNvSpPr/>
+          <p:nvPr/>
+        </p:nvSpPr>
+        <p:spPr>
+          <a:xfrm>
+            <a:off x="6660418" y="2727482"/>
+            <a:ext cx="117231" cy="118800"/>
+          </a:xfrm>
+          <a:prstGeom prst="ellipse">
+            <a:avLst/>
+          </a:prstGeom>
+          <a:solidFill>
+            <a:schemeClr val="bg1">
+              <a:lumMod val="50000"/>
+            </a:schemeClr>
+          </a:solidFill>
+          <a:ln>
+            <a:solidFill>
+              <a:schemeClr val="bg1">
+                <a:lumMod val="50000"/>
+              </a:schemeClr>
+            </a:solidFill>
+          </a:ln>
+        </p:spPr>
+        <p:style>
+          <a:lnRef idx="2">
+            <a:schemeClr val="accent1">
+              <a:shade val="50000"/>
+            </a:schemeClr>
+          </a:lnRef>
+          <a:fillRef idx="1">
+            <a:schemeClr val="accent1"/>
+          </a:fillRef>
+          <a:effectRef idx="0">
+            <a:schemeClr val="accent1"/>
+          </a:effectRef>
+          <a:fontRef idx="minor">
+            <a:schemeClr val="lt1"/>
+          </a:fontRef>
+        </p:style>
+        <p:txBody>
+          <a:bodyPr rtlCol="0" anchor="ctr"/>
+          <a:lstStyle/>
+          <a:p>
+            <a:pPr algn="ctr"/>
+            <a:endParaRPr lang="en-US"/>
+          </a:p>
+        </p:txBody>
+      </p:sp>
+      <p:cxnSp>
+        <p:nvCxnSpPr>
+          <p:cNvPr id="25" name="Rechte verbindingslijn met pijl 24">
+            <a:extLst>
+              <a:ext uri="{FF2B5EF4-FFF2-40B4-BE49-F238E27FC236}">
+                <a16:creationId xmlns:a16="http://schemas.microsoft.com/office/drawing/2014/main" id="{2479F7AC-646C-43FE-BFED-8E2E5894A644}"/>
+              </a:ext>
+            </a:extLst>
+          </p:cNvPr>
+          <p:cNvCxnSpPr>
+            <a:cxnSpLocks/>
+          </p:cNvCxnSpPr>
+          <p:nvPr/>
+        </p:nvCxnSpPr>
+        <p:spPr>
+          <a:xfrm>
+            <a:off x="5451475" y="1594988"/>
+            <a:ext cx="1531711" cy="829481"/>
+          </a:xfrm>
+          <a:prstGeom prst="straightConnector1">
+            <a:avLst/>
+          </a:prstGeom>
+          <a:ln w="28575">
+            <a:solidFill>
+              <a:srgbClr val="FF66FF"/>
+            </a:solidFill>
+            <a:tailEnd type="triangle"/>
+          </a:ln>
+        </p:spPr>
+        <p:style>
+          <a:lnRef idx="1">
+            <a:schemeClr val="accent1"/>
+          </a:lnRef>
+          <a:fillRef idx="0">
+            <a:schemeClr val="accent1"/>
+          </a:fillRef>
+          <a:effectRef idx="0">
+            <a:schemeClr val="accent1"/>
+          </a:effectRef>
+          <a:fontRef idx="minor">
+            <a:schemeClr val="tx1"/>
+          </a:fontRef>
+        </p:style>
+      </p:cxnSp>
+      <p:sp>
+        <p:nvSpPr>
+          <p:cNvPr id="27" name="Boog 26">
+            <a:extLst>
+              <a:ext uri="{FF2B5EF4-FFF2-40B4-BE49-F238E27FC236}">
+                <a16:creationId xmlns:a16="http://schemas.microsoft.com/office/drawing/2014/main" id="{8ECD2929-1121-40D5-B88B-6CA82CB0FA38}"/>
+              </a:ext>
+            </a:extLst>
+          </p:cNvPr>
+          <p:cNvSpPr/>
+          <p:nvPr/>
+        </p:nvSpPr>
+        <p:spPr>
+          <a:xfrm flipV="1">
+            <a:off x="3776851" y="410519"/>
+            <a:ext cx="3603171" cy="3198418"/>
+          </a:xfrm>
+          <a:prstGeom prst="arc">
+            <a:avLst>
+              <a:gd name="adj1" fmla="val 20261151"/>
+              <a:gd name="adj2" fmla="val 21283480"/>
+            </a:avLst>
+          </a:prstGeom>
+          <a:ln w="19050">
+            <a:solidFill>
+              <a:schemeClr val="accent1">
+                <a:lumMod val="75000"/>
+              </a:schemeClr>
+            </a:solidFill>
+            <a:headEnd type="none" w="med" len="med"/>
+            <a:tailEnd type="arrow" w="med" len="med"/>
+          </a:ln>
+        </p:spPr>
+        <p:style>
+          <a:lnRef idx="1">
+            <a:schemeClr val="accent1"/>
+          </a:lnRef>
+          <a:fillRef idx="0">
+            <a:schemeClr val="accent1"/>
+          </a:fillRef>
+          <a:effectRef idx="0">
+            <a:schemeClr val="accent1"/>
+          </a:effectRef>
+          <a:fontRef idx="minor">
+            <a:schemeClr val="tx1"/>
+          </a:fontRef>
+        </p:style>
+        <p:txBody>
+          <a:bodyPr rtlCol="0" anchor="ctr"/>
+          <a:lstStyle/>
+          <a:p>
+            <a:pPr algn="ctr"/>
+            <a:endParaRPr lang="en-US">
+              <a:solidFill>
+                <a:schemeClr val="accent1">
+                  <a:lumMod val="75000"/>
+                </a:schemeClr>
+              </a:solidFill>
+            </a:endParaRPr>
+          </a:p>
+        </p:txBody>
+      </p:sp>
+      <p:sp>
+        <p:nvSpPr>
+          <p:cNvPr id="28" name="Tekstvak 27">
+            <a:extLst>
+              <a:ext uri="{FF2B5EF4-FFF2-40B4-BE49-F238E27FC236}">
+                <a16:creationId xmlns:a16="http://schemas.microsoft.com/office/drawing/2014/main" id="{2AC6EA61-16DC-4194-AD6C-B3DDBB1581F3}"/>
+              </a:ext>
+            </a:extLst>
+          </p:cNvPr>
+          <p:cNvSpPr txBox="1"/>
+          <p:nvPr/>
+        </p:nvSpPr>
+        <p:spPr>
+          <a:xfrm>
+            <a:off x="7324866" y="2215156"/>
+            <a:ext cx="1133644" cy="261610"/>
+          </a:xfrm>
+          <a:prstGeom prst="rect">
+            <a:avLst/>
+          </a:prstGeom>
+          <a:noFill/>
+        </p:spPr>
+        <p:txBody>
+          <a:bodyPr wrap="none" rtlCol="0">
+            <a:spAutoFit/>
+          </a:bodyPr>
+          <a:lstStyle/>
+          <a:p>
+            <a:r>
+              <a:rPr lang="nl-NL" sz="1100">
+                <a:solidFill>
+                  <a:schemeClr val="accent1">
+                    <a:lumMod val="75000"/>
+                  </a:schemeClr>
+                </a:solidFill>
+              </a:rPr>
+              <a:t>clockwise =</a:t>
+            </a:r>
+            <a:r>
+              <a:rPr lang="nl-NL" sz="1100">
+                <a:solidFill>
+                  <a:srgbClr val="FF66FF"/>
+                </a:solidFill>
+              </a:rPr>
+              <a:t> </a:t>
+            </a:r>
+            <a:r>
+              <a:rPr lang="nl-NL" sz="1100">
+                <a:solidFill>
+                  <a:schemeClr val="accent1">
+                    <a:lumMod val="75000"/>
+                  </a:schemeClr>
+                </a:solidFill>
+              </a:rPr>
+              <a:t>false</a:t>
+            </a:r>
+            <a:endParaRPr lang="en-US" sz="1100">
+              <a:solidFill>
+                <a:schemeClr val="accent1">
+                  <a:lumMod val="75000"/>
+                </a:schemeClr>
+              </a:solidFill>
+            </a:endParaRPr>
+          </a:p>
+        </p:txBody>
+      </p:sp>
+    </p:spTree>
+    <p:extLst>
+      <p:ext uri="{BB962C8B-B14F-4D97-AF65-F5344CB8AC3E}">
+        <p14:creationId xmlns:p14="http://schemas.microsoft.com/office/powerpoint/2010/main" val="2181466537"/>
+      </p:ext>
+    </p:extLst>
+  </p:cSld>
+  <p:clrMapOvr>
+    <a:masterClrMapping/>
+  </p:clrMapOvr>
+</p:sld>
+</file>
+
+<file path=ppt/slides/slide5.xml><?xml version="1.0" encoding="utf-8"?>
+<p:sld xmlns:a="http://schemas.openxmlformats.org/drawingml/2006/main" xmlns:r="http://schemas.openxmlformats.org/officeDocument/2006/relationships" xmlns:p="http://schemas.openxmlformats.org/presentationml/2006/main">
+  <p:cSld>
+    <p:spTree>
+      <p:nvGrpSpPr>
+        <p:cNvPr id="1" name=""/>
+        <p:cNvGrpSpPr/>
+        <p:nvPr/>
+      </p:nvGrpSpPr>
+      <p:grpSpPr>
+        <a:xfrm>
+          <a:off x="0" y="0"/>
+          <a:ext cx="0" cy="0"/>
+          <a:chOff x="0" y="0"/>
+          <a:chExt cx="0" cy="0"/>
+        </a:xfrm>
+      </p:grpSpPr>
+      <p:sp>
+        <p:nvSpPr>
+          <p:cNvPr id="2" name="Ovaal 1">
+            <a:extLst>
+              <a:ext uri="{FF2B5EF4-FFF2-40B4-BE49-F238E27FC236}">
+                <a16:creationId xmlns:a16="http://schemas.microsoft.com/office/drawing/2014/main" id="{B3633963-40E3-4752-954C-87909F9D82AC}"/>
+              </a:ext>
+            </a:extLst>
+          </p:cNvPr>
+          <p:cNvSpPr/>
+          <p:nvPr/>
+        </p:nvSpPr>
+        <p:spPr>
+          <a:xfrm>
+            <a:off x="5363586" y="3276600"/>
+            <a:ext cx="117231" cy="118800"/>
+          </a:xfrm>
+          <a:prstGeom prst="ellipse">
+            <a:avLst/>
+          </a:prstGeom>
+          <a:solidFill>
+            <a:schemeClr val="tx1"/>
+          </a:solidFill>
+          <a:ln>
+            <a:solidFill>
+              <a:schemeClr val="tx1"/>
+            </a:solidFill>
+          </a:ln>
+        </p:spPr>
+        <p:style>
+          <a:lnRef idx="2">
+            <a:schemeClr val="accent1">
+              <a:shade val="50000"/>
+            </a:schemeClr>
+          </a:lnRef>
+          <a:fillRef idx="1">
+            <a:schemeClr val="accent1"/>
+          </a:fillRef>
+          <a:effectRef idx="0">
+            <a:schemeClr val="accent1"/>
+          </a:effectRef>
+          <a:fontRef idx="minor">
+            <a:schemeClr val="lt1"/>
+          </a:fontRef>
+        </p:style>
+        <p:txBody>
+          <a:bodyPr rtlCol="0" anchor="ctr"/>
+          <a:lstStyle/>
+          <a:p>
+            <a:pPr algn="ctr"/>
+            <a:endParaRPr lang="en-US"/>
+          </a:p>
+        </p:txBody>
+      </p:sp>
+      <p:cxnSp>
+        <p:nvCxnSpPr>
+          <p:cNvPr id="5" name="Rechte verbindingslijn 4">
+            <a:extLst>
+              <a:ext uri="{FF2B5EF4-FFF2-40B4-BE49-F238E27FC236}">
+                <a16:creationId xmlns:a16="http://schemas.microsoft.com/office/drawing/2014/main" id="{BAEAD97F-8EFF-4241-A08C-B4422D1541BF}"/>
+              </a:ext>
+            </a:extLst>
+          </p:cNvPr>
+          <p:cNvCxnSpPr>
+            <a:cxnSpLocks/>
+            <a:endCxn id="2" idx="0"/>
+          </p:cNvCxnSpPr>
+          <p:nvPr/>
+        </p:nvCxnSpPr>
+        <p:spPr>
+          <a:xfrm>
+            <a:off x="5422202" y="2594068"/>
+            <a:ext cx="0" cy="682532"/>
+          </a:xfrm>
+          <a:prstGeom prst="line">
+            <a:avLst/>
+          </a:prstGeom>
+          <a:solidFill>
+            <a:schemeClr val="tx1"/>
+          </a:solidFill>
+          <a:ln>
+            <a:solidFill>
+              <a:srgbClr val="FF66FF"/>
+            </a:solidFill>
+          </a:ln>
+        </p:spPr>
+        <p:style>
+          <a:lnRef idx="2">
+            <a:schemeClr val="accent1">
+              <a:shade val="50000"/>
+            </a:schemeClr>
+          </a:lnRef>
+          <a:fillRef idx="1">
+            <a:schemeClr val="accent1"/>
+          </a:fillRef>
+          <a:effectRef idx="0">
+            <a:schemeClr val="accent1"/>
+          </a:effectRef>
+          <a:fontRef idx="minor">
+            <a:schemeClr val="lt1"/>
+          </a:fontRef>
+        </p:style>
+      </p:cxnSp>
+      <p:sp>
+        <p:nvSpPr>
+          <p:cNvPr id="9" name="Ovaal 8">
+            <a:extLst>
+              <a:ext uri="{FF2B5EF4-FFF2-40B4-BE49-F238E27FC236}">
+                <a16:creationId xmlns:a16="http://schemas.microsoft.com/office/drawing/2014/main" id="{C15D0BE6-1477-46ED-BA60-34A125B6D600}"/>
+              </a:ext>
+            </a:extLst>
+          </p:cNvPr>
+          <p:cNvSpPr/>
+          <p:nvPr/>
+        </p:nvSpPr>
+        <p:spPr>
+          <a:xfrm>
+            <a:off x="7175502" y="1619781"/>
+            <a:ext cx="117231" cy="118800"/>
+          </a:xfrm>
+          <a:prstGeom prst="ellipse">
+            <a:avLst/>
+          </a:prstGeom>
+          <a:solidFill>
+            <a:schemeClr val="tx1"/>
+          </a:solidFill>
+          <a:ln>
+            <a:solidFill>
+              <a:schemeClr val="tx1"/>
+            </a:solidFill>
+          </a:ln>
+        </p:spPr>
+        <p:style>
+          <a:lnRef idx="2">
+            <a:schemeClr val="accent1">
+              <a:shade val="50000"/>
+            </a:schemeClr>
+          </a:lnRef>
+          <a:fillRef idx="1">
+            <a:schemeClr val="accent1"/>
+          </a:fillRef>
+          <a:effectRef idx="0">
+            <a:schemeClr val="accent1"/>
+          </a:effectRef>
+          <a:fontRef idx="minor">
+            <a:schemeClr val="lt1"/>
+          </a:fontRef>
+        </p:style>
+        <p:txBody>
+          <a:bodyPr rtlCol="0" anchor="ctr"/>
+          <a:lstStyle/>
+          <a:p>
+            <a:pPr algn="ctr"/>
+            <a:endParaRPr lang="en-US"/>
+          </a:p>
+        </p:txBody>
+      </p:sp>
+      <p:sp>
+        <p:nvSpPr>
+          <p:cNvPr id="10" name="Tekstvak 9">
+            <a:extLst>
+              <a:ext uri="{FF2B5EF4-FFF2-40B4-BE49-F238E27FC236}">
+                <a16:creationId xmlns:a16="http://schemas.microsoft.com/office/drawing/2014/main" id="{DACBF721-4117-47BB-8D6B-D90029F67F2E}"/>
+              </a:ext>
+            </a:extLst>
+          </p:cNvPr>
+          <p:cNvSpPr txBox="1"/>
+          <p:nvPr/>
+        </p:nvSpPr>
+        <p:spPr>
+          <a:xfrm>
+            <a:off x="5095242" y="3437402"/>
+            <a:ext cx="423514" cy="369332"/>
+          </a:xfrm>
+          <a:prstGeom prst="rect">
+            <a:avLst/>
+          </a:prstGeom>
+          <a:noFill/>
+        </p:spPr>
+        <p:txBody>
+          <a:bodyPr wrap="none" rtlCol="0">
+            <a:spAutoFit/>
+          </a:bodyPr>
+          <a:lstStyle/>
+          <a:p>
+            <a:r>
+              <a:rPr lang="nl-NL"/>
+              <a:t>p0</a:t>
+            </a:r>
+            <a:endParaRPr lang="en-US"/>
+          </a:p>
+        </p:txBody>
+      </p:sp>
+      <p:sp>
+        <p:nvSpPr>
+          <p:cNvPr id="11" name="Tekstvak 10">
+            <a:extLst>
+              <a:ext uri="{FF2B5EF4-FFF2-40B4-BE49-F238E27FC236}">
+                <a16:creationId xmlns:a16="http://schemas.microsoft.com/office/drawing/2014/main" id="{9DB0C328-2597-4B46-BCEC-69E4108D35F3}"/>
+              </a:ext>
+            </a:extLst>
+          </p:cNvPr>
+          <p:cNvSpPr txBox="1"/>
+          <p:nvPr/>
+        </p:nvSpPr>
+        <p:spPr>
+          <a:xfrm>
+            <a:off x="6719033" y="2760515"/>
+            <a:ext cx="2621359" cy="369332"/>
+          </a:xfrm>
+          <a:prstGeom prst="rect">
+            <a:avLst/>
+          </a:prstGeom>
+          <a:noFill/>
+        </p:spPr>
+        <p:txBody>
+          <a:bodyPr wrap="none" rtlCol="0">
+            <a:spAutoFit/>
+          </a:bodyPr>
+          <a:lstStyle/>
+          <a:p>
+            <a:r>
+              <a:rPr lang="nl-NL">
+                <a:solidFill>
+                  <a:schemeClr val="tx1">
+                    <a:lumMod val="50000"/>
+                    <a:lumOff val="50000"/>
+                  </a:schemeClr>
+                </a:solidFill>
+              </a:rPr>
+              <a:t>p1 = </a:t>
+            </a:r>
+            <a:r>
+              <a:rPr lang="nl-NL">
+                <a:solidFill>
+                  <a:srgbClr val="00B050"/>
+                </a:solidFill>
+              </a:rPr>
+              <a:t>SagArc</a:t>
+            </a:r>
+            <a:r>
+              <a:rPr lang="nl-NL">
+                <a:solidFill>
+                  <a:schemeClr val="tx1">
+                    <a:lumMod val="50000"/>
+                    <a:lumOff val="50000"/>
+                  </a:schemeClr>
+                </a:solidFill>
+              </a:rPr>
+              <a:t>(</a:t>
+            </a:r>
+            <a:r>
+              <a:rPr lang="nl-NL"/>
+              <a:t>p0</a:t>
+            </a:r>
+            <a:r>
+              <a:rPr lang="nl-NL">
+                <a:solidFill>
+                  <a:schemeClr val="tx1">
+                    <a:lumMod val="50000"/>
+                    <a:lumOff val="50000"/>
+                  </a:schemeClr>
+                </a:solidFill>
+              </a:rPr>
+              <a:t>,</a:t>
+            </a:r>
+            <a:r>
+              <a:rPr lang="nl-NL"/>
+              <a:t>p2</a:t>
+            </a:r>
+            <a:r>
+              <a:rPr lang="nl-NL">
+                <a:solidFill>
+                  <a:schemeClr val="tx1">
+                    <a:lumMod val="50000"/>
+                    <a:lumOff val="50000"/>
+                  </a:schemeClr>
+                </a:solidFill>
+              </a:rPr>
+              <a:t>,</a:t>
+            </a:r>
+            <a:r>
+              <a:rPr lang="nl-NL">
+                <a:solidFill>
+                  <a:srgbClr val="FF66FF"/>
+                </a:solidFill>
+              </a:rPr>
+              <a:t>3</a:t>
+            </a:r>
+            <a:r>
+              <a:rPr lang="nl-NL">
+                <a:solidFill>
+                  <a:schemeClr val="tx1">
+                    <a:lumMod val="50000"/>
+                    <a:lumOff val="50000"/>
+                  </a:schemeClr>
+                </a:solidFill>
+              </a:rPr>
+              <a:t>,</a:t>
+            </a:r>
+            <a:r>
+              <a:rPr lang="nl-NL">
+                <a:solidFill>
+                  <a:schemeClr val="accent1">
+                    <a:lumMod val="75000"/>
+                  </a:schemeClr>
+                </a:solidFill>
+              </a:rPr>
+              <a:t>false</a:t>
+            </a:r>
+            <a:r>
+              <a:rPr lang="nl-NL">
+                <a:solidFill>
+                  <a:schemeClr val="tx1">
+                    <a:lumMod val="50000"/>
+                    <a:lumOff val="50000"/>
+                  </a:schemeClr>
+                </a:solidFill>
+              </a:rPr>
+              <a:t>)</a:t>
+            </a:r>
+            <a:endParaRPr lang="en-US">
+              <a:solidFill>
+                <a:schemeClr val="tx1">
+                  <a:lumMod val="50000"/>
+                  <a:lumOff val="50000"/>
+                </a:schemeClr>
+              </a:solidFill>
+            </a:endParaRPr>
+          </a:p>
+        </p:txBody>
+      </p:sp>
+      <p:sp>
+        <p:nvSpPr>
+          <p:cNvPr id="13" name="Tekstvak 12">
+            <a:extLst>
+              <a:ext uri="{FF2B5EF4-FFF2-40B4-BE49-F238E27FC236}">
+                <a16:creationId xmlns:a16="http://schemas.microsoft.com/office/drawing/2014/main" id="{6DD6CA90-7A04-4E22-9AB0-F67190E09E83}"/>
+              </a:ext>
+            </a:extLst>
+          </p:cNvPr>
+          <p:cNvSpPr txBox="1"/>
+          <p:nvPr/>
+        </p:nvSpPr>
+        <p:spPr>
+          <a:xfrm>
+            <a:off x="6276845" y="2594068"/>
+            <a:ext cx="256802" cy="261610"/>
+          </a:xfrm>
+          <a:prstGeom prst="rect">
+            <a:avLst/>
+          </a:prstGeom>
+          <a:noFill/>
+        </p:spPr>
+        <p:txBody>
+          <a:bodyPr wrap="none" rtlCol="0">
+            <a:spAutoFit/>
+          </a:bodyPr>
+          <a:lstStyle/>
+          <a:p>
+            <a:r>
+              <a:rPr lang="nl-NL" sz="1100">
+                <a:solidFill>
+                  <a:srgbClr val="FF66FF"/>
+                </a:solidFill>
+              </a:rPr>
+              <a:t>3</a:t>
+            </a:r>
+            <a:endParaRPr lang="en-US" sz="1100">
+              <a:solidFill>
+                <a:srgbClr val="FF66FF"/>
+              </a:solidFill>
+            </a:endParaRPr>
+          </a:p>
+        </p:txBody>
+      </p:sp>
+      <p:cxnSp>
+        <p:nvCxnSpPr>
+          <p:cNvPr id="19" name="Rechte verbindingslijn 18">
+            <a:extLst>
+              <a:ext uri="{FF2B5EF4-FFF2-40B4-BE49-F238E27FC236}">
+                <a16:creationId xmlns:a16="http://schemas.microsoft.com/office/drawing/2014/main" id="{2A6EEA36-C099-4B39-A055-1415E3EC2C91}"/>
+              </a:ext>
+            </a:extLst>
+          </p:cNvPr>
+          <p:cNvCxnSpPr>
+            <a:cxnSpLocks/>
+            <a:stCxn id="2" idx="7"/>
+            <a:endCxn id="9" idx="3"/>
+          </p:cNvCxnSpPr>
+          <p:nvPr/>
+        </p:nvCxnSpPr>
+        <p:spPr>
+          <a:xfrm flipV="1">
+            <a:off x="5463649" y="1721183"/>
+            <a:ext cx="1729021" cy="1572815"/>
+          </a:xfrm>
+          <a:prstGeom prst="line">
+            <a:avLst/>
+          </a:prstGeom>
+          <a:ln>
+            <a:solidFill>
+              <a:schemeClr val="tx1"/>
+            </a:solidFill>
+          </a:ln>
+        </p:spPr>
+        <p:style>
+          <a:lnRef idx="1">
+            <a:schemeClr val="accent1"/>
+          </a:lnRef>
+          <a:fillRef idx="0">
+            <a:schemeClr val="accent1"/>
+          </a:fillRef>
+          <a:effectRef idx="0">
+            <a:schemeClr val="accent1"/>
+          </a:effectRef>
+          <a:fontRef idx="minor">
+            <a:schemeClr val="tx1"/>
+          </a:fontRef>
+        </p:style>
+      </p:cxnSp>
+      <p:sp>
+        <p:nvSpPr>
+          <p:cNvPr id="21" name="Tekstvak 20">
+            <a:extLst>
+              <a:ext uri="{FF2B5EF4-FFF2-40B4-BE49-F238E27FC236}">
+                <a16:creationId xmlns:a16="http://schemas.microsoft.com/office/drawing/2014/main" id="{15945C35-1C56-44B8-B1F2-B4DE1D2DF9CC}"/>
+              </a:ext>
+            </a:extLst>
+          </p:cNvPr>
+          <p:cNvSpPr txBox="1"/>
+          <p:nvPr/>
+        </p:nvSpPr>
+        <p:spPr>
+          <a:xfrm>
+            <a:off x="7307292" y="1553915"/>
+            <a:ext cx="423514" cy="369332"/>
+          </a:xfrm>
+          <a:prstGeom prst="rect">
+            <a:avLst/>
+          </a:prstGeom>
+          <a:noFill/>
+        </p:spPr>
+        <p:txBody>
+          <a:bodyPr wrap="none" rtlCol="0">
+            <a:spAutoFit/>
+          </a:bodyPr>
+          <a:lstStyle/>
+          <a:p>
+            <a:r>
+              <a:rPr lang="nl-NL"/>
+              <a:t>p2</a:t>
+            </a:r>
+            <a:endParaRPr lang="en-US"/>
+          </a:p>
+        </p:txBody>
+      </p:sp>
+      <p:sp>
+        <p:nvSpPr>
+          <p:cNvPr id="22" name="Gedeeltelijke cirkel 21">
+            <a:extLst>
+              <a:ext uri="{FF2B5EF4-FFF2-40B4-BE49-F238E27FC236}">
+                <a16:creationId xmlns:a16="http://schemas.microsoft.com/office/drawing/2014/main" id="{EA7BC2DE-BCD6-4784-9E8B-0EB0FCB7322C}"/>
+              </a:ext>
+            </a:extLst>
+          </p:cNvPr>
+          <p:cNvSpPr/>
+          <p:nvPr/>
+        </p:nvSpPr>
+        <p:spPr>
+          <a:xfrm>
+            <a:off x="3667576" y="-143000"/>
+            <a:ext cx="3548015" cy="3472542"/>
+          </a:xfrm>
+          <a:prstGeom prst="pie">
+            <a:avLst>
+              <a:gd name="adj1" fmla="val 195000"/>
+              <a:gd name="adj2" fmla="val 5454701"/>
+            </a:avLst>
+          </a:prstGeom>
+          <a:noFill/>
+        </p:spPr>
+        <p:style>
+          <a:lnRef idx="2">
+            <a:schemeClr val="accent1">
+              <a:shade val="50000"/>
+            </a:schemeClr>
+          </a:lnRef>
+          <a:fillRef idx="1">
+            <a:schemeClr val="accent1"/>
+          </a:fillRef>
+          <a:effectRef idx="0">
+            <a:schemeClr val="accent1"/>
+          </a:effectRef>
+          <a:fontRef idx="minor">
+            <a:schemeClr val="lt1"/>
+          </a:fontRef>
+        </p:style>
+        <p:txBody>
+          <a:bodyPr rtlCol="0" anchor="ctr"/>
+          <a:lstStyle/>
+          <a:p>
+            <a:pPr algn="ctr"/>
+            <a:endParaRPr lang="en-US">
+              <a:solidFill>
+                <a:schemeClr val="tx1"/>
+              </a:solidFill>
+            </a:endParaRPr>
+          </a:p>
+        </p:txBody>
+      </p:sp>
+      <p:sp>
+        <p:nvSpPr>
+          <p:cNvPr id="23" name="Ovaal 22">
+            <a:extLst>
+              <a:ext uri="{FF2B5EF4-FFF2-40B4-BE49-F238E27FC236}">
+                <a16:creationId xmlns:a16="http://schemas.microsoft.com/office/drawing/2014/main" id="{52936659-644B-41D6-9FEE-9F13C5DF6D84}"/>
+              </a:ext>
+            </a:extLst>
+          </p:cNvPr>
+          <p:cNvSpPr/>
+          <p:nvPr/>
+        </p:nvSpPr>
+        <p:spPr>
+          <a:xfrm>
+            <a:off x="6660418" y="2727482"/>
+            <a:ext cx="117231" cy="118800"/>
+          </a:xfrm>
+          <a:prstGeom prst="ellipse">
+            <a:avLst/>
+          </a:prstGeom>
+          <a:solidFill>
+            <a:schemeClr val="bg1">
+              <a:lumMod val="50000"/>
+            </a:schemeClr>
+          </a:solidFill>
+          <a:ln>
+            <a:solidFill>
+              <a:schemeClr val="bg1">
+                <a:lumMod val="50000"/>
+              </a:schemeClr>
+            </a:solidFill>
+          </a:ln>
+        </p:spPr>
+        <p:style>
+          <a:lnRef idx="2">
+            <a:schemeClr val="accent1">
+              <a:shade val="50000"/>
+            </a:schemeClr>
+          </a:lnRef>
+          <a:fillRef idx="1">
+            <a:schemeClr val="accent1"/>
+          </a:fillRef>
+          <a:effectRef idx="0">
+            <a:schemeClr val="accent1"/>
+          </a:effectRef>
+          <a:fontRef idx="minor">
+            <a:schemeClr val="lt1"/>
+          </a:fontRef>
+        </p:style>
+        <p:txBody>
+          <a:bodyPr rtlCol="0" anchor="ctr"/>
+          <a:lstStyle/>
+          <a:p>
+            <a:pPr algn="ctr"/>
+            <a:endParaRPr lang="en-US"/>
+          </a:p>
+        </p:txBody>
+      </p:sp>
+      <p:cxnSp>
+        <p:nvCxnSpPr>
+          <p:cNvPr id="25" name="Rechte verbindingslijn met pijl 24">
+            <a:extLst>
+              <a:ext uri="{FF2B5EF4-FFF2-40B4-BE49-F238E27FC236}">
+                <a16:creationId xmlns:a16="http://schemas.microsoft.com/office/drawing/2014/main" id="{2479F7AC-646C-43FE-BFED-8E2E5894A644}"/>
+              </a:ext>
+            </a:extLst>
+          </p:cNvPr>
+          <p:cNvCxnSpPr>
+            <a:cxnSpLocks/>
+            <a:endCxn id="23" idx="1"/>
+          </p:cNvCxnSpPr>
+          <p:nvPr/>
+        </p:nvCxnSpPr>
+        <p:spPr>
+          <a:xfrm>
+            <a:off x="6400037" y="2476766"/>
+            <a:ext cx="277549" cy="268114"/>
+          </a:xfrm>
+          <a:prstGeom prst="straightConnector1">
+            <a:avLst/>
+          </a:prstGeom>
+          <a:ln w="28575">
+            <a:solidFill>
+              <a:srgbClr val="FF66FF"/>
+            </a:solidFill>
+            <a:tailEnd type="triangle"/>
+          </a:ln>
+        </p:spPr>
+        <p:style>
+          <a:lnRef idx="1">
+            <a:schemeClr val="accent1"/>
+          </a:lnRef>
+          <a:fillRef idx="0">
+            <a:schemeClr val="accent1"/>
+          </a:fillRef>
+          <a:effectRef idx="0">
+            <a:schemeClr val="accent1"/>
+          </a:effectRef>
+          <a:fontRef idx="minor">
+            <a:schemeClr val="tx1"/>
+          </a:fontRef>
+        </p:style>
+      </p:cxnSp>
+      <p:sp>
+        <p:nvSpPr>
+          <p:cNvPr id="27" name="Boog 26">
+            <a:extLst>
+              <a:ext uri="{FF2B5EF4-FFF2-40B4-BE49-F238E27FC236}">
+                <a16:creationId xmlns:a16="http://schemas.microsoft.com/office/drawing/2014/main" id="{8ECD2929-1121-40D5-B88B-6CA82CB0FA38}"/>
+              </a:ext>
+            </a:extLst>
+          </p:cNvPr>
+          <p:cNvSpPr/>
+          <p:nvPr/>
+        </p:nvSpPr>
+        <p:spPr>
+          <a:xfrm flipV="1">
+            <a:off x="3776851" y="410519"/>
+            <a:ext cx="3603171" cy="3198418"/>
+          </a:xfrm>
+          <a:prstGeom prst="arc">
+            <a:avLst>
+              <a:gd name="adj1" fmla="val 20261151"/>
+              <a:gd name="adj2" fmla="val 21283480"/>
+            </a:avLst>
+          </a:prstGeom>
+          <a:ln w="19050">
+            <a:solidFill>
+              <a:schemeClr val="accent1">
+                <a:lumMod val="75000"/>
+              </a:schemeClr>
+            </a:solidFill>
+            <a:headEnd type="none" w="med" len="med"/>
+            <a:tailEnd type="arrow" w="med" len="med"/>
+          </a:ln>
+        </p:spPr>
+        <p:style>
+          <a:lnRef idx="1">
+            <a:schemeClr val="accent1"/>
+          </a:lnRef>
+          <a:fillRef idx="0">
+            <a:schemeClr val="accent1"/>
+          </a:fillRef>
+          <a:effectRef idx="0">
+            <a:schemeClr val="accent1"/>
+          </a:effectRef>
+          <a:fontRef idx="minor">
+            <a:schemeClr val="tx1"/>
+          </a:fontRef>
+        </p:style>
+        <p:txBody>
+          <a:bodyPr rtlCol="0" anchor="ctr"/>
+          <a:lstStyle/>
+          <a:p>
+            <a:pPr algn="ctr"/>
+            <a:endParaRPr lang="en-US">
+              <a:solidFill>
+                <a:schemeClr val="accent1">
+                  <a:lumMod val="75000"/>
+                </a:schemeClr>
+              </a:solidFill>
+            </a:endParaRPr>
+          </a:p>
+        </p:txBody>
+      </p:sp>
+      <p:sp>
+        <p:nvSpPr>
+          <p:cNvPr id="28" name="Tekstvak 27">
+            <a:extLst>
+              <a:ext uri="{FF2B5EF4-FFF2-40B4-BE49-F238E27FC236}">
+                <a16:creationId xmlns:a16="http://schemas.microsoft.com/office/drawing/2014/main" id="{2AC6EA61-16DC-4194-AD6C-B3DDBB1581F3}"/>
+              </a:ext>
+            </a:extLst>
+          </p:cNvPr>
+          <p:cNvSpPr txBox="1"/>
+          <p:nvPr/>
+        </p:nvSpPr>
+        <p:spPr>
+          <a:xfrm>
+            <a:off x="7324866" y="2215156"/>
+            <a:ext cx="1133644" cy="261610"/>
+          </a:xfrm>
+          <a:prstGeom prst="rect">
+            <a:avLst/>
+          </a:prstGeom>
+          <a:noFill/>
+        </p:spPr>
+        <p:txBody>
+          <a:bodyPr wrap="none" rtlCol="0">
+            <a:spAutoFit/>
+          </a:bodyPr>
+          <a:lstStyle/>
+          <a:p>
+            <a:r>
+              <a:rPr lang="nl-NL" sz="1100">
+                <a:solidFill>
+                  <a:schemeClr val="accent1">
+                    <a:lumMod val="75000"/>
+                  </a:schemeClr>
+                </a:solidFill>
+              </a:rPr>
+              <a:t>clockwise =</a:t>
+            </a:r>
+            <a:r>
+              <a:rPr lang="nl-NL" sz="1100">
+                <a:solidFill>
+                  <a:srgbClr val="FF66FF"/>
+                </a:solidFill>
+              </a:rPr>
+              <a:t> </a:t>
+            </a:r>
+            <a:r>
+              <a:rPr lang="nl-NL" sz="1100">
+                <a:solidFill>
+                  <a:schemeClr val="accent1">
+                    <a:lumMod val="75000"/>
+                  </a:schemeClr>
+                </a:solidFill>
+              </a:rPr>
+              <a:t>false</a:t>
+            </a:r>
+            <a:endParaRPr lang="en-US" sz="1100">
+              <a:solidFill>
+                <a:schemeClr val="accent1">
+                  <a:lumMod val="75000"/>
+                </a:schemeClr>
+              </a:solidFill>
+            </a:endParaRPr>
+          </a:p>
+        </p:txBody>
+      </p:sp>
+    </p:spTree>
+    <p:extLst>
+      <p:ext uri="{BB962C8B-B14F-4D97-AF65-F5344CB8AC3E}">
+        <p14:creationId xmlns:p14="http://schemas.microsoft.com/office/powerpoint/2010/main" val="448348419"/>
+      </p:ext>
+    </p:extLst>
+  </p:cSld>
+  <p:clrMapOvr>
+    <a:masterClrMapping/>
+  </p:clrMapOvr>
+</p:sld>
+</file>
+
 <file path=ppt/theme/theme1.xml><?xml version="1.0" encoding="utf-8"?>
 <a:theme xmlns:a="http://schemas.openxmlformats.org/drawingml/2006/main" name="Kantoorthema">
   <a:themeElements>

--- a/images/offset.pptx
+++ b/images/offset.pptx
@@ -6,10 +6,11 @@
   </p:sldMasterIdLst>
   <p:sldIdLst>
     <p:sldId id="256" r:id="rId2"/>
-    <p:sldId id="257" r:id="rId3"/>
-    <p:sldId id="260" r:id="rId4"/>
-    <p:sldId id="258" r:id="rId5"/>
-    <p:sldId id="259" r:id="rId6"/>
+    <p:sldId id="261" r:id="rId3"/>
+    <p:sldId id="257" r:id="rId4"/>
+    <p:sldId id="260" r:id="rId5"/>
+    <p:sldId id="258" r:id="rId6"/>
+    <p:sldId id="259" r:id="rId7"/>
   </p:sldIdLst>
   <p:sldSz cx="12192000" cy="6858000"/>
   <p:notesSz cx="6858000" cy="9144000"/>
@@ -119,7 +120,7 @@
 <file path=ppt/revisionInfo.xml><?xml version="1.0" encoding="utf-8"?>
 <p1510:revInfo xmlns:a="http://schemas.openxmlformats.org/drawingml/2006/main" xmlns:r="http://schemas.openxmlformats.org/officeDocument/2006/relationships" xmlns:p1510="http://schemas.microsoft.com/office/powerpoint/2015/10/main">
   <p1510:revLst>
-    <p1510:client id="{8B37A0D2-A186-442A-9307-220B448B516A}" v="28" dt="2021-06-12T22:41:51.658"/>
+    <p1510:client id="{8B37A0D2-A186-442A-9307-220B448B516A}" v="70" dt="2021-06-13T22:11:56.547"/>
   </p1510:revLst>
 </p1510:revInfo>
 </file>
@@ -128,8 +129,8 @@
 <pc:chgInfo xmlns:a="http://schemas.openxmlformats.org/drawingml/2006/main" xmlns:r="http://schemas.openxmlformats.org/officeDocument/2006/relationships" xmlns:ac="http://schemas.microsoft.com/office/drawing/2013/main/command" xmlns:pc="http://schemas.microsoft.com/office/powerpoint/2013/main/command">
   <pc:docChgLst>
     <pc:chgData name="Raymond Deleu" userId="068f976be0c9fe56" providerId="LiveId" clId="{8B37A0D2-A186-442A-9307-220B448B516A}"/>
-    <pc:docChg chg="undo custSel addSld modSld">
-      <pc:chgData name="Raymond Deleu" userId="068f976be0c9fe56" providerId="LiveId" clId="{8B37A0D2-A186-442A-9307-220B448B516A}" dt="2021-06-12T23:10:31.532" v="376" actId="1076"/>
+    <pc:docChg chg="undo custSel addSld delSld modSld">
+      <pc:chgData name="Raymond Deleu" userId="068f976be0c9fe56" providerId="LiveId" clId="{8B37A0D2-A186-442A-9307-220B448B516A}" dt="2021-06-13T22:13:06.315" v="702" actId="478"/>
       <pc:docMkLst>
         <pc:docMk/>
       </pc:docMkLst>
@@ -285,13 +286,13 @@
         </pc:cxnChg>
       </pc:sldChg>
       <pc:sldChg chg="addSp delSp modSp new mod">
-        <pc:chgData name="Raymond Deleu" userId="068f976be0c9fe56" providerId="LiveId" clId="{8B37A0D2-A186-442A-9307-220B448B516A}" dt="2021-06-12T22:01:38.577" v="323" actId="207"/>
+        <pc:chgData name="Raymond Deleu" userId="068f976be0c9fe56" providerId="LiveId" clId="{8B37A0D2-A186-442A-9307-220B448B516A}" dt="2021-06-13T22:13:06.315" v="702" actId="478"/>
         <pc:sldMkLst>
           <pc:docMk/>
           <pc:sldMk cId="2181466537" sldId="258"/>
         </pc:sldMkLst>
         <pc:spChg chg="add mod">
-          <ac:chgData name="Raymond Deleu" userId="068f976be0c9fe56" providerId="LiveId" clId="{8B37A0D2-A186-442A-9307-220B448B516A}" dt="2021-06-12T21:17:49.593" v="161"/>
+          <ac:chgData name="Raymond Deleu" userId="068f976be0c9fe56" providerId="LiveId" clId="{8B37A0D2-A186-442A-9307-220B448B516A}" dt="2021-06-13T22:11:54.570" v="696" actId="164"/>
           <ac:spMkLst>
             <pc:docMk/>
             <pc:sldMk cId="2181466537" sldId="258"/>
@@ -307,6 +308,14 @@
           </ac:spMkLst>
         </pc:spChg>
         <pc:spChg chg="add del mod">
+          <ac:chgData name="Raymond Deleu" userId="068f976be0c9fe56" providerId="LiveId" clId="{8B37A0D2-A186-442A-9307-220B448B516A}" dt="2021-06-13T22:03:36.104" v="678"/>
+          <ac:spMkLst>
+            <pc:docMk/>
+            <pc:sldMk cId="2181466537" sldId="258"/>
+            <ac:spMk id="6" creationId="{31C2BD8F-62D6-42A1-AAC6-8FB45AB3F809}"/>
+          </ac:spMkLst>
+        </pc:spChg>
+        <pc:spChg chg="add del mod">
           <ac:chgData name="Raymond Deleu" userId="068f976be0c9fe56" providerId="LiveId" clId="{8B37A0D2-A186-442A-9307-220B448B516A}" dt="2021-06-12T21:24:22.336" v="219" actId="478"/>
           <ac:spMkLst>
             <pc:docMk/>
@@ -331,7 +340,7 @@
           </ac:spMkLst>
         </pc:spChg>
         <pc:spChg chg="add mod">
-          <ac:chgData name="Raymond Deleu" userId="068f976be0c9fe56" providerId="LiveId" clId="{8B37A0D2-A186-442A-9307-220B448B516A}" dt="2021-06-12T21:18:34.584" v="168" actId="108"/>
+          <ac:chgData name="Raymond Deleu" userId="068f976be0c9fe56" providerId="LiveId" clId="{8B37A0D2-A186-442A-9307-220B448B516A}" dt="2021-06-13T22:11:54.570" v="696" actId="164"/>
           <ac:spMkLst>
             <pc:docMk/>
             <pc:sldMk cId="2181466537" sldId="258"/>
@@ -339,7 +348,7 @@
           </ac:spMkLst>
         </pc:spChg>
         <pc:spChg chg="add mod">
-          <ac:chgData name="Raymond Deleu" userId="068f976be0c9fe56" providerId="LiveId" clId="{8B37A0D2-A186-442A-9307-220B448B516A}" dt="2021-06-12T21:17:49.593" v="161"/>
+          <ac:chgData name="Raymond Deleu" userId="068f976be0c9fe56" providerId="LiveId" clId="{8B37A0D2-A186-442A-9307-220B448B516A}" dt="2021-06-13T22:11:54.570" v="696" actId="164"/>
           <ac:spMkLst>
             <pc:docMk/>
             <pc:sldMk cId="2181466537" sldId="258"/>
@@ -347,7 +356,7 @@
           </ac:spMkLst>
         </pc:spChg>
         <pc:spChg chg="add mod">
-          <ac:chgData name="Raymond Deleu" userId="068f976be0c9fe56" providerId="LiveId" clId="{8B37A0D2-A186-442A-9307-220B448B516A}" dt="2021-06-12T22:01:38.577" v="323" actId="207"/>
+          <ac:chgData name="Raymond Deleu" userId="068f976be0c9fe56" providerId="LiveId" clId="{8B37A0D2-A186-442A-9307-220B448B516A}" dt="2021-06-13T22:11:54.570" v="696" actId="164"/>
           <ac:spMkLst>
             <pc:docMk/>
             <pc:sldMk cId="2181466537" sldId="258"/>
@@ -363,7 +372,7 @@
           </ac:spMkLst>
         </pc:spChg>
         <pc:spChg chg="add mod">
-          <ac:chgData name="Raymond Deleu" userId="068f976be0c9fe56" providerId="LiveId" clId="{8B37A0D2-A186-442A-9307-220B448B516A}" dt="2021-06-12T21:22:35.335" v="200" actId="20577"/>
+          <ac:chgData name="Raymond Deleu" userId="068f976be0c9fe56" providerId="LiveId" clId="{8B37A0D2-A186-442A-9307-220B448B516A}" dt="2021-06-13T22:11:54.570" v="696" actId="164"/>
           <ac:spMkLst>
             <pc:docMk/>
             <pc:sldMk cId="2181466537" sldId="258"/>
@@ -387,7 +396,15 @@
           </ac:spMkLst>
         </pc:spChg>
         <pc:spChg chg="add mod">
-          <ac:chgData name="Raymond Deleu" userId="068f976be0c9fe56" providerId="LiveId" clId="{8B37A0D2-A186-442A-9307-220B448B516A}" dt="2021-06-12T21:18:45.411" v="172" actId="20577"/>
+          <ac:chgData name="Raymond Deleu" userId="068f976be0c9fe56" providerId="LiveId" clId="{8B37A0D2-A186-442A-9307-220B448B516A}" dt="2021-06-13T22:11:54.570" v="696" actId="164"/>
+          <ac:spMkLst>
+            <pc:docMk/>
+            <pc:sldMk cId="2181466537" sldId="258"/>
+            <ac:spMk id="18" creationId="{6B5066C7-C6DC-4584-AAF5-EE53E71E8BBD}"/>
+          </ac:spMkLst>
+        </pc:spChg>
+        <pc:spChg chg="add mod">
+          <ac:chgData name="Raymond Deleu" userId="068f976be0c9fe56" providerId="LiveId" clId="{8B37A0D2-A186-442A-9307-220B448B516A}" dt="2021-06-13T22:11:54.570" v="696" actId="164"/>
           <ac:spMkLst>
             <pc:docMk/>
             <pc:sldMk cId="2181466537" sldId="258"/>
@@ -403,7 +420,7 @@
           </ac:spMkLst>
         </pc:spChg>
         <pc:spChg chg="add mod">
-          <ac:chgData name="Raymond Deleu" userId="068f976be0c9fe56" providerId="LiveId" clId="{8B37A0D2-A186-442A-9307-220B448B516A}" dt="2021-06-12T21:22:18.698" v="196" actId="1076"/>
+          <ac:chgData name="Raymond Deleu" userId="068f976be0c9fe56" providerId="LiveId" clId="{8B37A0D2-A186-442A-9307-220B448B516A}" dt="2021-06-13T22:11:54.570" v="696" actId="164"/>
           <ac:spMkLst>
             <pc:docMk/>
             <pc:sldMk cId="2181466537" sldId="258"/>
@@ -411,7 +428,15 @@
           </ac:spMkLst>
         </pc:spChg>
         <pc:spChg chg="add mod">
-          <ac:chgData name="Raymond Deleu" userId="068f976be0c9fe56" providerId="LiveId" clId="{8B37A0D2-A186-442A-9307-220B448B516A}" dt="2021-06-12T21:57:24.230" v="305" actId="208"/>
+          <ac:chgData name="Raymond Deleu" userId="068f976be0c9fe56" providerId="LiveId" clId="{8B37A0D2-A186-442A-9307-220B448B516A}" dt="2021-06-13T22:11:54.570" v="696" actId="164"/>
+          <ac:spMkLst>
+            <pc:docMk/>
+            <pc:sldMk cId="2181466537" sldId="258"/>
+            <ac:spMk id="24" creationId="{6A30DC9B-0AC8-4472-BC3B-CD7745658A66}"/>
+          </ac:spMkLst>
+        </pc:spChg>
+        <pc:spChg chg="add mod">
+          <ac:chgData name="Raymond Deleu" userId="068f976be0c9fe56" providerId="LiveId" clId="{8B37A0D2-A186-442A-9307-220B448B516A}" dt="2021-06-13T22:11:54.570" v="696" actId="164"/>
           <ac:spMkLst>
             <pc:docMk/>
             <pc:sldMk cId="2181466537" sldId="258"/>
@@ -419,13 +444,125 @@
           </ac:spMkLst>
         </pc:spChg>
         <pc:spChg chg="add mod">
-          <ac:chgData name="Raymond Deleu" userId="068f976be0c9fe56" providerId="LiveId" clId="{8B37A0D2-A186-442A-9307-220B448B516A}" dt="2021-06-12T21:57:28.687" v="306" actId="207"/>
+          <ac:chgData name="Raymond Deleu" userId="068f976be0c9fe56" providerId="LiveId" clId="{8B37A0D2-A186-442A-9307-220B448B516A}" dt="2021-06-13T22:11:54.570" v="696" actId="164"/>
           <ac:spMkLst>
             <pc:docMk/>
             <pc:sldMk cId="2181466537" sldId="258"/>
             <ac:spMk id="28" creationId="{2AC6EA61-16DC-4194-AD6C-B3DDBB1581F3}"/>
           </ac:spMkLst>
         </pc:spChg>
+        <pc:spChg chg="mod">
+          <ac:chgData name="Raymond Deleu" userId="068f976be0c9fe56" providerId="LiveId" clId="{8B37A0D2-A186-442A-9307-220B448B516A}" dt="2021-06-13T22:11:56.547" v="697"/>
+          <ac:spMkLst>
+            <pc:docMk/>
+            <pc:sldMk cId="2181466537" sldId="258"/>
+            <ac:spMk id="29" creationId="{0BF9DE46-E66C-49CA-AD0B-41715F2F17E6}"/>
+          </ac:spMkLst>
+        </pc:spChg>
+        <pc:spChg chg="mod">
+          <ac:chgData name="Raymond Deleu" userId="068f976be0c9fe56" providerId="LiveId" clId="{8B37A0D2-A186-442A-9307-220B448B516A}" dt="2021-06-13T22:11:56.547" v="697"/>
+          <ac:spMkLst>
+            <pc:docMk/>
+            <pc:sldMk cId="2181466537" sldId="258"/>
+            <ac:spMk id="31" creationId="{54757969-D919-4027-8492-1043A039D034}"/>
+          </ac:spMkLst>
+        </pc:spChg>
+        <pc:spChg chg="mod">
+          <ac:chgData name="Raymond Deleu" userId="068f976be0c9fe56" providerId="LiveId" clId="{8B37A0D2-A186-442A-9307-220B448B516A}" dt="2021-06-13T22:11:56.547" v="697"/>
+          <ac:spMkLst>
+            <pc:docMk/>
+            <pc:sldMk cId="2181466537" sldId="258"/>
+            <ac:spMk id="32" creationId="{CE253BAA-2C72-4714-A3D9-8E9B2F552213}"/>
+          </ac:spMkLst>
+        </pc:spChg>
+        <pc:spChg chg="mod">
+          <ac:chgData name="Raymond Deleu" userId="068f976be0c9fe56" providerId="LiveId" clId="{8B37A0D2-A186-442A-9307-220B448B516A}" dt="2021-06-13T22:11:56.547" v="697"/>
+          <ac:spMkLst>
+            <pc:docMk/>
+            <pc:sldMk cId="2181466537" sldId="258"/>
+            <ac:spMk id="33" creationId="{0C02011A-D578-4C8B-A09D-8481A87C9564}"/>
+          </ac:spMkLst>
+        </pc:spChg>
+        <pc:spChg chg="mod">
+          <ac:chgData name="Raymond Deleu" userId="068f976be0c9fe56" providerId="LiveId" clId="{8B37A0D2-A186-442A-9307-220B448B516A}" dt="2021-06-13T22:11:56.547" v="697"/>
+          <ac:spMkLst>
+            <pc:docMk/>
+            <pc:sldMk cId="2181466537" sldId="258"/>
+            <ac:spMk id="34" creationId="{8ACC3B0B-C89F-4320-8867-45268F13AE4F}"/>
+          </ac:spMkLst>
+        </pc:spChg>
+        <pc:spChg chg="mod">
+          <ac:chgData name="Raymond Deleu" userId="068f976be0c9fe56" providerId="LiveId" clId="{8B37A0D2-A186-442A-9307-220B448B516A}" dt="2021-06-13T22:11:56.547" v="697"/>
+          <ac:spMkLst>
+            <pc:docMk/>
+            <pc:sldMk cId="2181466537" sldId="258"/>
+            <ac:spMk id="36" creationId="{AEA65797-98FF-41FF-9C6C-2F642E000F20}"/>
+          </ac:spMkLst>
+        </pc:spChg>
+        <pc:spChg chg="mod">
+          <ac:chgData name="Raymond Deleu" userId="068f976be0c9fe56" providerId="LiveId" clId="{8B37A0D2-A186-442A-9307-220B448B516A}" dt="2021-06-13T22:11:56.547" v="697"/>
+          <ac:spMkLst>
+            <pc:docMk/>
+            <pc:sldMk cId="2181466537" sldId="258"/>
+            <ac:spMk id="37" creationId="{FD7989E7-5A44-4CB4-AFC9-D06E60710DD2}"/>
+          </ac:spMkLst>
+        </pc:spChg>
+        <pc:spChg chg="mod">
+          <ac:chgData name="Raymond Deleu" userId="068f976be0c9fe56" providerId="LiveId" clId="{8B37A0D2-A186-442A-9307-220B448B516A}" dt="2021-06-13T22:11:56.547" v="697"/>
+          <ac:spMkLst>
+            <pc:docMk/>
+            <pc:sldMk cId="2181466537" sldId="258"/>
+            <ac:spMk id="39" creationId="{177E7F03-AE76-4322-857F-376BDC14D6CA}"/>
+          </ac:spMkLst>
+        </pc:spChg>
+        <pc:spChg chg="mod">
+          <ac:chgData name="Raymond Deleu" userId="068f976be0c9fe56" providerId="LiveId" clId="{8B37A0D2-A186-442A-9307-220B448B516A}" dt="2021-06-13T22:11:56.547" v="697"/>
+          <ac:spMkLst>
+            <pc:docMk/>
+            <pc:sldMk cId="2181466537" sldId="258"/>
+            <ac:spMk id="40" creationId="{8BACD11D-EF9B-4132-AA37-045C7D8DF1E9}"/>
+          </ac:spMkLst>
+        </pc:spChg>
+        <pc:spChg chg="mod">
+          <ac:chgData name="Raymond Deleu" userId="068f976be0c9fe56" providerId="LiveId" clId="{8B37A0D2-A186-442A-9307-220B448B516A}" dt="2021-06-13T22:11:56.547" v="697"/>
+          <ac:spMkLst>
+            <pc:docMk/>
+            <pc:sldMk cId="2181466537" sldId="258"/>
+            <ac:spMk id="42" creationId="{D18E07AE-A3B6-44F7-A8A8-5E87C1F8DCF0}"/>
+          </ac:spMkLst>
+        </pc:spChg>
+        <pc:spChg chg="mod">
+          <ac:chgData name="Raymond Deleu" userId="068f976be0c9fe56" providerId="LiveId" clId="{8B37A0D2-A186-442A-9307-220B448B516A}" dt="2021-06-13T22:11:56.547" v="697"/>
+          <ac:spMkLst>
+            <pc:docMk/>
+            <pc:sldMk cId="2181466537" sldId="258"/>
+            <ac:spMk id="44" creationId="{66E473B8-628D-4617-AD15-EE487DA7EB14}"/>
+          </ac:spMkLst>
+        </pc:spChg>
+        <pc:grpChg chg="add mod">
+          <ac:chgData name="Raymond Deleu" userId="068f976be0c9fe56" providerId="LiveId" clId="{8B37A0D2-A186-442A-9307-220B448B516A}" dt="2021-06-13T22:11:54.570" v="696" actId="164"/>
+          <ac:grpSpMkLst>
+            <pc:docMk/>
+            <pc:sldMk cId="2181466537" sldId="258"/>
+            <ac:grpSpMk id="16" creationId="{46EF6FB0-50C9-4977-A7D0-3E064055D5B5}"/>
+          </ac:grpSpMkLst>
+        </pc:grpChg>
+        <pc:grpChg chg="add del mod">
+          <ac:chgData name="Raymond Deleu" userId="068f976be0c9fe56" providerId="LiveId" clId="{8B37A0D2-A186-442A-9307-220B448B516A}" dt="2021-06-13T22:13:06.315" v="702" actId="478"/>
+          <ac:grpSpMkLst>
+            <pc:docMk/>
+            <pc:sldMk cId="2181466537" sldId="258"/>
+            <ac:grpSpMk id="26" creationId="{CC7C7BFC-A753-4AC9-9A08-33B7B64FC495}"/>
+          </ac:grpSpMkLst>
+        </pc:grpChg>
+        <pc:cxnChg chg="add mod">
+          <ac:chgData name="Raymond Deleu" userId="068f976be0c9fe56" providerId="LiveId" clId="{8B37A0D2-A186-442A-9307-220B448B516A}" dt="2021-06-13T22:11:54.570" v="696" actId="164"/>
+          <ac:cxnSpMkLst>
+            <pc:docMk/>
+            <pc:sldMk cId="2181466537" sldId="258"/>
+            <ac:cxnSpMk id="4" creationId="{1ECF0C87-392F-4947-8397-141FA289D30B}"/>
+          </ac:cxnSpMkLst>
+        </pc:cxnChg>
         <pc:cxnChg chg="add del mod">
           <ac:chgData name="Raymond Deleu" userId="068f976be0c9fe56" providerId="LiveId" clId="{8B37A0D2-A186-442A-9307-220B448B516A}" dt="2021-06-12T21:18:04.496" v="163" actId="478"/>
           <ac:cxnSpMkLst>
@@ -435,11 +572,19 @@
           </ac:cxnSpMkLst>
         </pc:cxnChg>
         <pc:cxnChg chg="add mod">
-          <ac:chgData name="Raymond Deleu" userId="068f976be0c9fe56" providerId="LiveId" clId="{8B37A0D2-A186-442A-9307-220B448B516A}" dt="2021-06-12T21:17:49.593" v="161"/>
+          <ac:chgData name="Raymond Deleu" userId="068f976be0c9fe56" providerId="LiveId" clId="{8B37A0D2-A186-442A-9307-220B448B516A}" dt="2021-06-13T22:11:54.570" v="696" actId="164"/>
           <ac:cxnSpMkLst>
             <pc:docMk/>
             <pc:sldMk cId="2181466537" sldId="258"/>
             <ac:cxnSpMk id="5" creationId="{BAEAD97F-8EFF-4241-A08C-B4422D1541BF}"/>
+          </ac:cxnSpMkLst>
+        </pc:cxnChg>
+        <pc:cxnChg chg="add mod">
+          <ac:chgData name="Raymond Deleu" userId="068f976be0c9fe56" providerId="LiveId" clId="{8B37A0D2-A186-442A-9307-220B448B516A}" dt="2021-06-13T22:11:54.570" v="696" actId="164"/>
+          <ac:cxnSpMkLst>
+            <pc:docMk/>
+            <pc:sldMk cId="2181466537" sldId="258"/>
+            <ac:cxnSpMk id="8" creationId="{70042211-967E-49D4-8034-CC0FD6703273}"/>
           </ac:cxnSpMkLst>
         </pc:cxnChg>
         <pc:cxnChg chg="add del mod">
@@ -459,7 +604,7 @@
           </ac:cxnSpMkLst>
         </pc:cxnChg>
         <pc:cxnChg chg="add mod">
-          <ac:chgData name="Raymond Deleu" userId="068f976be0c9fe56" providerId="LiveId" clId="{8B37A0D2-A186-442A-9307-220B448B516A}" dt="2021-06-12T21:18:20.970" v="167" actId="208"/>
+          <ac:chgData name="Raymond Deleu" userId="068f976be0c9fe56" providerId="LiveId" clId="{8B37A0D2-A186-442A-9307-220B448B516A}" dt="2021-06-13T22:11:54.570" v="696" actId="164"/>
           <ac:cxnSpMkLst>
             <pc:docMk/>
             <pc:sldMk cId="2181466537" sldId="258"/>
@@ -467,11 +612,51 @@
           </ac:cxnSpMkLst>
         </pc:cxnChg>
         <pc:cxnChg chg="add mod">
-          <ac:chgData name="Raymond Deleu" userId="068f976be0c9fe56" providerId="LiveId" clId="{8B37A0D2-A186-442A-9307-220B448B516A}" dt="2021-06-12T21:22:49.232" v="202" actId="1582"/>
+          <ac:chgData name="Raymond Deleu" userId="068f976be0c9fe56" providerId="LiveId" clId="{8B37A0D2-A186-442A-9307-220B448B516A}" dt="2021-06-13T22:11:54.570" v="696" actId="164"/>
           <ac:cxnSpMkLst>
             <pc:docMk/>
             <pc:sldMk cId="2181466537" sldId="258"/>
             <ac:cxnSpMk id="25" creationId="{2479F7AC-646C-43FE-BFED-8E2E5894A644}"/>
+          </ac:cxnSpMkLst>
+        </pc:cxnChg>
+        <pc:cxnChg chg="mod">
+          <ac:chgData name="Raymond Deleu" userId="068f976be0c9fe56" providerId="LiveId" clId="{8B37A0D2-A186-442A-9307-220B448B516A}" dt="2021-06-13T22:13:06.315" v="702" actId="478"/>
+          <ac:cxnSpMkLst>
+            <pc:docMk/>
+            <pc:sldMk cId="2181466537" sldId="258"/>
+            <ac:cxnSpMk id="30" creationId="{3626EB7F-E849-4F73-9E9A-D2DB12543D74}"/>
+          </ac:cxnSpMkLst>
+        </pc:cxnChg>
+        <pc:cxnChg chg="mod">
+          <ac:chgData name="Raymond Deleu" userId="068f976be0c9fe56" providerId="LiveId" clId="{8B37A0D2-A186-442A-9307-220B448B516A}" dt="2021-06-13T22:13:06.315" v="702" actId="478"/>
+          <ac:cxnSpMkLst>
+            <pc:docMk/>
+            <pc:sldMk cId="2181466537" sldId="258"/>
+            <ac:cxnSpMk id="35" creationId="{501116CC-5EDC-4F17-9FBD-4252235BEDF0}"/>
+          </ac:cxnSpMkLst>
+        </pc:cxnChg>
+        <pc:cxnChg chg="mod">
+          <ac:chgData name="Raymond Deleu" userId="068f976be0c9fe56" providerId="LiveId" clId="{8B37A0D2-A186-442A-9307-220B448B516A}" dt="2021-06-13T22:11:56.547" v="697"/>
+          <ac:cxnSpMkLst>
+            <pc:docMk/>
+            <pc:sldMk cId="2181466537" sldId="258"/>
+            <ac:cxnSpMk id="38" creationId="{9765138F-E05E-4336-A776-181A7FDD2D5F}"/>
+          </ac:cxnSpMkLst>
+        </pc:cxnChg>
+        <pc:cxnChg chg="mod">
+          <ac:chgData name="Raymond Deleu" userId="068f976be0c9fe56" providerId="LiveId" clId="{8B37A0D2-A186-442A-9307-220B448B516A}" dt="2021-06-13T22:13:06.315" v="702" actId="478"/>
+          <ac:cxnSpMkLst>
+            <pc:docMk/>
+            <pc:sldMk cId="2181466537" sldId="258"/>
+            <ac:cxnSpMk id="41" creationId="{F9500440-5280-43D2-B77A-886B795EE72A}"/>
+          </ac:cxnSpMkLst>
+        </pc:cxnChg>
+        <pc:cxnChg chg="mod">
+          <ac:chgData name="Raymond Deleu" userId="068f976be0c9fe56" providerId="LiveId" clId="{8B37A0D2-A186-442A-9307-220B448B516A}" dt="2021-06-13T22:13:06.315" v="702" actId="478"/>
+          <ac:cxnSpMkLst>
+            <pc:docMk/>
+            <pc:sldMk cId="2181466537" sldId="258"/>
+            <ac:cxnSpMk id="43" creationId="{1E91221D-D9CC-4355-A307-B2A0890522A5}"/>
           </ac:cxnSpMkLst>
         </pc:cxnChg>
       </pc:sldChg>
@@ -656,6 +841,300 @@
             <ac:cxnSpMk id="29" creationId="{9F6EDAE5-2306-4ED5-9255-7205E44F0CE5}"/>
           </ac:cxnSpMkLst>
         </pc:cxnChg>
+      </pc:sldChg>
+      <pc:sldChg chg="addSp delSp modSp new mod">
+        <pc:chgData name="Raymond Deleu" userId="068f976be0c9fe56" providerId="LiveId" clId="{8B37A0D2-A186-442A-9307-220B448B516A}" dt="2021-06-13T21:45:28.720" v="674" actId="20577"/>
+        <pc:sldMkLst>
+          <pc:docMk/>
+          <pc:sldMk cId="4205084038" sldId="261"/>
+        </pc:sldMkLst>
+        <pc:spChg chg="add mod topLvl">
+          <ac:chgData name="Raymond Deleu" userId="068f976be0c9fe56" providerId="LiveId" clId="{8B37A0D2-A186-442A-9307-220B448B516A}" dt="2021-06-13T21:37:13.158" v="639" actId="1076"/>
+          <ac:spMkLst>
+            <pc:docMk/>
+            <pc:sldMk cId="4205084038" sldId="261"/>
+            <ac:spMk id="18" creationId="{7816D8A3-8B7C-492E-9375-2D0AB15CC69E}"/>
+          </ac:spMkLst>
+        </pc:spChg>
+        <pc:spChg chg="add mod">
+          <ac:chgData name="Raymond Deleu" userId="068f976be0c9fe56" providerId="LiveId" clId="{8B37A0D2-A186-442A-9307-220B448B516A}" dt="2021-06-13T21:37:13.158" v="639" actId="1076"/>
+          <ac:spMkLst>
+            <pc:docMk/>
+            <pc:sldMk cId="4205084038" sldId="261"/>
+            <ac:spMk id="23" creationId="{16700D1D-9331-4C55-A35F-B99B7CD1EB55}"/>
+          </ac:spMkLst>
+        </pc:spChg>
+        <pc:spChg chg="add mod">
+          <ac:chgData name="Raymond Deleu" userId="068f976be0c9fe56" providerId="LiveId" clId="{8B37A0D2-A186-442A-9307-220B448B516A}" dt="2021-06-13T21:37:13.158" v="639" actId="1076"/>
+          <ac:spMkLst>
+            <pc:docMk/>
+            <pc:sldMk cId="4205084038" sldId="261"/>
+            <ac:spMk id="24" creationId="{ACBD551D-4282-4A41-B1FB-4D2D29D9CB6D}"/>
+          </ac:spMkLst>
+        </pc:spChg>
+        <pc:spChg chg="add mod">
+          <ac:chgData name="Raymond Deleu" userId="068f976be0c9fe56" providerId="LiveId" clId="{8B37A0D2-A186-442A-9307-220B448B516A}" dt="2021-06-13T21:37:13.158" v="639" actId="1076"/>
+          <ac:spMkLst>
+            <pc:docMk/>
+            <pc:sldMk cId="4205084038" sldId="261"/>
+            <ac:spMk id="25" creationId="{BABDFAB7-3164-4F96-998C-D37285DFD127}"/>
+          </ac:spMkLst>
+        </pc:spChg>
+        <pc:spChg chg="add del mod">
+          <ac:chgData name="Raymond Deleu" userId="068f976be0c9fe56" providerId="LiveId" clId="{8B37A0D2-A186-442A-9307-220B448B516A}" dt="2021-06-13T21:31:21.708" v="555" actId="478"/>
+          <ac:spMkLst>
+            <pc:docMk/>
+            <pc:sldMk cId="4205084038" sldId="261"/>
+            <ac:spMk id="38" creationId="{EBE31C4F-EAB4-45D9-B426-67D2F764D00E}"/>
+          </ac:spMkLst>
+        </pc:spChg>
+        <pc:spChg chg="add del mod">
+          <ac:chgData name="Raymond Deleu" userId="068f976be0c9fe56" providerId="LiveId" clId="{8B37A0D2-A186-442A-9307-220B448B516A}" dt="2021-06-13T21:31:29.678" v="557" actId="478"/>
+          <ac:spMkLst>
+            <pc:docMk/>
+            <pc:sldMk cId="4205084038" sldId="261"/>
+            <ac:spMk id="39" creationId="{C1933922-BB8F-4F1C-AA86-3C7F44AF86B0}"/>
+          </ac:spMkLst>
+        </pc:spChg>
+        <pc:spChg chg="add mod">
+          <ac:chgData name="Raymond Deleu" userId="068f976be0c9fe56" providerId="LiveId" clId="{8B37A0D2-A186-442A-9307-220B448B516A}" dt="2021-06-13T21:37:13.158" v="639" actId="1076"/>
+          <ac:spMkLst>
+            <pc:docMk/>
+            <pc:sldMk cId="4205084038" sldId="261"/>
+            <ac:spMk id="40" creationId="{415AB1A4-6F7C-4993-998D-0248F6AD7D2E}"/>
+          </ac:spMkLst>
+        </pc:spChg>
+        <pc:spChg chg="add mod">
+          <ac:chgData name="Raymond Deleu" userId="068f976be0c9fe56" providerId="LiveId" clId="{8B37A0D2-A186-442A-9307-220B448B516A}" dt="2021-06-13T21:37:13.158" v="639" actId="1076"/>
+          <ac:spMkLst>
+            <pc:docMk/>
+            <pc:sldMk cId="4205084038" sldId="261"/>
+            <ac:spMk id="42" creationId="{D23790D5-5556-44B8-8188-475C7F6BDE0D}"/>
+          </ac:spMkLst>
+        </pc:spChg>
+        <pc:spChg chg="add mod">
+          <ac:chgData name="Raymond Deleu" userId="068f976be0c9fe56" providerId="LiveId" clId="{8B37A0D2-A186-442A-9307-220B448B516A}" dt="2021-06-13T21:37:13.158" v="639" actId="1076"/>
+          <ac:spMkLst>
+            <pc:docMk/>
+            <pc:sldMk cId="4205084038" sldId="261"/>
+            <ac:spMk id="43" creationId="{A8ED74AA-984B-4C56-9719-D4A4039C0376}"/>
+          </ac:spMkLst>
+        </pc:spChg>
+        <pc:spChg chg="add mod">
+          <ac:chgData name="Raymond Deleu" userId="068f976be0c9fe56" providerId="LiveId" clId="{8B37A0D2-A186-442A-9307-220B448B516A}" dt="2021-06-13T21:37:13.158" v="639" actId="1076"/>
+          <ac:spMkLst>
+            <pc:docMk/>
+            <pc:sldMk cId="4205084038" sldId="261"/>
+            <ac:spMk id="44" creationId="{D4CA0A2F-857B-4614-9B5C-EE08FFB9CC68}"/>
+          </ac:spMkLst>
+        </pc:spChg>
+        <pc:spChg chg="add mod">
+          <ac:chgData name="Raymond Deleu" userId="068f976be0c9fe56" providerId="LiveId" clId="{8B37A0D2-A186-442A-9307-220B448B516A}" dt="2021-06-13T21:45:28.720" v="674" actId="20577"/>
+          <ac:spMkLst>
+            <pc:docMk/>
+            <pc:sldMk cId="4205084038" sldId="261"/>
+            <ac:spMk id="45" creationId="{B6F715FC-AE8B-4B90-8BAF-B53597CA15F6}"/>
+          </ac:spMkLst>
+        </pc:spChg>
+        <pc:spChg chg="add mod">
+          <ac:chgData name="Raymond Deleu" userId="068f976be0c9fe56" providerId="LiveId" clId="{8B37A0D2-A186-442A-9307-220B448B516A}" dt="2021-06-13T21:37:13.158" v="639" actId="1076"/>
+          <ac:spMkLst>
+            <pc:docMk/>
+            <pc:sldMk cId="4205084038" sldId="261"/>
+            <ac:spMk id="46" creationId="{23FE0B38-78B5-4FE9-9A89-28580A022CE7}"/>
+          </ac:spMkLst>
+        </pc:spChg>
+        <pc:spChg chg="add mod">
+          <ac:chgData name="Raymond Deleu" userId="068f976be0c9fe56" providerId="LiveId" clId="{8B37A0D2-A186-442A-9307-220B448B516A}" dt="2021-06-13T21:37:13.158" v="639" actId="1076"/>
+          <ac:spMkLst>
+            <pc:docMk/>
+            <pc:sldMk cId="4205084038" sldId="261"/>
+            <ac:spMk id="47" creationId="{2D022F9C-EC6C-4166-A77A-87EC47099BC2}"/>
+          </ac:spMkLst>
+        </pc:spChg>
+        <pc:spChg chg="add mod">
+          <ac:chgData name="Raymond Deleu" userId="068f976be0c9fe56" providerId="LiveId" clId="{8B37A0D2-A186-442A-9307-220B448B516A}" dt="2021-06-13T21:37:13.158" v="639" actId="1076"/>
+          <ac:spMkLst>
+            <pc:docMk/>
+            <pc:sldMk cId="4205084038" sldId="261"/>
+            <ac:spMk id="51" creationId="{F7AB7750-BBE9-4720-BC72-E8C07B99627C}"/>
+          </ac:spMkLst>
+        </pc:spChg>
+        <pc:spChg chg="add mod">
+          <ac:chgData name="Raymond Deleu" userId="068f976be0c9fe56" providerId="LiveId" clId="{8B37A0D2-A186-442A-9307-220B448B516A}" dt="2021-06-13T21:37:13.158" v="639" actId="1076"/>
+          <ac:spMkLst>
+            <pc:docMk/>
+            <pc:sldMk cId="4205084038" sldId="261"/>
+            <ac:spMk id="52" creationId="{626217AB-8E97-43DF-94E5-27E196B9ADBB}"/>
+          </ac:spMkLst>
+        </pc:spChg>
+        <pc:spChg chg="add mod">
+          <ac:chgData name="Raymond Deleu" userId="068f976be0c9fe56" providerId="LiveId" clId="{8B37A0D2-A186-442A-9307-220B448B516A}" dt="2021-06-13T21:37:13.158" v="639" actId="1076"/>
+          <ac:spMkLst>
+            <pc:docMk/>
+            <pc:sldMk cId="4205084038" sldId="261"/>
+            <ac:spMk id="62" creationId="{5F1C783B-6322-4661-8272-31B0915E8BE1}"/>
+          </ac:spMkLst>
+        </pc:spChg>
+        <pc:spChg chg="add mod">
+          <ac:chgData name="Raymond Deleu" userId="068f976be0c9fe56" providerId="LiveId" clId="{8B37A0D2-A186-442A-9307-220B448B516A}" dt="2021-06-13T21:37:13.158" v="639" actId="1076"/>
+          <ac:spMkLst>
+            <pc:docMk/>
+            <pc:sldMk cId="4205084038" sldId="261"/>
+            <ac:spMk id="63" creationId="{9F17E052-48AB-47BB-BEF4-6E956F322015}"/>
+          </ac:spMkLst>
+        </pc:spChg>
+        <pc:spChg chg="add mod">
+          <ac:chgData name="Raymond Deleu" userId="068f976be0c9fe56" providerId="LiveId" clId="{8B37A0D2-A186-442A-9307-220B448B516A}" dt="2021-06-13T21:37:13.158" v="639" actId="1076"/>
+          <ac:spMkLst>
+            <pc:docMk/>
+            <pc:sldMk cId="4205084038" sldId="261"/>
+            <ac:spMk id="64" creationId="{07A2C7E2-98ED-4C47-9D72-48ADE279958A}"/>
+          </ac:spMkLst>
+        </pc:spChg>
+        <pc:spChg chg="add mod">
+          <ac:chgData name="Raymond Deleu" userId="068f976be0c9fe56" providerId="LiveId" clId="{8B37A0D2-A186-442A-9307-220B448B516A}" dt="2021-06-13T21:37:13.158" v="639" actId="1076"/>
+          <ac:spMkLst>
+            <pc:docMk/>
+            <pc:sldMk cId="4205084038" sldId="261"/>
+            <ac:spMk id="65" creationId="{5FE8E4C5-321B-4E3C-B6A5-C7D12E96F371}"/>
+          </ac:spMkLst>
+        </pc:spChg>
+        <pc:spChg chg="add mod">
+          <ac:chgData name="Raymond Deleu" userId="068f976be0c9fe56" providerId="LiveId" clId="{8B37A0D2-A186-442A-9307-220B448B516A}" dt="2021-06-13T21:38:10.637" v="673" actId="20577"/>
+          <ac:spMkLst>
+            <pc:docMk/>
+            <pc:sldMk cId="4205084038" sldId="261"/>
+            <ac:spMk id="66" creationId="{3D986AD7-681A-4CC5-A195-4531DF0F220B}"/>
+          </ac:spMkLst>
+        </pc:spChg>
+        <pc:grpChg chg="add del mod">
+          <ac:chgData name="Raymond Deleu" userId="068f976be0c9fe56" providerId="LiveId" clId="{8B37A0D2-A186-442A-9307-220B448B516A}" dt="2021-06-13T20:34:35.739" v="423" actId="165"/>
+          <ac:grpSpMkLst>
+            <pc:docMk/>
+            <pc:sldMk cId="4205084038" sldId="261"/>
+            <ac:grpSpMk id="19" creationId="{F513BAB3-BE4A-4F29-8CE6-9D0929AB219B}"/>
+          </ac:grpSpMkLst>
+        </pc:grpChg>
+        <pc:picChg chg="add mod modCrop">
+          <ac:chgData name="Raymond Deleu" userId="068f976be0c9fe56" providerId="LiveId" clId="{8B37A0D2-A186-442A-9307-220B448B516A}" dt="2021-06-13T20:22:22.731" v="380" actId="732"/>
+          <ac:picMkLst>
+            <pc:docMk/>
+            <pc:sldMk cId="4205084038" sldId="261"/>
+            <ac:picMk id="3" creationId="{18467E2A-B346-4F97-B665-6AAFF87F00EE}"/>
+          </ac:picMkLst>
+        </pc:picChg>
+        <pc:picChg chg="add mod topLvl modCrop">
+          <ac:chgData name="Raymond Deleu" userId="068f976be0c9fe56" providerId="LiveId" clId="{8B37A0D2-A186-442A-9307-220B448B516A}" dt="2021-06-13T21:37:13.158" v="639" actId="1076"/>
+          <ac:picMkLst>
+            <pc:docMk/>
+            <pc:sldMk cId="4205084038" sldId="261"/>
+            <ac:picMk id="5" creationId="{56A28FC2-0155-409A-84AA-E578C289E778}"/>
+          </ac:picMkLst>
+        </pc:picChg>
+        <pc:cxnChg chg="add del">
+          <ac:chgData name="Raymond Deleu" userId="068f976be0c9fe56" providerId="LiveId" clId="{8B37A0D2-A186-442A-9307-220B448B516A}" dt="2021-06-13T20:23:20.947" v="383" actId="11529"/>
+          <ac:cxnSpMkLst>
+            <pc:docMk/>
+            <pc:sldMk cId="4205084038" sldId="261"/>
+            <ac:cxnSpMk id="7" creationId="{EC0FEAE3-6FF8-428A-9F75-14ACB02FB65B}"/>
+          </ac:cxnSpMkLst>
+        </pc:cxnChg>
+        <pc:cxnChg chg="add del">
+          <ac:chgData name="Raymond Deleu" userId="068f976be0c9fe56" providerId="LiveId" clId="{8B37A0D2-A186-442A-9307-220B448B516A}" dt="2021-06-13T20:23:43.043" v="387" actId="11529"/>
+          <ac:cxnSpMkLst>
+            <pc:docMk/>
+            <pc:sldMk cId="4205084038" sldId="261"/>
+            <ac:cxnSpMk id="9" creationId="{21671168-BA85-43C0-A0D5-BF65E916EADE}"/>
+          </ac:cxnSpMkLst>
+        </pc:cxnChg>
+        <pc:cxnChg chg="add mod topLvl">
+          <ac:chgData name="Raymond Deleu" userId="068f976be0c9fe56" providerId="LiveId" clId="{8B37A0D2-A186-442A-9307-220B448B516A}" dt="2021-06-13T21:37:13.158" v="639" actId="1076"/>
+          <ac:cxnSpMkLst>
+            <pc:docMk/>
+            <pc:sldMk cId="4205084038" sldId="261"/>
+            <ac:cxnSpMk id="11" creationId="{25163283-CA73-4A3D-816A-F0ED7FAAC204}"/>
+          </ac:cxnSpMkLst>
+        </pc:cxnChg>
+        <pc:cxnChg chg="add mod topLvl">
+          <ac:chgData name="Raymond Deleu" userId="068f976be0c9fe56" providerId="LiveId" clId="{8B37A0D2-A186-442A-9307-220B448B516A}" dt="2021-06-13T21:37:13.158" v="639" actId="1076"/>
+          <ac:cxnSpMkLst>
+            <pc:docMk/>
+            <pc:sldMk cId="4205084038" sldId="261"/>
+            <ac:cxnSpMk id="12" creationId="{6325B8A8-7973-482E-BF4E-5C613AF9F573}"/>
+          </ac:cxnSpMkLst>
+        </pc:cxnChg>
+        <pc:cxnChg chg="add mod topLvl">
+          <ac:chgData name="Raymond Deleu" userId="068f976be0c9fe56" providerId="LiveId" clId="{8B37A0D2-A186-442A-9307-220B448B516A}" dt="2021-06-13T21:37:13.158" v="639" actId="1076"/>
+          <ac:cxnSpMkLst>
+            <pc:docMk/>
+            <pc:sldMk cId="4205084038" sldId="261"/>
+            <ac:cxnSpMk id="14" creationId="{87B08254-7D9E-45AD-93FA-36B095AFF9EB}"/>
+          </ac:cxnSpMkLst>
+        </pc:cxnChg>
+        <pc:cxnChg chg="add mod">
+          <ac:chgData name="Raymond Deleu" userId="068f976be0c9fe56" providerId="LiveId" clId="{8B37A0D2-A186-442A-9307-220B448B516A}" dt="2021-06-13T21:37:13.158" v="639" actId="1076"/>
+          <ac:cxnSpMkLst>
+            <pc:docMk/>
+            <pc:sldMk cId="4205084038" sldId="261"/>
+            <ac:cxnSpMk id="27" creationId="{FD60BDD5-0E51-46D5-BCA6-D2D489DE5318}"/>
+          </ac:cxnSpMkLst>
+        </pc:cxnChg>
+        <pc:cxnChg chg="add mod">
+          <ac:chgData name="Raymond Deleu" userId="068f976be0c9fe56" providerId="LiveId" clId="{8B37A0D2-A186-442A-9307-220B448B516A}" dt="2021-06-13T21:37:13.158" v="639" actId="1076"/>
+          <ac:cxnSpMkLst>
+            <pc:docMk/>
+            <pc:sldMk cId="4205084038" sldId="261"/>
+            <ac:cxnSpMk id="29" creationId="{EA492712-1E8D-41CA-89E3-1E65EF2BE834}"/>
+          </ac:cxnSpMkLst>
+        </pc:cxnChg>
+        <pc:cxnChg chg="add mod">
+          <ac:chgData name="Raymond Deleu" userId="068f976be0c9fe56" providerId="LiveId" clId="{8B37A0D2-A186-442A-9307-220B448B516A}" dt="2021-06-13T21:37:13.158" v="639" actId="1076"/>
+          <ac:cxnSpMkLst>
+            <pc:docMk/>
+            <pc:sldMk cId="4205084038" sldId="261"/>
+            <ac:cxnSpMk id="32" creationId="{7BBD0AC6-914E-48A8-8842-A65A83F57613}"/>
+          </ac:cxnSpMkLst>
+        </pc:cxnChg>
+        <pc:cxnChg chg="add del mod">
+          <ac:chgData name="Raymond Deleu" userId="068f976be0c9fe56" providerId="LiveId" clId="{8B37A0D2-A186-442A-9307-220B448B516A}" dt="2021-06-13T21:31:27.071" v="556" actId="478"/>
+          <ac:cxnSpMkLst>
+            <pc:docMk/>
+            <pc:sldMk cId="4205084038" sldId="261"/>
+            <ac:cxnSpMk id="35" creationId="{FF4955D5-D6C3-4F7A-8F51-B699D3244791}"/>
+          </ac:cxnSpMkLst>
+        </pc:cxnChg>
+        <pc:cxnChg chg="add mod">
+          <ac:chgData name="Raymond Deleu" userId="068f976be0c9fe56" providerId="LiveId" clId="{8B37A0D2-A186-442A-9307-220B448B516A}" dt="2021-06-13T21:37:13.158" v="639" actId="1076"/>
+          <ac:cxnSpMkLst>
+            <pc:docMk/>
+            <pc:sldMk cId="4205084038" sldId="261"/>
+            <ac:cxnSpMk id="56" creationId="{7A8AFCB1-E09E-4690-9AC9-CA9C0FBC5A86}"/>
+          </ac:cxnSpMkLst>
+        </pc:cxnChg>
+        <pc:cxnChg chg="add del mod">
+          <ac:chgData name="Raymond Deleu" userId="068f976be0c9fe56" providerId="LiveId" clId="{8B37A0D2-A186-442A-9307-220B448B516A}" dt="2021-06-13T21:33:40.996" v="574"/>
+          <ac:cxnSpMkLst>
+            <pc:docMk/>
+            <pc:sldMk cId="4205084038" sldId="261"/>
+            <ac:cxnSpMk id="60" creationId="{B9BBB548-AF15-4A7B-919D-5CB8F48E6FF3}"/>
+          </ac:cxnSpMkLst>
+        </pc:cxnChg>
+        <pc:cxnChg chg="add del mod">
+          <ac:chgData name="Raymond Deleu" userId="068f976be0c9fe56" providerId="LiveId" clId="{8B37A0D2-A186-442A-9307-220B448B516A}" dt="2021-06-13T21:33:47.057" v="576"/>
+          <ac:cxnSpMkLst>
+            <pc:docMk/>
+            <pc:sldMk cId="4205084038" sldId="261"/>
+            <ac:cxnSpMk id="61" creationId="{17067322-2C64-4681-A60D-94597C4C77AA}"/>
+          </ac:cxnSpMkLst>
+        </pc:cxnChg>
+      </pc:sldChg>
+      <pc:sldChg chg="add del">
+        <pc:chgData name="Raymond Deleu" userId="068f976be0c9fe56" providerId="LiveId" clId="{8B37A0D2-A186-442A-9307-220B448B516A}" dt="2021-06-13T20:36:00.502" v="432"/>
+        <pc:sldMkLst>
+          <pc:docMk/>
+          <pc:sldMk cId="883097875" sldId="262"/>
+        </pc:sldMkLst>
       </pc:sldChg>
     </pc:docChg>
   </pc:docChgLst>
@@ -811,7 +1290,7 @@
           <a:p>
             <a:fld id="{8087D175-5A45-444D-9BFE-01914BD47155}" type="datetimeFigureOut">
               <a:rPr lang="en-US" smtClean="0"/>
-              <a:t>6/12/2021</a:t>
+              <a:t>6/13/2021</a:t>
             </a:fld>
             <a:endParaRPr lang="en-US"/>
           </a:p>
@@ -1011,7 +1490,7 @@
           <a:p>
             <a:fld id="{8087D175-5A45-444D-9BFE-01914BD47155}" type="datetimeFigureOut">
               <a:rPr lang="en-US" smtClean="0"/>
-              <a:t>6/12/2021</a:t>
+              <a:t>6/13/2021</a:t>
             </a:fld>
             <a:endParaRPr lang="en-US"/>
           </a:p>
@@ -1221,7 +1700,7 @@
           <a:p>
             <a:fld id="{8087D175-5A45-444D-9BFE-01914BD47155}" type="datetimeFigureOut">
               <a:rPr lang="en-US" smtClean="0"/>
-              <a:t>6/12/2021</a:t>
+              <a:t>6/13/2021</a:t>
             </a:fld>
             <a:endParaRPr lang="en-US"/>
           </a:p>
@@ -1421,7 +1900,7 @@
           <a:p>
             <a:fld id="{8087D175-5A45-444D-9BFE-01914BD47155}" type="datetimeFigureOut">
               <a:rPr lang="en-US" smtClean="0"/>
-              <a:t>6/12/2021</a:t>
+              <a:t>6/13/2021</a:t>
             </a:fld>
             <a:endParaRPr lang="en-US"/>
           </a:p>
@@ -1697,7 +2176,7 @@
           <a:p>
             <a:fld id="{8087D175-5A45-444D-9BFE-01914BD47155}" type="datetimeFigureOut">
               <a:rPr lang="en-US" smtClean="0"/>
-              <a:t>6/12/2021</a:t>
+              <a:t>6/13/2021</a:t>
             </a:fld>
             <a:endParaRPr lang="en-US"/>
           </a:p>
@@ -1965,7 +2444,7 @@
           <a:p>
             <a:fld id="{8087D175-5A45-444D-9BFE-01914BD47155}" type="datetimeFigureOut">
               <a:rPr lang="en-US" smtClean="0"/>
-              <a:t>6/12/2021</a:t>
+              <a:t>6/13/2021</a:t>
             </a:fld>
             <a:endParaRPr lang="en-US"/>
           </a:p>
@@ -2380,7 +2859,7 @@
           <a:p>
             <a:fld id="{8087D175-5A45-444D-9BFE-01914BD47155}" type="datetimeFigureOut">
               <a:rPr lang="en-US" smtClean="0"/>
-              <a:t>6/12/2021</a:t>
+              <a:t>6/13/2021</a:t>
             </a:fld>
             <a:endParaRPr lang="en-US"/>
           </a:p>
@@ -2522,7 +3001,7 @@
           <a:p>
             <a:fld id="{8087D175-5A45-444D-9BFE-01914BD47155}" type="datetimeFigureOut">
               <a:rPr lang="en-US" smtClean="0"/>
-              <a:t>6/12/2021</a:t>
+              <a:t>6/13/2021</a:t>
             </a:fld>
             <a:endParaRPr lang="en-US"/>
           </a:p>
@@ -2635,7 +3114,7 @@
           <a:p>
             <a:fld id="{8087D175-5A45-444D-9BFE-01914BD47155}" type="datetimeFigureOut">
               <a:rPr lang="en-US" smtClean="0"/>
-              <a:t>6/12/2021</a:t>
+              <a:t>6/13/2021</a:t>
             </a:fld>
             <a:endParaRPr lang="en-US"/>
           </a:p>
@@ -2948,7 +3427,7 @@
           <a:p>
             <a:fld id="{8087D175-5A45-444D-9BFE-01914BD47155}" type="datetimeFigureOut">
               <a:rPr lang="en-US" smtClean="0"/>
-              <a:t>6/12/2021</a:t>
+              <a:t>6/13/2021</a:t>
             </a:fld>
             <a:endParaRPr lang="en-US"/>
           </a:p>
@@ -3237,7 +3716,7 @@
           <a:p>
             <a:fld id="{8087D175-5A45-444D-9BFE-01914BD47155}" type="datetimeFigureOut">
               <a:rPr lang="en-US" smtClean="0"/>
-              <a:t>6/12/2021</a:t>
+              <a:t>6/13/2021</a:t>
             </a:fld>
             <a:endParaRPr lang="en-US"/>
           </a:p>
@@ -3480,7 +3959,7 @@
           <a:p>
             <a:fld id="{8087D175-5A45-444D-9BFE-01914BD47155}" type="datetimeFigureOut">
               <a:rPr lang="en-US" smtClean="0"/>
-              <a:t>6/12/2021</a:t>
+              <a:t>6/13/2021</a:t>
             </a:fld>
             <a:endParaRPr lang="en-US"/>
           </a:p>
@@ -4576,12 +5055,204 @@
           <a:chExt cx="0" cy="0"/>
         </a:xfrm>
       </p:grpSpPr>
-      <p:sp>
-        <p:nvSpPr>
-          <p:cNvPr id="2" name="Ovaal 1">
-            <a:extLst>
-              <a:ext uri="{FF2B5EF4-FFF2-40B4-BE49-F238E27FC236}">
-                <a16:creationId xmlns:a16="http://schemas.microsoft.com/office/drawing/2014/main" id="{716D9C6B-258B-4B75-903C-000779857DED}"/>
+      <p:pic>
+        <p:nvPicPr>
+          <p:cNvPr id="3" name="Afbeelding 2">
+            <a:extLst>
+              <a:ext uri="{FF2B5EF4-FFF2-40B4-BE49-F238E27FC236}">
+                <a16:creationId xmlns:a16="http://schemas.microsoft.com/office/drawing/2014/main" id="{18467E2A-B346-4F97-B665-6AAFF87F00EE}"/>
+              </a:ext>
+            </a:extLst>
+          </p:cNvPr>
+          <p:cNvPicPr>
+            <a:picLocks noChangeAspect="1"/>
+          </p:cNvPicPr>
+          <p:nvPr/>
+        </p:nvPicPr>
+        <p:blipFill rotWithShape="1">
+          <a:blip r:embed="rId2"/>
+          <a:srcRect r="2618"/>
+          <a:stretch/>
+        </p:blipFill>
+        <p:spPr>
+          <a:xfrm>
+            <a:off x="751375" y="267311"/>
+            <a:ext cx="4609979" cy="6448425"/>
+          </a:xfrm>
+          <a:prstGeom prst="rect">
+            <a:avLst/>
+          </a:prstGeom>
+        </p:spPr>
+      </p:pic>
+      <p:pic>
+        <p:nvPicPr>
+          <p:cNvPr id="5" name="Afbeelding 4">
+            <a:extLst>
+              <a:ext uri="{FF2B5EF4-FFF2-40B4-BE49-F238E27FC236}">
+                <a16:creationId xmlns:a16="http://schemas.microsoft.com/office/drawing/2014/main" id="{56A28FC2-0155-409A-84AA-E578C289E778}"/>
+              </a:ext>
+            </a:extLst>
+          </p:cNvPr>
+          <p:cNvPicPr>
+            <a:picLocks noChangeAspect="1"/>
+          </p:cNvPicPr>
+          <p:nvPr/>
+        </p:nvPicPr>
+        <p:blipFill rotWithShape="1">
+          <a:blip r:embed="rId3">
+            <a:duotone>
+              <a:schemeClr val="bg2">
+                <a:shade val="45000"/>
+                <a:satMod val="135000"/>
+              </a:schemeClr>
+              <a:prstClr val="white"/>
+            </a:duotone>
+            <a:extLst>
+              <a:ext uri="{BEBA8EAE-BF5A-486C-A8C5-ECC9F3942E4B}">
+                <a14:imgProps xmlns:a14="http://schemas.microsoft.com/office/drawing/2010/main">
+                  <a14:imgLayer r:embed="rId4">
+                    <a14:imgEffect>
+                      <a14:brightnessContrast bright="40000" contrast="40000"/>
+                    </a14:imgEffect>
+                  </a14:imgLayer>
+                </a14:imgProps>
+              </a:ext>
+            </a:extLst>
+          </a:blip>
+          <a:srcRect r="28449"/>
+          <a:stretch/>
+        </p:blipFill>
+        <p:spPr>
+          <a:xfrm rot="16200000">
+            <a:off x="6976214" y="959900"/>
+            <a:ext cx="3840028" cy="4528282"/>
+          </a:xfrm>
+          <a:prstGeom prst="rect">
+            <a:avLst/>
+          </a:prstGeom>
+        </p:spPr>
+      </p:pic>
+      <p:cxnSp>
+        <p:nvCxnSpPr>
+          <p:cNvPr id="11" name="Rechte verbindingslijn 10">
+            <a:extLst>
+              <a:ext uri="{FF2B5EF4-FFF2-40B4-BE49-F238E27FC236}">
+                <a16:creationId xmlns:a16="http://schemas.microsoft.com/office/drawing/2014/main" id="{25163283-CA73-4A3D-816A-F0ED7FAAC204}"/>
+              </a:ext>
+            </a:extLst>
+          </p:cNvPr>
+          <p:cNvCxnSpPr/>
+          <p:nvPr/>
+        </p:nvCxnSpPr>
+        <p:spPr>
+          <a:xfrm flipH="1">
+            <a:off x="7305772" y="2362817"/>
+            <a:ext cx="614798" cy="2881816"/>
+          </a:xfrm>
+          <a:prstGeom prst="line">
+            <a:avLst/>
+          </a:prstGeom>
+          <a:ln w="38100"/>
+        </p:spPr>
+        <p:style>
+          <a:lnRef idx="1">
+            <a:schemeClr val="accent1"/>
+          </a:lnRef>
+          <a:fillRef idx="0">
+            <a:schemeClr val="accent1"/>
+          </a:fillRef>
+          <a:effectRef idx="0">
+            <a:schemeClr val="accent1"/>
+          </a:effectRef>
+          <a:fontRef idx="minor">
+            <a:schemeClr val="tx1"/>
+          </a:fontRef>
+        </p:style>
+      </p:cxnSp>
+      <p:cxnSp>
+        <p:nvCxnSpPr>
+          <p:cNvPr id="12" name="Rechte verbindingslijn 11">
+            <a:extLst>
+              <a:ext uri="{FF2B5EF4-FFF2-40B4-BE49-F238E27FC236}">
+                <a16:creationId xmlns:a16="http://schemas.microsoft.com/office/drawing/2014/main" id="{6325B8A8-7973-482E-BF4E-5C613AF9F573}"/>
+              </a:ext>
+            </a:extLst>
+          </p:cNvPr>
+          <p:cNvCxnSpPr>
+            <a:cxnSpLocks/>
+          </p:cNvCxnSpPr>
+          <p:nvPr/>
+        </p:nvCxnSpPr>
+        <p:spPr>
+          <a:xfrm>
+            <a:off x="9012542" y="2362817"/>
+            <a:ext cx="664858" cy="2881816"/>
+          </a:xfrm>
+          <a:prstGeom prst="line">
+            <a:avLst/>
+          </a:prstGeom>
+          <a:ln w="38100"/>
+        </p:spPr>
+        <p:style>
+          <a:lnRef idx="1">
+            <a:schemeClr val="accent1"/>
+          </a:lnRef>
+          <a:fillRef idx="0">
+            <a:schemeClr val="accent1"/>
+          </a:fillRef>
+          <a:effectRef idx="0">
+            <a:schemeClr val="accent1"/>
+          </a:effectRef>
+          <a:fontRef idx="minor">
+            <a:schemeClr val="tx1"/>
+          </a:fontRef>
+        </p:style>
+      </p:cxnSp>
+      <p:cxnSp>
+        <p:nvCxnSpPr>
+          <p:cNvPr id="14" name="Rechte verbindingslijn 13">
+            <a:extLst>
+              <a:ext uri="{FF2B5EF4-FFF2-40B4-BE49-F238E27FC236}">
+                <a16:creationId xmlns:a16="http://schemas.microsoft.com/office/drawing/2014/main" id="{87B08254-7D9E-45AD-93FA-36B095AFF9EB}"/>
+              </a:ext>
+            </a:extLst>
+          </p:cNvPr>
+          <p:cNvCxnSpPr>
+            <a:cxnSpLocks/>
+          </p:cNvCxnSpPr>
+          <p:nvPr/>
+        </p:nvCxnSpPr>
+        <p:spPr>
+          <a:xfrm>
+            <a:off x="7305772" y="5244633"/>
+            <a:ext cx="2371628" cy="0"/>
+          </a:xfrm>
+          <a:prstGeom prst="line">
+            <a:avLst/>
+          </a:prstGeom>
+          <a:ln w="38100"/>
+        </p:spPr>
+        <p:style>
+          <a:lnRef idx="1">
+            <a:schemeClr val="accent1"/>
+          </a:lnRef>
+          <a:fillRef idx="0">
+            <a:schemeClr val="accent1"/>
+          </a:fillRef>
+          <a:effectRef idx="0">
+            <a:schemeClr val="accent1"/>
+          </a:effectRef>
+          <a:fontRef idx="minor">
+            <a:schemeClr val="tx1"/>
+          </a:fontRef>
+        </p:style>
+      </p:cxnSp>
+      <p:sp>
+        <p:nvSpPr>
+          <p:cNvPr id="18" name="Ovaal 17">
+            <a:extLst>
+              <a:ext uri="{FF2B5EF4-FFF2-40B4-BE49-F238E27FC236}">
+                <a16:creationId xmlns:a16="http://schemas.microsoft.com/office/drawing/2014/main" id="{7816D8A3-8B7C-492E-9375-2D0AB15CC69E}"/>
               </a:ext>
             </a:extLst>
           </p:cNvPr>
@@ -4590,7 +5261,59 @@
         </p:nvSpPr>
         <p:spPr>
           <a:xfrm>
-            <a:off x="5363586" y="3276600"/>
+            <a:off x="7906623" y="1922001"/>
+            <a:ext cx="1119283" cy="1127603"/>
+          </a:xfrm>
+          <a:prstGeom prst="ellipse">
+            <a:avLst/>
+          </a:prstGeom>
+          <a:noFill/>
+          <a:ln w="38100">
+            <a:solidFill>
+              <a:schemeClr val="accent1"/>
+            </a:solidFill>
+          </a:ln>
+        </p:spPr>
+        <p:style>
+          <a:lnRef idx="2">
+            <a:schemeClr val="accent1">
+              <a:shade val="50000"/>
+            </a:schemeClr>
+          </a:lnRef>
+          <a:fillRef idx="1">
+            <a:schemeClr val="accent1"/>
+          </a:fillRef>
+          <a:effectRef idx="0">
+            <a:schemeClr val="accent1"/>
+          </a:effectRef>
+          <a:fontRef idx="minor">
+            <a:schemeClr val="lt1"/>
+          </a:fontRef>
+        </p:style>
+        <p:txBody>
+          <a:bodyPr rtlCol="0" anchor="ctr"/>
+          <a:lstStyle/>
+          <a:p>
+            <a:pPr algn="ctr"/>
+            <a:endParaRPr lang="en-US"/>
+          </a:p>
+        </p:txBody>
+      </p:sp>
+      <p:sp>
+        <p:nvSpPr>
+          <p:cNvPr id="23" name="Ovaal 22">
+            <a:extLst>
+              <a:ext uri="{FF2B5EF4-FFF2-40B4-BE49-F238E27FC236}">
+                <a16:creationId xmlns:a16="http://schemas.microsoft.com/office/drawing/2014/main" id="{16700D1D-9331-4C55-A35F-B99B7CD1EB55}"/>
+              </a:ext>
+            </a:extLst>
+          </p:cNvPr>
+          <p:cNvSpPr/>
+          <p:nvPr/>
+        </p:nvSpPr>
+        <p:spPr>
+          <a:xfrm>
+            <a:off x="8432970" y="5185233"/>
             <a:ext cx="117231" cy="118800"/>
           </a:xfrm>
           <a:prstGeom prst="ellipse">
@@ -4632,10 +5355,10 @@
       </p:sp>
       <p:sp>
         <p:nvSpPr>
-          <p:cNvPr id="3" name="Ovaal 2">
-            <a:extLst>
-              <a:ext uri="{FF2B5EF4-FFF2-40B4-BE49-F238E27FC236}">
-                <a16:creationId xmlns:a16="http://schemas.microsoft.com/office/drawing/2014/main" id="{3B6036A9-D266-474F-AE35-7EBE02E705A1}"/>
+          <p:cNvPr id="24" name="Ovaal 23">
+            <a:extLst>
+              <a:ext uri="{FF2B5EF4-FFF2-40B4-BE49-F238E27FC236}">
+                <a16:creationId xmlns:a16="http://schemas.microsoft.com/office/drawing/2014/main" id="{ACBD551D-4282-4A41-B1FB-4D2D29D9CB6D}"/>
               </a:ext>
             </a:extLst>
           </p:cNvPr>
@@ -4644,22 +5367,18 @@
         </p:nvSpPr>
         <p:spPr>
           <a:xfrm>
-            <a:off x="4241519" y="4052463"/>
+            <a:off x="8432970" y="2485802"/>
             <a:ext cx="117231" cy="118800"/>
           </a:xfrm>
           <a:prstGeom prst="ellipse">
             <a:avLst/>
           </a:prstGeom>
           <a:solidFill>
-            <a:schemeClr val="bg1">
-              <a:lumMod val="50000"/>
-            </a:schemeClr>
+            <a:schemeClr val="tx1"/>
           </a:solidFill>
           <a:ln>
             <a:solidFill>
-              <a:schemeClr val="bg1">
-                <a:lumMod val="50000"/>
-              </a:schemeClr>
+              <a:schemeClr val="tx1"/>
             </a:solidFill>
           </a:ln>
         </p:spPr>
@@ -4688,34 +5407,88 @@
           </a:p>
         </p:txBody>
       </p:sp>
+      <p:sp>
+        <p:nvSpPr>
+          <p:cNvPr id="25" name="Ovaal 24">
+            <a:extLst>
+              <a:ext uri="{FF2B5EF4-FFF2-40B4-BE49-F238E27FC236}">
+                <a16:creationId xmlns:a16="http://schemas.microsoft.com/office/drawing/2014/main" id="{BABDFAB7-3164-4F96-998C-D37285DFD127}"/>
+              </a:ext>
+            </a:extLst>
+          </p:cNvPr>
+          <p:cNvSpPr/>
+          <p:nvPr/>
+        </p:nvSpPr>
+        <p:spPr>
+          <a:xfrm>
+            <a:off x="8967290" y="2367002"/>
+            <a:ext cx="117231" cy="118800"/>
+          </a:xfrm>
+          <a:prstGeom prst="ellipse">
+            <a:avLst/>
+          </a:prstGeom>
+          <a:solidFill>
+            <a:schemeClr val="tx1"/>
+          </a:solidFill>
+          <a:ln>
+            <a:solidFill>
+              <a:schemeClr val="tx1"/>
+            </a:solidFill>
+          </a:ln>
+        </p:spPr>
+        <p:style>
+          <a:lnRef idx="2">
+            <a:schemeClr val="accent1">
+              <a:shade val="50000"/>
+            </a:schemeClr>
+          </a:lnRef>
+          <a:fillRef idx="1">
+            <a:schemeClr val="accent1"/>
+          </a:fillRef>
+          <a:effectRef idx="0">
+            <a:schemeClr val="accent1"/>
+          </a:effectRef>
+          <a:fontRef idx="minor">
+            <a:schemeClr val="lt1"/>
+          </a:fontRef>
+        </p:style>
+        <p:txBody>
+          <a:bodyPr rtlCol="0" anchor="ctr"/>
+          <a:lstStyle/>
+          <a:p>
+            <a:pPr algn="ctr"/>
+            <a:endParaRPr lang="en-US"/>
+          </a:p>
+        </p:txBody>
+      </p:sp>
       <p:cxnSp>
         <p:nvCxnSpPr>
-          <p:cNvPr id="5" name="Rechte verbindingslijn 4">
-            <a:extLst>
-              <a:ext uri="{FF2B5EF4-FFF2-40B4-BE49-F238E27FC236}">
-                <a16:creationId xmlns:a16="http://schemas.microsoft.com/office/drawing/2014/main" id="{AE6CFE6D-462C-4006-B1B3-786E34D5C894}"/>
+          <p:cNvPr id="27" name="Rechte verbindingslijn 26">
+            <a:extLst>
+              <a:ext uri="{FF2B5EF4-FFF2-40B4-BE49-F238E27FC236}">
+                <a16:creationId xmlns:a16="http://schemas.microsoft.com/office/drawing/2014/main" id="{FD60BDD5-0E51-46D5-BCA6-D2D489DE5318}"/>
               </a:ext>
             </a:extLst>
           </p:cNvPr>
           <p:cNvCxnSpPr>
             <a:cxnSpLocks/>
-            <a:endCxn id="17" idx="2"/>
+            <a:stCxn id="24" idx="6"/>
           </p:cNvCxnSpPr>
           <p:nvPr/>
         </p:nvCxnSpPr>
         <p:spPr>
           <a:xfrm flipV="1">
-            <a:off x="5480817" y="3318602"/>
-            <a:ext cx="1591271" cy="6742"/>
+            <a:off x="8550201" y="2426402"/>
+            <a:ext cx="417089" cy="118800"/>
           </a:xfrm>
           <a:prstGeom prst="line">
             <a:avLst/>
           </a:prstGeom>
-          <a:ln w="28575">
+          <a:ln w="38100">
             <a:solidFill>
-              <a:srgbClr val="FF66FF"/>
+              <a:srgbClr val="FF0000"/>
             </a:solidFill>
-            <a:headEnd type="none" w="med" len="med"/>
+            <a:headEnd type="arrow" w="med" len="med"/>
             <a:tailEnd type="arrow" w="med" len="med"/>
           </a:ln>
         </p:spPr>
@@ -4736,33 +5509,34 @@
       </p:cxnSp>
       <p:cxnSp>
         <p:nvCxnSpPr>
-          <p:cNvPr id="7" name="Rechte verbindingslijn 6">
-            <a:extLst>
-              <a:ext uri="{FF2B5EF4-FFF2-40B4-BE49-F238E27FC236}">
-                <a16:creationId xmlns:a16="http://schemas.microsoft.com/office/drawing/2014/main" id="{42594AB7-0CF0-482C-8E1B-89E76974C4E4}"/>
+          <p:cNvPr id="29" name="Rechte verbindingslijn 28">
+            <a:extLst>
+              <a:ext uri="{FF2B5EF4-FFF2-40B4-BE49-F238E27FC236}">
+                <a16:creationId xmlns:a16="http://schemas.microsoft.com/office/drawing/2014/main" id="{EA492712-1E8D-41CA-89E3-1E65EF2BE834}"/>
               </a:ext>
             </a:extLst>
           </p:cNvPr>
           <p:cNvCxnSpPr>
             <a:cxnSpLocks/>
-            <a:endCxn id="2" idx="0"/>
+            <a:stCxn id="24" idx="4"/>
+            <a:endCxn id="23" idx="0"/>
           </p:cNvCxnSpPr>
           <p:nvPr/>
         </p:nvCxnSpPr>
         <p:spPr>
           <a:xfrm>
-            <a:off x="5422202" y="2594068"/>
-            <a:ext cx="0" cy="682532"/>
+            <a:off x="8491586" y="2604602"/>
+            <a:ext cx="0" cy="2580631"/>
           </a:xfrm>
           <a:prstGeom prst="line">
             <a:avLst/>
           </a:prstGeom>
-          <a:ln w="28575">
+          <a:ln w="38100">
             <a:solidFill>
-              <a:srgbClr val="FF66FF"/>
+              <a:srgbClr val="FF0000"/>
             </a:solidFill>
             <a:headEnd type="arrow" w="med" len="med"/>
-            <a:tailEnd type="none" w="med" len="med"/>
+            <a:tailEnd type="arrow" w="med" len="med"/>
           </a:ln>
         </p:spPr>
         <p:style>
@@ -4780,167 +5554,57 @@
           </a:fontRef>
         </p:style>
       </p:cxnSp>
-      <p:sp>
-        <p:nvSpPr>
-          <p:cNvPr id="14" name="Tekstvak 13">
-            <a:extLst>
-              <a:ext uri="{FF2B5EF4-FFF2-40B4-BE49-F238E27FC236}">
-                <a16:creationId xmlns:a16="http://schemas.microsoft.com/office/drawing/2014/main" id="{329F4CD2-A791-4B79-90E4-9E3F289FD9E1}"/>
-              </a:ext>
-            </a:extLst>
-          </p:cNvPr>
-          <p:cNvSpPr txBox="1"/>
+      <p:cxnSp>
+        <p:nvCxnSpPr>
+          <p:cNvPr id="32" name="Rechte verbindingslijn 31">
+            <a:extLst>
+              <a:ext uri="{FF2B5EF4-FFF2-40B4-BE49-F238E27FC236}">
+                <a16:creationId xmlns:a16="http://schemas.microsoft.com/office/drawing/2014/main" id="{7BBD0AC6-914E-48A8-8842-A65A83F57613}"/>
+              </a:ext>
+            </a:extLst>
+          </p:cNvPr>
+          <p:cNvCxnSpPr>
+            <a:cxnSpLocks/>
+            <a:stCxn id="25" idx="4"/>
+          </p:cNvCxnSpPr>
           <p:nvPr/>
-        </p:nvSpPr>
+        </p:nvCxnSpPr>
         <p:spPr>
           <a:xfrm>
-            <a:off x="6664160" y="3306597"/>
-            <a:ext cx="328936" cy="261610"/>
-          </a:xfrm>
-          <a:prstGeom prst="rect">
+            <a:off x="9025906" y="2485802"/>
+            <a:ext cx="127882" cy="2758831"/>
+          </a:xfrm>
+          <a:prstGeom prst="line">
             <a:avLst/>
           </a:prstGeom>
-          <a:noFill/>
-        </p:spPr>
-        <p:txBody>
-          <a:bodyPr wrap="none" rtlCol="0">
-            <a:spAutoFit/>
-          </a:bodyPr>
-          <a:lstStyle/>
-          <a:p>
-            <a:r>
-              <a:rPr lang="nl-NL" sz="1100">
-                <a:solidFill>
-                  <a:srgbClr val="FF66FF"/>
-                </a:solidFill>
-              </a:rPr>
-              <a:t>10</a:t>
-            </a:r>
-            <a:endParaRPr lang="en-US" sz="1100">
-              <a:solidFill>
-                <a:srgbClr val="FF66FF"/>
-              </a:solidFill>
-            </a:endParaRPr>
-          </a:p>
-        </p:txBody>
-      </p:sp>
-      <p:sp>
-        <p:nvSpPr>
-          <p:cNvPr id="15" name="Tekstvak 14">
-            <a:extLst>
-              <a:ext uri="{FF2B5EF4-FFF2-40B4-BE49-F238E27FC236}">
-                <a16:creationId xmlns:a16="http://schemas.microsoft.com/office/drawing/2014/main" id="{A341C8A6-A30B-4554-A829-A12FE703E510}"/>
-              </a:ext>
-            </a:extLst>
-          </p:cNvPr>
-          <p:cNvSpPr txBox="1"/>
-          <p:nvPr/>
-        </p:nvSpPr>
-        <p:spPr>
-          <a:xfrm>
-            <a:off x="3949838" y="4173168"/>
-            <a:ext cx="2036135" cy="369332"/>
-          </a:xfrm>
-          <a:prstGeom prst="rect">
-            <a:avLst/>
-          </a:prstGeom>
-          <a:noFill/>
-        </p:spPr>
-        <p:txBody>
-          <a:bodyPr wrap="none" rtlCol="0">
-            <a:spAutoFit/>
-          </a:bodyPr>
-          <a:lstStyle/>
-          <a:p>
-            <a:r>
-              <a:rPr lang="nl-NL">
-                <a:solidFill>
-                  <a:schemeClr val="tx1">
-                    <a:lumMod val="50000"/>
-                    <a:lumOff val="50000"/>
-                  </a:schemeClr>
-                </a:solidFill>
-              </a:rPr>
-              <a:t>p1 = </a:t>
-            </a:r>
-            <a:r>
-              <a:rPr lang="nl-NL">
-                <a:solidFill>
-                  <a:srgbClr val="00B050"/>
-                </a:solidFill>
-              </a:rPr>
-              <a:t>Dxy</a:t>
-            </a:r>
-            <a:r>
-              <a:rPr lang="nl-NL">
-                <a:solidFill>
-                  <a:schemeClr val="tx1">
-                    <a:lumMod val="50000"/>
-                    <a:lumOff val="50000"/>
-                  </a:schemeClr>
-                </a:solidFill>
-              </a:rPr>
-              <a:t>(</a:t>
-            </a:r>
-            <a:r>
-              <a:rPr lang="nl-NL"/>
-              <a:t>p0</a:t>
-            </a:r>
-            <a:r>
-              <a:rPr lang="nl-NL">
-                <a:solidFill>
-                  <a:srgbClr val="FF66FF"/>
-                </a:solidFill>
-              </a:rPr>
-              <a:t>,-6.5</a:t>
-            </a:r>
-            <a:r>
-              <a:rPr lang="nl-NL">
-                <a:solidFill>
-                  <a:schemeClr val="tx1">
-                    <a:lumMod val="50000"/>
-                    <a:lumOff val="50000"/>
-                  </a:schemeClr>
-                </a:solidFill>
-              </a:rPr>
-              <a:t>,</a:t>
-            </a:r>
-            <a:r>
-              <a:rPr lang="nl-NL">
-                <a:solidFill>
-                  <a:srgbClr val="FF66FF"/>
-                </a:solidFill>
-              </a:rPr>
-              <a:t>-5</a:t>
-            </a:r>
-            <a:r>
-              <a:rPr lang="nl-NL">
-                <a:solidFill>
-                  <a:schemeClr val="tx1">
-                    <a:lumMod val="50000"/>
-                    <a:lumOff val="50000"/>
-                  </a:schemeClr>
-                </a:solidFill>
-              </a:rPr>
-              <a:t>)</a:t>
-            </a:r>
-            <a:endParaRPr lang="en-US">
-              <a:solidFill>
-                <a:schemeClr val="tx1">
-                  <a:lumMod val="50000"/>
-                  <a:lumOff val="50000"/>
-                </a:schemeClr>
-              </a:solidFill>
-            </a:endParaRPr>
-          </a:p>
-        </p:txBody>
-      </p:sp>
-      <p:sp>
-        <p:nvSpPr>
-          <p:cNvPr id="16" name="Ovaal 15">
-            <a:extLst>
-              <a:ext uri="{FF2B5EF4-FFF2-40B4-BE49-F238E27FC236}">
-                <a16:creationId xmlns:a16="http://schemas.microsoft.com/office/drawing/2014/main" id="{FDC7BDFC-A8C3-431F-88BF-5E4B8953C09A}"/>
+          <a:ln w="38100">
+            <a:solidFill>
+              <a:srgbClr val="FF0000"/>
+            </a:solidFill>
+            <a:prstDash val="sysDot"/>
+          </a:ln>
+        </p:spPr>
+        <p:style>
+          <a:lnRef idx="1">
+            <a:schemeClr val="accent1"/>
+          </a:lnRef>
+          <a:fillRef idx="0">
+            <a:schemeClr val="accent1"/>
+          </a:fillRef>
+          <a:effectRef idx="0">
+            <a:schemeClr val="accent1"/>
+          </a:effectRef>
+          <a:fontRef idx="minor">
+            <a:schemeClr val="tx1"/>
+          </a:fontRef>
+        </p:style>
+      </p:cxnSp>
+      <p:sp>
+        <p:nvSpPr>
+          <p:cNvPr id="40" name="Ovaal 39">
+            <a:extLst>
+              <a:ext uri="{FF2B5EF4-FFF2-40B4-BE49-F238E27FC236}">
+                <a16:creationId xmlns:a16="http://schemas.microsoft.com/office/drawing/2014/main" id="{415AB1A4-6F7C-4993-998D-0248F6AD7D2E}"/>
               </a:ext>
             </a:extLst>
           </p:cNvPr>
@@ -4949,22 +5613,18 @@
         </p:nvSpPr>
         <p:spPr>
           <a:xfrm>
-            <a:off x="5363031" y="2483339"/>
+            <a:off x="9628811" y="5194613"/>
             <a:ext cx="117231" cy="118800"/>
           </a:xfrm>
           <a:prstGeom prst="ellipse">
             <a:avLst/>
           </a:prstGeom>
           <a:solidFill>
-            <a:schemeClr val="bg1">
-              <a:lumMod val="50000"/>
-            </a:schemeClr>
+            <a:schemeClr val="tx1"/>
           </a:solidFill>
           <a:ln>
             <a:solidFill>
-              <a:schemeClr val="bg1">
-                <a:lumMod val="50000"/>
-              </a:schemeClr>
+              <a:schemeClr val="tx1"/>
             </a:solidFill>
           </a:ln>
         </p:spPr>
@@ -4995,10 +5655,156 @@
       </p:sp>
       <p:sp>
         <p:nvSpPr>
-          <p:cNvPr id="17" name="Ovaal 16">
-            <a:extLst>
-              <a:ext uri="{FF2B5EF4-FFF2-40B4-BE49-F238E27FC236}">
-                <a16:creationId xmlns:a16="http://schemas.microsoft.com/office/drawing/2014/main" id="{349E3BC3-B55C-43BE-96D6-A659C3A79F63}"/>
+          <p:cNvPr id="42" name="Tekstvak 41">
+            <a:extLst>
+              <a:ext uri="{FF2B5EF4-FFF2-40B4-BE49-F238E27FC236}">
+                <a16:creationId xmlns:a16="http://schemas.microsoft.com/office/drawing/2014/main" id="{D23790D5-5556-44B8-8188-475C7F6BDE0D}"/>
+              </a:ext>
+            </a:extLst>
+          </p:cNvPr>
+          <p:cNvSpPr txBox="1"/>
+          <p:nvPr/>
+        </p:nvSpPr>
+        <p:spPr>
+          <a:xfrm>
+            <a:off x="7989341" y="5392698"/>
+            <a:ext cx="1077539" cy="369332"/>
+          </a:xfrm>
+          <a:prstGeom prst="rect">
+            <a:avLst/>
+          </a:prstGeom>
+          <a:noFill/>
+        </p:spPr>
+        <p:txBody>
+          <a:bodyPr wrap="none" rtlCol="0">
+            <a:spAutoFit/>
+          </a:bodyPr>
+          <a:lstStyle/>
+          <a:p>
+            <a:r>
+              <a:rPr lang="nl-NL"/>
+              <a:t>p0 = [0,0]</a:t>
+            </a:r>
+            <a:endParaRPr lang="en-US"/>
+          </a:p>
+        </p:txBody>
+      </p:sp>
+      <p:sp>
+        <p:nvSpPr>
+          <p:cNvPr id="43" name="Tekstvak 42">
+            <a:extLst>
+              <a:ext uri="{FF2B5EF4-FFF2-40B4-BE49-F238E27FC236}">
+                <a16:creationId xmlns:a16="http://schemas.microsoft.com/office/drawing/2014/main" id="{A8ED74AA-984B-4C56-9719-D4A4039C0376}"/>
+              </a:ext>
+            </a:extLst>
+          </p:cNvPr>
+          <p:cNvSpPr txBox="1"/>
+          <p:nvPr/>
+        </p:nvSpPr>
+        <p:spPr>
+          <a:xfrm>
+            <a:off x="6847824" y="2662398"/>
+            <a:ext cx="1471878" cy="369332"/>
+          </a:xfrm>
+          <a:prstGeom prst="rect">
+            <a:avLst/>
+          </a:prstGeom>
+          <a:solidFill>
+            <a:schemeClr val="bg1"/>
+          </a:solidFill>
+        </p:spPr>
+        <p:txBody>
+          <a:bodyPr wrap="none" rtlCol="0">
+            <a:spAutoFit/>
+          </a:bodyPr>
+          <a:lstStyle/>
+          <a:p>
+            <a:r>
+              <a:rPr lang="nl-NL"/>
+              <a:t>p1 = Dy(p0,D)</a:t>
+            </a:r>
+            <a:endParaRPr lang="en-US"/>
+          </a:p>
+        </p:txBody>
+      </p:sp>
+      <p:sp>
+        <p:nvSpPr>
+          <p:cNvPr id="44" name="Tekstvak 43">
+            <a:extLst>
+              <a:ext uri="{FF2B5EF4-FFF2-40B4-BE49-F238E27FC236}">
+                <a16:creationId xmlns:a16="http://schemas.microsoft.com/office/drawing/2014/main" id="{D4CA0A2F-857B-4614-9B5C-EE08FFB9CC68}"/>
+              </a:ext>
+            </a:extLst>
+          </p:cNvPr>
+          <p:cNvSpPr txBox="1"/>
+          <p:nvPr/>
+        </p:nvSpPr>
+        <p:spPr>
+          <a:xfrm>
+            <a:off x="9277638" y="2235270"/>
+            <a:ext cx="2050754" cy="369332"/>
+          </a:xfrm>
+          <a:prstGeom prst="rect">
+            <a:avLst/>
+          </a:prstGeom>
+          <a:noFill/>
+        </p:spPr>
+        <p:txBody>
+          <a:bodyPr wrap="none" rtlCol="0">
+            <a:spAutoFit/>
+          </a:bodyPr>
+          <a:lstStyle/>
+          <a:p>
+            <a:r>
+              <a:rPr lang="nl-NL"/>
+              <a:t>p2 = Polar(p1,r0,12)</a:t>
+            </a:r>
+            <a:endParaRPr lang="en-US"/>
+          </a:p>
+        </p:txBody>
+      </p:sp>
+      <p:sp>
+        <p:nvSpPr>
+          <p:cNvPr id="45" name="Tekstvak 44">
+            <a:extLst>
+              <a:ext uri="{FF2B5EF4-FFF2-40B4-BE49-F238E27FC236}">
+                <a16:creationId xmlns:a16="http://schemas.microsoft.com/office/drawing/2014/main" id="{B6F715FC-AE8B-4B90-8BAF-B53597CA15F6}"/>
+              </a:ext>
+            </a:extLst>
+          </p:cNvPr>
+          <p:cNvSpPr txBox="1"/>
+          <p:nvPr/>
+        </p:nvSpPr>
+        <p:spPr>
+          <a:xfrm>
+            <a:off x="9755065" y="4905001"/>
+            <a:ext cx="2296013" cy="369332"/>
+          </a:xfrm>
+          <a:prstGeom prst="rect">
+            <a:avLst/>
+          </a:prstGeom>
+          <a:noFill/>
+        </p:spPr>
+        <p:txBody>
+          <a:bodyPr wrap="none" rtlCol="0">
+            <a:spAutoFit/>
+          </a:bodyPr>
+          <a:lstStyle/>
+          <a:p>
+            <a:r>
+              <a:rPr lang="nl-NL"/>
+              <a:t>p5 = PolarY(p2,D1,-78)</a:t>
+            </a:r>
+            <a:endParaRPr lang="en-US"/>
+          </a:p>
+        </p:txBody>
+      </p:sp>
+      <p:sp>
+        <p:nvSpPr>
+          <p:cNvPr id="46" name="Ovaal 45">
+            <a:extLst>
+              <a:ext uri="{FF2B5EF4-FFF2-40B4-BE49-F238E27FC236}">
+                <a16:creationId xmlns:a16="http://schemas.microsoft.com/office/drawing/2014/main" id="{23FE0B38-78B5-4FE9-9A89-28580A022CE7}"/>
               </a:ext>
             </a:extLst>
           </p:cNvPr>
@@ -5007,22 +5813,18 @@
         </p:nvSpPr>
         <p:spPr>
           <a:xfrm>
-            <a:off x="7072088" y="3259202"/>
+            <a:off x="7861954" y="2367002"/>
             <a:ext cx="117231" cy="118800"/>
           </a:xfrm>
           <a:prstGeom prst="ellipse">
             <a:avLst/>
           </a:prstGeom>
           <a:solidFill>
-            <a:schemeClr val="bg1">
-              <a:lumMod val="50000"/>
-            </a:schemeClr>
+            <a:schemeClr val="tx1"/>
           </a:solidFill>
           <a:ln>
             <a:solidFill>
-              <a:schemeClr val="bg1">
-                <a:lumMod val="50000"/>
-              </a:schemeClr>
+              <a:schemeClr val="tx1"/>
             </a:solidFill>
           </a:ln>
         </p:spPr>
@@ -5053,10 +5855,10 @@
       </p:sp>
       <p:sp>
         <p:nvSpPr>
-          <p:cNvPr id="19" name="Tekstvak 18">
-            <a:extLst>
-              <a:ext uri="{FF2B5EF4-FFF2-40B4-BE49-F238E27FC236}">
-                <a16:creationId xmlns:a16="http://schemas.microsoft.com/office/drawing/2014/main" id="{2ABE61D8-625D-4BED-8875-35E91D637482}"/>
+          <p:cNvPr id="47" name="Tekstvak 46">
+            <a:extLst>
+              <a:ext uri="{FF2B5EF4-FFF2-40B4-BE49-F238E27FC236}">
+                <a16:creationId xmlns:a16="http://schemas.microsoft.com/office/drawing/2014/main" id="{2D022F9C-EC6C-4166-A77A-87EC47099BC2}"/>
               </a:ext>
             </a:extLst>
           </p:cNvPr>
@@ -5065,8 +5867,8 @@
         </p:nvSpPr>
         <p:spPr>
           <a:xfrm>
-            <a:off x="5095242" y="3437402"/>
-            <a:ext cx="423514" cy="369332"/>
+            <a:off x="6005887" y="2241147"/>
+            <a:ext cx="1867306" cy="369332"/>
           </a:xfrm>
           <a:prstGeom prst="rect">
             <a:avLst/>
@@ -5081,7 +5883,7 @@
           <a:p>
             <a:r>
               <a:rPr lang="nl-NL"/>
-              <a:t>p0</a:t>
+              <a:t>p3= MirrorY(p2,0)</a:t>
             </a:r>
             <a:endParaRPr lang="en-US"/>
           </a:p>
@@ -5089,10 +5891,10 @@
       </p:sp>
       <p:sp>
         <p:nvSpPr>
-          <p:cNvPr id="20" name="Tekstvak 19">
-            <a:extLst>
-              <a:ext uri="{FF2B5EF4-FFF2-40B4-BE49-F238E27FC236}">
-                <a16:creationId xmlns:a16="http://schemas.microsoft.com/office/drawing/2014/main" id="{8070338C-43BF-4BEB-9667-C1CDA79E3E5E}"/>
+          <p:cNvPr id="51" name="Tekstvak 50">
+            <a:extLst>
+              <a:ext uri="{FF2B5EF4-FFF2-40B4-BE49-F238E27FC236}">
+                <a16:creationId xmlns:a16="http://schemas.microsoft.com/office/drawing/2014/main" id="{F7AB7750-BBE9-4720-BC72-E8C07B99627C}"/>
               </a:ext>
             </a:extLst>
           </p:cNvPr>
@@ -5101,8 +5903,8 @@
         </p:nvSpPr>
         <p:spPr>
           <a:xfrm>
-            <a:off x="7072088" y="3437402"/>
-            <a:ext cx="1558440" cy="369332"/>
+            <a:off x="8194005" y="3912163"/>
+            <a:ext cx="330540" cy="369332"/>
           </a:xfrm>
           <a:prstGeom prst="rect">
             <a:avLst/>
@@ -5116,75 +5918,16 @@
           <a:lstStyle/>
           <a:p>
             <a:r>
-              <a:rPr lang="nl-NL">
+              <a:rPr lang="nl-NL" b="1">
                 <a:solidFill>
-                  <a:schemeClr val="tx1">
-                    <a:lumMod val="50000"/>
-                    <a:lumOff val="50000"/>
-                  </a:schemeClr>
+                  <a:srgbClr val="FF0000"/>
                 </a:solidFill>
               </a:rPr>
-              <a:t>p1 = </a:t>
-            </a:r>
-            <a:r>
-              <a:rPr lang="nl-NL">
-                <a:solidFill>
-                  <a:srgbClr val="00B050"/>
-                </a:solidFill>
-              </a:rPr>
-              <a:t>Dx</a:t>
-            </a:r>
-            <a:r>
-              <a:rPr lang="nl-NL">
-                <a:solidFill>
-                  <a:schemeClr val="tx1">
-                    <a:lumMod val="50000"/>
-                    <a:lumOff val="50000"/>
-                  </a:schemeClr>
-                </a:solidFill>
-              </a:rPr>
-              <a:t>(</a:t>
-            </a:r>
-            <a:r>
-              <a:rPr lang="nl-NL"/>
-              <a:t>p0</a:t>
-            </a:r>
-            <a:r>
-              <a:rPr lang="nl-NL">
-                <a:solidFill>
-                  <a:schemeClr val="tx1">
-                    <a:lumMod val="50000"/>
-                    <a:lumOff val="50000"/>
-                  </a:schemeClr>
-                </a:solidFill>
-              </a:rPr>
-              <a:t>,</a:t>
-            </a:r>
-            <a:r>
-              <a:rPr lang="nl-NL">
-                <a:solidFill>
-                  <a:srgbClr val="FF66FF"/>
-                </a:solidFill>
-              </a:rPr>
-              <a:t>10</a:t>
-            </a:r>
-            <a:r>
-              <a:rPr lang="nl-NL">
-                <a:solidFill>
-                  <a:schemeClr val="tx1">
-                    <a:lumMod val="50000"/>
-                    <a:lumOff val="50000"/>
-                  </a:schemeClr>
-                </a:solidFill>
-              </a:rPr>
-              <a:t>)</a:t>
-            </a:r>
-            <a:endParaRPr lang="en-US">
+              <a:t>D</a:t>
+            </a:r>
+            <a:endParaRPr lang="en-US" b="1">
               <a:solidFill>
-                <a:schemeClr val="tx1">
-                  <a:lumMod val="50000"/>
-                  <a:lumOff val="50000"/>
-                </a:schemeClr>
+                <a:srgbClr val="FF0000"/>
               </a:solidFill>
             </a:endParaRPr>
           </a:p>
@@ -5192,10 +5935,10 @@
       </p:sp>
       <p:sp>
         <p:nvSpPr>
-          <p:cNvPr id="23" name="Tekstvak 22">
-            <a:extLst>
-              <a:ext uri="{FF2B5EF4-FFF2-40B4-BE49-F238E27FC236}">
-                <a16:creationId xmlns:a16="http://schemas.microsoft.com/office/drawing/2014/main" id="{C2F666CD-7DA4-4AB0-853E-E4A833D7B1A4}"/>
+          <p:cNvPr id="52" name="Tekstvak 51">
+            <a:extLst>
+              <a:ext uri="{FF2B5EF4-FFF2-40B4-BE49-F238E27FC236}">
+                <a16:creationId xmlns:a16="http://schemas.microsoft.com/office/drawing/2014/main" id="{626217AB-8E97-43DF-94E5-27E196B9ADBB}"/>
               </a:ext>
             </a:extLst>
           </p:cNvPr>
@@ -5204,8 +5947,8 @@
         </p:nvSpPr>
         <p:spPr>
           <a:xfrm>
-            <a:off x="4777915" y="2084307"/>
-            <a:ext cx="1446230" cy="369332"/>
+            <a:off x="8642215" y="2487407"/>
+            <a:ext cx="383438" cy="369332"/>
           </a:xfrm>
           <a:prstGeom prst="rect">
             <a:avLst/>
@@ -5219,130 +5962,27 @@
           <a:lstStyle/>
           <a:p>
             <a:r>
-              <a:rPr lang="nl-NL">
+              <a:rPr lang="nl-NL" b="1">
                 <a:solidFill>
-                  <a:schemeClr val="tx1">
-                    <a:lumMod val="50000"/>
-                    <a:lumOff val="50000"/>
-                  </a:schemeClr>
+                  <a:srgbClr val="FF0000"/>
                 </a:solidFill>
               </a:rPr>
-              <a:t>p1 = </a:t>
-            </a:r>
-            <a:r>
-              <a:rPr lang="nl-NL">
-                <a:solidFill>
-                  <a:srgbClr val="00B050"/>
-                </a:solidFill>
-              </a:rPr>
-              <a:t>Dy</a:t>
-            </a:r>
-            <a:r>
-              <a:rPr lang="nl-NL">
-                <a:solidFill>
-                  <a:schemeClr val="tx1">
-                    <a:lumMod val="50000"/>
-                    <a:lumOff val="50000"/>
-                  </a:schemeClr>
-                </a:solidFill>
-              </a:rPr>
-              <a:t>(</a:t>
-            </a:r>
-            <a:r>
-              <a:rPr lang="nl-NL"/>
-              <a:t>p0</a:t>
-            </a:r>
-            <a:r>
-              <a:rPr lang="nl-NL">
-                <a:solidFill>
-                  <a:schemeClr val="tx1">
-                    <a:lumMod val="50000"/>
-                    <a:lumOff val="50000"/>
-                  </a:schemeClr>
-                </a:solidFill>
-              </a:rPr>
-              <a:t>,</a:t>
-            </a:r>
-            <a:r>
-              <a:rPr lang="nl-NL">
-                <a:solidFill>
-                  <a:srgbClr val="FF66FF"/>
-                </a:solidFill>
-              </a:rPr>
-              <a:t>5</a:t>
-            </a:r>
-            <a:r>
-              <a:rPr lang="nl-NL">
-                <a:solidFill>
-                  <a:schemeClr val="tx1">
-                    <a:lumMod val="50000"/>
-                    <a:lumOff val="50000"/>
-                  </a:schemeClr>
-                </a:solidFill>
-              </a:rPr>
-              <a:t>)</a:t>
-            </a:r>
-            <a:endParaRPr lang="en-US">
+              <a:t>r0</a:t>
+            </a:r>
+            <a:endParaRPr lang="en-US" b="1">
               <a:solidFill>
-                <a:schemeClr val="tx1">
-                  <a:lumMod val="50000"/>
-                  <a:lumOff val="50000"/>
-                </a:schemeClr>
+                <a:srgbClr val="FF0000"/>
               </a:solidFill>
             </a:endParaRPr>
           </a:p>
         </p:txBody>
       </p:sp>
-      <p:sp>
-        <p:nvSpPr>
-          <p:cNvPr id="24" name="Tekstvak 23">
-            <a:extLst>
-              <a:ext uri="{FF2B5EF4-FFF2-40B4-BE49-F238E27FC236}">
-                <a16:creationId xmlns:a16="http://schemas.microsoft.com/office/drawing/2014/main" id="{332F7D04-3BCC-4AA7-A037-8135206946C9}"/>
-              </a:ext>
-            </a:extLst>
-          </p:cNvPr>
-          <p:cNvSpPr txBox="1"/>
-          <p:nvPr/>
-        </p:nvSpPr>
-        <p:spPr>
-          <a:xfrm>
-            <a:off x="5216166" y="2698760"/>
-            <a:ext cx="256802" cy="261610"/>
-          </a:xfrm>
-          <a:prstGeom prst="rect">
-            <a:avLst/>
-          </a:prstGeom>
-          <a:noFill/>
-        </p:spPr>
-        <p:txBody>
-          <a:bodyPr wrap="none" rtlCol="0">
-            <a:spAutoFit/>
-          </a:bodyPr>
-          <a:lstStyle/>
-          <a:p>
-            <a:r>
-              <a:rPr lang="nl-NL" sz="1100">
-                <a:solidFill>
-                  <a:srgbClr val="FF66FF"/>
-                </a:solidFill>
-              </a:rPr>
-              <a:t>5</a:t>
-            </a:r>
-            <a:endParaRPr lang="en-US" sz="1100">
-              <a:solidFill>
-                <a:srgbClr val="FF66FF"/>
-              </a:solidFill>
-            </a:endParaRPr>
-          </a:p>
-        </p:txBody>
-      </p:sp>
       <p:cxnSp>
         <p:nvCxnSpPr>
-          <p:cNvPr id="25" name="Rechte verbindingslijn 24">
-            <a:extLst>
-              <a:ext uri="{FF2B5EF4-FFF2-40B4-BE49-F238E27FC236}">
-                <a16:creationId xmlns:a16="http://schemas.microsoft.com/office/drawing/2014/main" id="{4B1C793B-0C40-4D19-94EC-642A868FF17F}"/>
+          <p:cNvPr id="56" name="Rechte verbindingslijn 55">
+            <a:extLst>
+              <a:ext uri="{FF2B5EF4-FFF2-40B4-BE49-F238E27FC236}">
+                <a16:creationId xmlns:a16="http://schemas.microsoft.com/office/drawing/2014/main" id="{7A8AFCB1-E09E-4690-9AC9-CA9C0FBC5A86}"/>
               </a:ext>
             </a:extLst>
           </p:cNvPr>
@@ -5352,19 +5992,18 @@
           <p:nvPr/>
         </p:nvCxnSpPr>
         <p:spPr>
-          <a:xfrm>
-            <a:off x="4300135" y="3336000"/>
-            <a:ext cx="0" cy="716463"/>
+          <a:xfrm flipV="1">
+            <a:off x="8550201" y="5051801"/>
+            <a:ext cx="567466" cy="166774"/>
           </a:xfrm>
           <a:prstGeom prst="line">
             <a:avLst/>
           </a:prstGeom>
-          <a:ln w="28575">
+          <a:ln w="38100">
             <a:solidFill>
-              <a:srgbClr val="FF66FF"/>
+              <a:srgbClr val="FF0000"/>
             </a:solidFill>
-            <a:headEnd type="none" w="med" len="med"/>
-            <a:tailEnd type="arrow" w="med" len="med"/>
+            <a:prstDash val="sysDot"/>
           </a:ln>
         </p:spPr>
         <p:style>
@@ -5384,10 +6023,10 @@
       </p:cxnSp>
       <p:sp>
         <p:nvSpPr>
-          <p:cNvPr id="27" name="Tekstvak 26">
-            <a:extLst>
-              <a:ext uri="{FF2B5EF4-FFF2-40B4-BE49-F238E27FC236}">
-                <a16:creationId xmlns:a16="http://schemas.microsoft.com/office/drawing/2014/main" id="{6A181768-2D05-41C7-998C-FC461ADD769B}"/>
+          <p:cNvPr id="62" name="Tekstvak 61">
+            <a:extLst>
+              <a:ext uri="{FF2B5EF4-FFF2-40B4-BE49-F238E27FC236}">
+                <a16:creationId xmlns:a16="http://schemas.microsoft.com/office/drawing/2014/main" id="{5F1C783B-6322-4661-8272-31B0915E8BE1}"/>
               </a:ext>
             </a:extLst>
           </p:cNvPr>
@@ -5396,8 +6035,8 @@
         </p:nvSpPr>
         <p:spPr>
           <a:xfrm>
-            <a:off x="4707045" y="3128397"/>
-            <a:ext cx="407484" cy="261610"/>
+            <a:off x="9048761" y="5392698"/>
+            <a:ext cx="2508507" cy="369332"/>
           </a:xfrm>
           <a:prstGeom prst="rect">
             <a:avLst/>
@@ -5411,16 +6050,16 @@
           <a:lstStyle/>
           <a:p>
             <a:r>
-              <a:rPr lang="nl-NL" sz="1100">
+              <a:rPr lang="nl-NL" b="1">
                 <a:solidFill>
-                  <a:srgbClr val="FF66FF"/>
+                  <a:srgbClr val="FF0000"/>
                 </a:solidFill>
               </a:rPr>
-              <a:t>-6.5</a:t>
-            </a:r>
-            <a:endParaRPr lang="en-US" sz="1100">
+              <a:t> D1 = D + r0.Math.sin(a) </a:t>
+            </a:r>
+            <a:endParaRPr lang="en-US" b="1">
               <a:solidFill>
-                <a:srgbClr val="FF66FF"/>
+                <a:srgbClr val="FF0000"/>
               </a:solidFill>
             </a:endParaRPr>
           </a:p>
@@ -5428,10 +6067,64 @@
       </p:sp>
       <p:sp>
         <p:nvSpPr>
-          <p:cNvPr id="28" name="Tekstvak 27">
-            <a:extLst>
-              <a:ext uri="{FF2B5EF4-FFF2-40B4-BE49-F238E27FC236}">
-                <a16:creationId xmlns:a16="http://schemas.microsoft.com/office/drawing/2014/main" id="{BBAFC4D9-12F0-49AC-BA30-B2246CCC073C}"/>
+          <p:cNvPr id="63" name="Ovaal 62">
+            <a:extLst>
+              <a:ext uri="{FF2B5EF4-FFF2-40B4-BE49-F238E27FC236}">
+                <a16:creationId xmlns:a16="http://schemas.microsoft.com/office/drawing/2014/main" id="{9F17E052-48AB-47BB-BEF4-6E956F322015}"/>
+              </a:ext>
+            </a:extLst>
+          </p:cNvPr>
+          <p:cNvSpPr/>
+          <p:nvPr/>
+        </p:nvSpPr>
+        <p:spPr>
+          <a:xfrm>
+            <a:off x="7247156" y="5154726"/>
+            <a:ext cx="117231" cy="118800"/>
+          </a:xfrm>
+          <a:prstGeom prst="ellipse">
+            <a:avLst/>
+          </a:prstGeom>
+          <a:solidFill>
+            <a:schemeClr val="tx1"/>
+          </a:solidFill>
+          <a:ln>
+            <a:solidFill>
+              <a:schemeClr val="tx1"/>
+            </a:solidFill>
+          </a:ln>
+        </p:spPr>
+        <p:style>
+          <a:lnRef idx="2">
+            <a:schemeClr val="accent1">
+              <a:shade val="50000"/>
+            </a:schemeClr>
+          </a:lnRef>
+          <a:fillRef idx="1">
+            <a:schemeClr val="accent1"/>
+          </a:fillRef>
+          <a:effectRef idx="0">
+            <a:schemeClr val="accent1"/>
+          </a:effectRef>
+          <a:fontRef idx="minor">
+            <a:schemeClr val="lt1"/>
+          </a:fontRef>
+        </p:style>
+        <p:txBody>
+          <a:bodyPr rtlCol="0" anchor="ctr"/>
+          <a:lstStyle/>
+          <a:p>
+            <a:pPr algn="ctr"/>
+            <a:endParaRPr lang="en-US"/>
+          </a:p>
+        </p:txBody>
+      </p:sp>
+      <p:sp>
+        <p:nvSpPr>
+          <p:cNvPr id="64" name="Tekstvak 63">
+            <a:extLst>
+              <a:ext uri="{FF2B5EF4-FFF2-40B4-BE49-F238E27FC236}">
+                <a16:creationId xmlns:a16="http://schemas.microsoft.com/office/drawing/2014/main" id="{07A2C7E2-98ED-4C47-9D72-48ADE279958A}"/>
               </a:ext>
             </a:extLst>
           </p:cNvPr>
@@ -5440,8 +6133,8 @@
         </p:nvSpPr>
         <p:spPr>
           <a:xfrm>
-            <a:off x="3949838" y="3575132"/>
-            <a:ext cx="300082" cy="261610"/>
+            <a:off x="5939668" y="5305005"/>
+            <a:ext cx="1867306" cy="369332"/>
           </a:xfrm>
           <a:prstGeom prst="rect">
             <a:avLst/>
@@ -5455,71 +6148,109 @@
           <a:lstStyle/>
           <a:p>
             <a:r>
-              <a:rPr lang="nl-NL" sz="1100">
-                <a:solidFill>
-                  <a:srgbClr val="FF66FF"/>
-                </a:solidFill>
-              </a:rPr>
-              <a:t>-5</a:t>
-            </a:r>
-            <a:endParaRPr lang="en-US" sz="1100">
-              <a:solidFill>
-                <a:srgbClr val="FF66FF"/>
-              </a:solidFill>
-            </a:endParaRPr>
-          </a:p>
-        </p:txBody>
-      </p:sp>
-      <p:cxnSp>
-        <p:nvCxnSpPr>
-          <p:cNvPr id="29" name="Rechte verbindingslijn 28">
-            <a:extLst>
-              <a:ext uri="{FF2B5EF4-FFF2-40B4-BE49-F238E27FC236}">
-                <a16:creationId xmlns:a16="http://schemas.microsoft.com/office/drawing/2014/main" id="{9F6EDAE5-2306-4ED5-9255-7205E44F0CE5}"/>
-              </a:ext>
-            </a:extLst>
-          </p:cNvPr>
-          <p:cNvCxnSpPr>
-            <a:cxnSpLocks/>
-            <a:endCxn id="2" idx="2"/>
-          </p:cNvCxnSpPr>
+              <a:rPr lang="nl-NL"/>
+              <a:t>p6= MirrorY(p5,0)</a:t>
+            </a:r>
+            <a:endParaRPr lang="en-US"/>
+          </a:p>
+        </p:txBody>
+      </p:sp>
+      <p:sp>
+        <p:nvSpPr>
+          <p:cNvPr id="65" name="Ovaal 64">
+            <a:extLst>
+              <a:ext uri="{FF2B5EF4-FFF2-40B4-BE49-F238E27FC236}">
+                <a16:creationId xmlns:a16="http://schemas.microsoft.com/office/drawing/2014/main" id="{5FE8E4C5-321B-4E3C-B6A5-C7D12E96F371}"/>
+              </a:ext>
+            </a:extLst>
+          </p:cNvPr>
+          <p:cNvSpPr/>
           <p:nvPr/>
-        </p:nvCxnSpPr>
+        </p:nvSpPr>
         <p:spPr>
           <a:xfrm>
-            <a:off x="4283667" y="3336000"/>
-            <a:ext cx="1079919" cy="0"/>
-          </a:xfrm>
-          <a:prstGeom prst="line">
+            <a:off x="8432969" y="1871443"/>
+            <a:ext cx="117231" cy="118800"/>
+          </a:xfrm>
+          <a:prstGeom prst="ellipse">
             <a:avLst/>
           </a:prstGeom>
-          <a:ln w="28575">
+          <a:solidFill>
+            <a:schemeClr val="tx1"/>
+          </a:solidFill>
+          <a:ln>
             <a:solidFill>
-              <a:srgbClr val="FF66FF"/>
+              <a:schemeClr val="tx1"/>
             </a:solidFill>
-            <a:headEnd type="arrow" w="med" len="med"/>
-            <a:tailEnd type="none" w="med" len="med"/>
           </a:ln>
         </p:spPr>
         <p:style>
-          <a:lnRef idx="1">
-            <a:schemeClr val="accent1"/>
+          <a:lnRef idx="2">
+            <a:schemeClr val="accent1">
+              <a:shade val="50000"/>
+            </a:schemeClr>
           </a:lnRef>
-          <a:fillRef idx="0">
+          <a:fillRef idx="1">
             <a:schemeClr val="accent1"/>
           </a:fillRef>
           <a:effectRef idx="0">
             <a:schemeClr val="accent1"/>
           </a:effectRef>
           <a:fontRef idx="minor">
-            <a:schemeClr val="tx1"/>
+            <a:schemeClr val="lt1"/>
           </a:fontRef>
         </p:style>
-      </p:cxnSp>
+        <p:txBody>
+          <a:bodyPr rtlCol="0" anchor="ctr"/>
+          <a:lstStyle/>
+          <a:p>
+            <a:pPr algn="ctr"/>
+            <a:endParaRPr lang="en-US"/>
+          </a:p>
+        </p:txBody>
+      </p:sp>
+      <p:sp>
+        <p:nvSpPr>
+          <p:cNvPr id="66" name="Tekstvak 65">
+            <a:extLst>
+              <a:ext uri="{FF2B5EF4-FFF2-40B4-BE49-F238E27FC236}">
+                <a16:creationId xmlns:a16="http://schemas.microsoft.com/office/drawing/2014/main" id="{3D986AD7-681A-4CC5-A195-4531DF0F220B}"/>
+              </a:ext>
+            </a:extLst>
+          </p:cNvPr>
+          <p:cNvSpPr txBox="1"/>
+          <p:nvPr/>
+        </p:nvSpPr>
+        <p:spPr>
+          <a:xfrm>
+            <a:off x="7979185" y="1463193"/>
+            <a:ext cx="2998065" cy="369332"/>
+          </a:xfrm>
+          <a:prstGeom prst="rect">
+            <a:avLst/>
+          </a:prstGeom>
+          <a:solidFill>
+            <a:schemeClr val="bg1"/>
+          </a:solidFill>
+        </p:spPr>
+        <p:txBody>
+          <a:bodyPr wrap="none" rtlCol="0">
+            <a:spAutoFit/>
+          </a:bodyPr>
+          <a:lstStyle/>
+          <a:p>
+            <a:r>
+              <a:rPr lang="nl-NL"/>
+              <a:t>p4 = RadiusArc(p2,p3,r0,false)</a:t>
+            </a:r>
+            <a:endParaRPr lang="en-US"/>
+          </a:p>
+        </p:txBody>
+      </p:sp>
     </p:spTree>
     <p:extLst>
       <p:ext uri="{BB962C8B-B14F-4D97-AF65-F5344CB8AC3E}">
-        <p14:creationId xmlns:p14="http://schemas.microsoft.com/office/powerpoint/2010/main" val="3613501520"/>
+        <p14:creationId xmlns:p14="http://schemas.microsoft.com/office/powerpoint/2010/main" val="4205084038"/>
       </p:ext>
     </p:extLst>
   </p:cSld>
@@ -5600,101 +6331,12 @@
           </a:p>
         </p:txBody>
       </p:sp>
-      <p:cxnSp>
-        <p:nvCxnSpPr>
-          <p:cNvPr id="5" name="Rechte verbindingslijn 4">
-            <a:extLst>
-              <a:ext uri="{FF2B5EF4-FFF2-40B4-BE49-F238E27FC236}">
-                <a16:creationId xmlns:a16="http://schemas.microsoft.com/office/drawing/2014/main" id="{AE6CFE6D-462C-4006-B1B3-786E34D5C894}"/>
-              </a:ext>
-            </a:extLst>
-          </p:cNvPr>
-          <p:cNvCxnSpPr>
-            <a:cxnSpLocks/>
-          </p:cNvCxnSpPr>
-          <p:nvPr/>
-        </p:nvCxnSpPr>
-        <p:spPr>
-          <a:xfrm flipV="1">
-            <a:off x="5487879" y="1868177"/>
-            <a:ext cx="1617758" cy="1424519"/>
-          </a:xfrm>
-          <a:prstGeom prst="line">
-            <a:avLst/>
-          </a:prstGeom>
-          <a:ln w="28575">
-            <a:solidFill>
-              <a:srgbClr val="FF66FF"/>
-            </a:solidFill>
-            <a:headEnd type="none" w="med" len="med"/>
-            <a:tailEnd type="arrow" w="med" len="med"/>
-          </a:ln>
-        </p:spPr>
-        <p:style>
-          <a:lnRef idx="1">
-            <a:schemeClr val="accent1"/>
-          </a:lnRef>
-          <a:fillRef idx="0">
-            <a:schemeClr val="accent1"/>
-          </a:fillRef>
-          <a:effectRef idx="0">
-            <a:schemeClr val="accent1"/>
-          </a:effectRef>
-          <a:fontRef idx="minor">
-            <a:schemeClr val="tx1"/>
-          </a:fontRef>
-        </p:style>
-      </p:cxnSp>
-      <p:sp>
-        <p:nvSpPr>
-          <p:cNvPr id="14" name="Tekstvak 13">
-            <a:extLst>
-              <a:ext uri="{FF2B5EF4-FFF2-40B4-BE49-F238E27FC236}">
-                <a16:creationId xmlns:a16="http://schemas.microsoft.com/office/drawing/2014/main" id="{329F4CD2-A791-4B79-90E4-9E3F289FD9E1}"/>
-              </a:ext>
-            </a:extLst>
-          </p:cNvPr>
-          <p:cNvSpPr txBox="1"/>
-          <p:nvPr/>
-        </p:nvSpPr>
-        <p:spPr>
-          <a:xfrm>
-            <a:off x="6084161" y="2250683"/>
-            <a:ext cx="328936" cy="261610"/>
-          </a:xfrm>
-          <a:prstGeom prst="rect">
-            <a:avLst/>
-          </a:prstGeom>
-          <a:noFill/>
-        </p:spPr>
-        <p:txBody>
-          <a:bodyPr wrap="none" rtlCol="0">
-            <a:spAutoFit/>
-          </a:bodyPr>
-          <a:lstStyle/>
-          <a:p>
-            <a:r>
-              <a:rPr lang="nl-NL" sz="1100">
-                <a:solidFill>
-                  <a:srgbClr val="FF66FF"/>
-                </a:solidFill>
-              </a:rPr>
-              <a:t>12</a:t>
-            </a:r>
-            <a:endParaRPr lang="en-US" sz="1100">
-              <a:solidFill>
-                <a:srgbClr val="FF66FF"/>
-              </a:solidFill>
-            </a:endParaRPr>
-          </a:p>
-        </p:txBody>
-      </p:sp>
-      <p:sp>
-        <p:nvSpPr>
-          <p:cNvPr id="17" name="Ovaal 16">
-            <a:extLst>
-              <a:ext uri="{FF2B5EF4-FFF2-40B4-BE49-F238E27FC236}">
-                <a16:creationId xmlns:a16="http://schemas.microsoft.com/office/drawing/2014/main" id="{349E3BC3-B55C-43BE-96D6-A659C3A79F63}"/>
+      <p:sp>
+        <p:nvSpPr>
+          <p:cNvPr id="3" name="Ovaal 2">
+            <a:extLst>
+              <a:ext uri="{FF2B5EF4-FFF2-40B4-BE49-F238E27FC236}">
+                <a16:creationId xmlns:a16="http://schemas.microsoft.com/office/drawing/2014/main" id="{3B6036A9-D266-474F-AE35-7EBE02E705A1}"/>
               </a:ext>
             </a:extLst>
           </p:cNvPr>
@@ -5703,7 +6345,7 @@
         </p:nvSpPr>
         <p:spPr>
           <a:xfrm>
-            <a:off x="7064239" y="1768077"/>
+            <a:off x="4241519" y="4052463"/>
             <a:ext cx="117231" cy="118800"/>
           </a:xfrm>
           <a:prstGeom prst="ellipse">
@@ -5747,12 +6389,104 @@
           </a:p>
         </p:txBody>
       </p:sp>
-      <p:sp>
-        <p:nvSpPr>
-          <p:cNvPr id="19" name="Tekstvak 18">
-            <a:extLst>
-              <a:ext uri="{FF2B5EF4-FFF2-40B4-BE49-F238E27FC236}">
-                <a16:creationId xmlns:a16="http://schemas.microsoft.com/office/drawing/2014/main" id="{2ABE61D8-625D-4BED-8875-35E91D637482}"/>
+      <p:cxnSp>
+        <p:nvCxnSpPr>
+          <p:cNvPr id="5" name="Rechte verbindingslijn 4">
+            <a:extLst>
+              <a:ext uri="{FF2B5EF4-FFF2-40B4-BE49-F238E27FC236}">
+                <a16:creationId xmlns:a16="http://schemas.microsoft.com/office/drawing/2014/main" id="{AE6CFE6D-462C-4006-B1B3-786E34D5C894}"/>
+              </a:ext>
+            </a:extLst>
+          </p:cNvPr>
+          <p:cNvCxnSpPr>
+            <a:cxnSpLocks/>
+            <a:endCxn id="17" idx="2"/>
+          </p:cNvCxnSpPr>
+          <p:nvPr/>
+        </p:nvCxnSpPr>
+        <p:spPr>
+          <a:xfrm flipV="1">
+            <a:off x="5480817" y="3318602"/>
+            <a:ext cx="1591271" cy="6742"/>
+          </a:xfrm>
+          <a:prstGeom prst="line">
+            <a:avLst/>
+          </a:prstGeom>
+          <a:ln w="28575">
+            <a:solidFill>
+              <a:srgbClr val="FF66FF"/>
+            </a:solidFill>
+            <a:headEnd type="none" w="med" len="med"/>
+            <a:tailEnd type="arrow" w="med" len="med"/>
+          </a:ln>
+        </p:spPr>
+        <p:style>
+          <a:lnRef idx="1">
+            <a:schemeClr val="accent1"/>
+          </a:lnRef>
+          <a:fillRef idx="0">
+            <a:schemeClr val="accent1"/>
+          </a:fillRef>
+          <a:effectRef idx="0">
+            <a:schemeClr val="accent1"/>
+          </a:effectRef>
+          <a:fontRef idx="minor">
+            <a:schemeClr val="tx1"/>
+          </a:fontRef>
+        </p:style>
+      </p:cxnSp>
+      <p:cxnSp>
+        <p:nvCxnSpPr>
+          <p:cNvPr id="7" name="Rechte verbindingslijn 6">
+            <a:extLst>
+              <a:ext uri="{FF2B5EF4-FFF2-40B4-BE49-F238E27FC236}">
+                <a16:creationId xmlns:a16="http://schemas.microsoft.com/office/drawing/2014/main" id="{42594AB7-0CF0-482C-8E1B-89E76974C4E4}"/>
+              </a:ext>
+            </a:extLst>
+          </p:cNvPr>
+          <p:cNvCxnSpPr>
+            <a:cxnSpLocks/>
+            <a:endCxn id="2" idx="0"/>
+          </p:cNvCxnSpPr>
+          <p:nvPr/>
+        </p:nvCxnSpPr>
+        <p:spPr>
+          <a:xfrm>
+            <a:off x="5422202" y="2594068"/>
+            <a:ext cx="0" cy="682532"/>
+          </a:xfrm>
+          <a:prstGeom prst="line">
+            <a:avLst/>
+          </a:prstGeom>
+          <a:ln w="28575">
+            <a:solidFill>
+              <a:srgbClr val="FF66FF"/>
+            </a:solidFill>
+            <a:headEnd type="arrow" w="med" len="med"/>
+            <a:tailEnd type="none" w="med" len="med"/>
+          </a:ln>
+        </p:spPr>
+        <p:style>
+          <a:lnRef idx="1">
+            <a:schemeClr val="accent1"/>
+          </a:lnRef>
+          <a:fillRef idx="0">
+            <a:schemeClr val="accent1"/>
+          </a:fillRef>
+          <a:effectRef idx="0">
+            <a:schemeClr val="accent1"/>
+          </a:effectRef>
+          <a:fontRef idx="minor">
+            <a:schemeClr val="tx1"/>
+          </a:fontRef>
+        </p:style>
+      </p:cxnSp>
+      <p:sp>
+        <p:nvSpPr>
+          <p:cNvPr id="14" name="Tekstvak 13">
+            <a:extLst>
+              <a:ext uri="{FF2B5EF4-FFF2-40B4-BE49-F238E27FC236}">
+                <a16:creationId xmlns:a16="http://schemas.microsoft.com/office/drawing/2014/main" id="{329F4CD2-A791-4B79-90E4-9E3F289FD9E1}"/>
               </a:ext>
             </a:extLst>
           </p:cNvPr>
@@ -5761,8 +6495,8 @@
         </p:nvSpPr>
         <p:spPr>
           <a:xfrm>
-            <a:off x="5095242" y="3437402"/>
-            <a:ext cx="423514" cy="369332"/>
+            <a:off x="6664160" y="3306597"/>
+            <a:ext cx="328936" cy="261610"/>
           </a:xfrm>
           <a:prstGeom prst="rect">
             <a:avLst/>
@@ -5776,19 +6510,27 @@
           <a:lstStyle/>
           <a:p>
             <a:r>
-              <a:rPr lang="nl-NL"/>
-              <a:t>p0</a:t>
-            </a:r>
-            <a:endParaRPr lang="en-US"/>
-          </a:p>
-        </p:txBody>
-      </p:sp>
-      <p:sp>
-        <p:nvSpPr>
-          <p:cNvPr id="23" name="Tekstvak 22">
-            <a:extLst>
-              <a:ext uri="{FF2B5EF4-FFF2-40B4-BE49-F238E27FC236}">
-                <a16:creationId xmlns:a16="http://schemas.microsoft.com/office/drawing/2014/main" id="{C2F666CD-7DA4-4AB0-853E-E4A833D7B1A4}"/>
+              <a:rPr lang="nl-NL" sz="1100">
+                <a:solidFill>
+                  <a:srgbClr val="FF66FF"/>
+                </a:solidFill>
+              </a:rPr>
+              <a:t>10</a:t>
+            </a:r>
+            <a:endParaRPr lang="en-US" sz="1100">
+              <a:solidFill>
+                <a:srgbClr val="FF66FF"/>
+              </a:solidFill>
+            </a:endParaRPr>
+          </a:p>
+        </p:txBody>
+      </p:sp>
+      <p:sp>
+        <p:nvSpPr>
+          <p:cNvPr id="15" name="Tekstvak 14">
+            <a:extLst>
+              <a:ext uri="{FF2B5EF4-FFF2-40B4-BE49-F238E27FC236}">
+                <a16:creationId xmlns:a16="http://schemas.microsoft.com/office/drawing/2014/main" id="{A341C8A6-A30B-4554-A829-A12FE703E510}"/>
               </a:ext>
             </a:extLst>
           </p:cNvPr>
@@ -5797,8 +6539,8 @@
         </p:nvSpPr>
         <p:spPr>
           <a:xfrm>
-            <a:off x="6932354" y="1358651"/>
-            <a:ext cx="2087623" cy="369332"/>
+            <a:off x="3949838" y="4173168"/>
+            <a:ext cx="2036135" cy="369332"/>
           </a:xfrm>
           <a:prstGeom prst="rect">
             <a:avLst/>
@@ -5828,7 +6570,7 @@
                   <a:srgbClr val="00B050"/>
                 </a:solidFill>
               </a:rPr>
-              <a:t>Polar</a:t>
+              <a:t>Dxy</a:t>
             </a:r>
             <a:r>
               <a:rPr lang="nl-NL">
@@ -5848,6 +6590,14 @@
             <a:r>
               <a:rPr lang="nl-NL">
                 <a:solidFill>
+                  <a:srgbClr val="FF66FF"/>
+                </a:solidFill>
+              </a:rPr>
+              <a:t>,-6.5</a:t>
+            </a:r>
+            <a:r>
+              <a:rPr lang="nl-NL">
+                <a:solidFill>
                   <a:schemeClr val="tx1">
                     <a:lumMod val="50000"/>
                     <a:lumOff val="50000"/>
@@ -5862,7 +6612,7 @@
                   <a:srgbClr val="FF66FF"/>
                 </a:solidFill>
               </a:rPr>
-              <a:t>12,42</a:t>
+              <a:t>-5</a:t>
             </a:r>
             <a:r>
               <a:rPr lang="nl-NL">
@@ -5886,12 +6636,414 @@
           </a:p>
         </p:txBody>
       </p:sp>
+      <p:sp>
+        <p:nvSpPr>
+          <p:cNvPr id="16" name="Ovaal 15">
+            <a:extLst>
+              <a:ext uri="{FF2B5EF4-FFF2-40B4-BE49-F238E27FC236}">
+                <a16:creationId xmlns:a16="http://schemas.microsoft.com/office/drawing/2014/main" id="{FDC7BDFC-A8C3-431F-88BF-5E4B8953C09A}"/>
+              </a:ext>
+            </a:extLst>
+          </p:cNvPr>
+          <p:cNvSpPr/>
+          <p:nvPr/>
+        </p:nvSpPr>
+        <p:spPr>
+          <a:xfrm>
+            <a:off x="5363031" y="2483339"/>
+            <a:ext cx="117231" cy="118800"/>
+          </a:xfrm>
+          <a:prstGeom prst="ellipse">
+            <a:avLst/>
+          </a:prstGeom>
+          <a:solidFill>
+            <a:schemeClr val="bg1">
+              <a:lumMod val="50000"/>
+            </a:schemeClr>
+          </a:solidFill>
+          <a:ln>
+            <a:solidFill>
+              <a:schemeClr val="bg1">
+                <a:lumMod val="50000"/>
+              </a:schemeClr>
+            </a:solidFill>
+          </a:ln>
+        </p:spPr>
+        <p:style>
+          <a:lnRef idx="2">
+            <a:schemeClr val="accent1">
+              <a:shade val="50000"/>
+            </a:schemeClr>
+          </a:lnRef>
+          <a:fillRef idx="1">
+            <a:schemeClr val="accent1"/>
+          </a:fillRef>
+          <a:effectRef idx="0">
+            <a:schemeClr val="accent1"/>
+          </a:effectRef>
+          <a:fontRef idx="minor">
+            <a:schemeClr val="lt1"/>
+          </a:fontRef>
+        </p:style>
+        <p:txBody>
+          <a:bodyPr rtlCol="0" anchor="ctr"/>
+          <a:lstStyle/>
+          <a:p>
+            <a:pPr algn="ctr"/>
+            <a:endParaRPr lang="en-US"/>
+          </a:p>
+        </p:txBody>
+      </p:sp>
+      <p:sp>
+        <p:nvSpPr>
+          <p:cNvPr id="17" name="Ovaal 16">
+            <a:extLst>
+              <a:ext uri="{FF2B5EF4-FFF2-40B4-BE49-F238E27FC236}">
+                <a16:creationId xmlns:a16="http://schemas.microsoft.com/office/drawing/2014/main" id="{349E3BC3-B55C-43BE-96D6-A659C3A79F63}"/>
+              </a:ext>
+            </a:extLst>
+          </p:cNvPr>
+          <p:cNvSpPr/>
+          <p:nvPr/>
+        </p:nvSpPr>
+        <p:spPr>
+          <a:xfrm>
+            <a:off x="7072088" y="3259202"/>
+            <a:ext cx="117231" cy="118800"/>
+          </a:xfrm>
+          <a:prstGeom prst="ellipse">
+            <a:avLst/>
+          </a:prstGeom>
+          <a:solidFill>
+            <a:schemeClr val="bg1">
+              <a:lumMod val="50000"/>
+            </a:schemeClr>
+          </a:solidFill>
+          <a:ln>
+            <a:solidFill>
+              <a:schemeClr val="bg1">
+                <a:lumMod val="50000"/>
+              </a:schemeClr>
+            </a:solidFill>
+          </a:ln>
+        </p:spPr>
+        <p:style>
+          <a:lnRef idx="2">
+            <a:schemeClr val="accent1">
+              <a:shade val="50000"/>
+            </a:schemeClr>
+          </a:lnRef>
+          <a:fillRef idx="1">
+            <a:schemeClr val="accent1"/>
+          </a:fillRef>
+          <a:effectRef idx="0">
+            <a:schemeClr val="accent1"/>
+          </a:effectRef>
+          <a:fontRef idx="minor">
+            <a:schemeClr val="lt1"/>
+          </a:fontRef>
+        </p:style>
+        <p:txBody>
+          <a:bodyPr rtlCol="0" anchor="ctr"/>
+          <a:lstStyle/>
+          <a:p>
+            <a:pPr algn="ctr"/>
+            <a:endParaRPr lang="en-US"/>
+          </a:p>
+        </p:txBody>
+      </p:sp>
+      <p:sp>
+        <p:nvSpPr>
+          <p:cNvPr id="19" name="Tekstvak 18">
+            <a:extLst>
+              <a:ext uri="{FF2B5EF4-FFF2-40B4-BE49-F238E27FC236}">
+                <a16:creationId xmlns:a16="http://schemas.microsoft.com/office/drawing/2014/main" id="{2ABE61D8-625D-4BED-8875-35E91D637482}"/>
+              </a:ext>
+            </a:extLst>
+          </p:cNvPr>
+          <p:cNvSpPr txBox="1"/>
+          <p:nvPr/>
+        </p:nvSpPr>
+        <p:spPr>
+          <a:xfrm>
+            <a:off x="5095242" y="3437402"/>
+            <a:ext cx="423514" cy="369332"/>
+          </a:xfrm>
+          <a:prstGeom prst="rect">
+            <a:avLst/>
+          </a:prstGeom>
+          <a:noFill/>
+        </p:spPr>
+        <p:txBody>
+          <a:bodyPr wrap="none" rtlCol="0">
+            <a:spAutoFit/>
+          </a:bodyPr>
+          <a:lstStyle/>
+          <a:p>
+            <a:r>
+              <a:rPr lang="nl-NL"/>
+              <a:t>p0</a:t>
+            </a:r>
+            <a:endParaRPr lang="en-US"/>
+          </a:p>
+        </p:txBody>
+      </p:sp>
+      <p:sp>
+        <p:nvSpPr>
+          <p:cNvPr id="20" name="Tekstvak 19">
+            <a:extLst>
+              <a:ext uri="{FF2B5EF4-FFF2-40B4-BE49-F238E27FC236}">
+                <a16:creationId xmlns:a16="http://schemas.microsoft.com/office/drawing/2014/main" id="{8070338C-43BF-4BEB-9667-C1CDA79E3E5E}"/>
+              </a:ext>
+            </a:extLst>
+          </p:cNvPr>
+          <p:cNvSpPr txBox="1"/>
+          <p:nvPr/>
+        </p:nvSpPr>
+        <p:spPr>
+          <a:xfrm>
+            <a:off x="7072088" y="3437402"/>
+            <a:ext cx="1558440" cy="369332"/>
+          </a:xfrm>
+          <a:prstGeom prst="rect">
+            <a:avLst/>
+          </a:prstGeom>
+          <a:noFill/>
+        </p:spPr>
+        <p:txBody>
+          <a:bodyPr wrap="none" rtlCol="0">
+            <a:spAutoFit/>
+          </a:bodyPr>
+          <a:lstStyle/>
+          <a:p>
+            <a:r>
+              <a:rPr lang="nl-NL">
+                <a:solidFill>
+                  <a:schemeClr val="tx1">
+                    <a:lumMod val="50000"/>
+                    <a:lumOff val="50000"/>
+                  </a:schemeClr>
+                </a:solidFill>
+              </a:rPr>
+              <a:t>p1 = </a:t>
+            </a:r>
+            <a:r>
+              <a:rPr lang="nl-NL">
+                <a:solidFill>
+                  <a:srgbClr val="00B050"/>
+                </a:solidFill>
+              </a:rPr>
+              <a:t>Dx</a:t>
+            </a:r>
+            <a:r>
+              <a:rPr lang="nl-NL">
+                <a:solidFill>
+                  <a:schemeClr val="tx1">
+                    <a:lumMod val="50000"/>
+                    <a:lumOff val="50000"/>
+                  </a:schemeClr>
+                </a:solidFill>
+              </a:rPr>
+              <a:t>(</a:t>
+            </a:r>
+            <a:r>
+              <a:rPr lang="nl-NL"/>
+              <a:t>p0</a:t>
+            </a:r>
+            <a:r>
+              <a:rPr lang="nl-NL">
+                <a:solidFill>
+                  <a:schemeClr val="tx1">
+                    <a:lumMod val="50000"/>
+                    <a:lumOff val="50000"/>
+                  </a:schemeClr>
+                </a:solidFill>
+              </a:rPr>
+              <a:t>,</a:t>
+            </a:r>
+            <a:r>
+              <a:rPr lang="nl-NL">
+                <a:solidFill>
+                  <a:srgbClr val="FF66FF"/>
+                </a:solidFill>
+              </a:rPr>
+              <a:t>10</a:t>
+            </a:r>
+            <a:r>
+              <a:rPr lang="nl-NL">
+                <a:solidFill>
+                  <a:schemeClr val="tx1">
+                    <a:lumMod val="50000"/>
+                    <a:lumOff val="50000"/>
+                  </a:schemeClr>
+                </a:solidFill>
+              </a:rPr>
+              <a:t>)</a:t>
+            </a:r>
+            <a:endParaRPr lang="en-US">
+              <a:solidFill>
+                <a:schemeClr val="tx1">
+                  <a:lumMod val="50000"/>
+                  <a:lumOff val="50000"/>
+                </a:schemeClr>
+              </a:solidFill>
+            </a:endParaRPr>
+          </a:p>
+        </p:txBody>
+      </p:sp>
+      <p:sp>
+        <p:nvSpPr>
+          <p:cNvPr id="23" name="Tekstvak 22">
+            <a:extLst>
+              <a:ext uri="{FF2B5EF4-FFF2-40B4-BE49-F238E27FC236}">
+                <a16:creationId xmlns:a16="http://schemas.microsoft.com/office/drawing/2014/main" id="{C2F666CD-7DA4-4AB0-853E-E4A833D7B1A4}"/>
+              </a:ext>
+            </a:extLst>
+          </p:cNvPr>
+          <p:cNvSpPr txBox="1"/>
+          <p:nvPr/>
+        </p:nvSpPr>
+        <p:spPr>
+          <a:xfrm>
+            <a:off x="4777915" y="2084307"/>
+            <a:ext cx="1446230" cy="369332"/>
+          </a:xfrm>
+          <a:prstGeom prst="rect">
+            <a:avLst/>
+          </a:prstGeom>
+          <a:noFill/>
+        </p:spPr>
+        <p:txBody>
+          <a:bodyPr wrap="none" rtlCol="0">
+            <a:spAutoFit/>
+          </a:bodyPr>
+          <a:lstStyle/>
+          <a:p>
+            <a:r>
+              <a:rPr lang="nl-NL">
+                <a:solidFill>
+                  <a:schemeClr val="tx1">
+                    <a:lumMod val="50000"/>
+                    <a:lumOff val="50000"/>
+                  </a:schemeClr>
+                </a:solidFill>
+              </a:rPr>
+              <a:t>p1 = </a:t>
+            </a:r>
+            <a:r>
+              <a:rPr lang="nl-NL">
+                <a:solidFill>
+                  <a:srgbClr val="00B050"/>
+                </a:solidFill>
+              </a:rPr>
+              <a:t>Dy</a:t>
+            </a:r>
+            <a:r>
+              <a:rPr lang="nl-NL">
+                <a:solidFill>
+                  <a:schemeClr val="tx1">
+                    <a:lumMod val="50000"/>
+                    <a:lumOff val="50000"/>
+                  </a:schemeClr>
+                </a:solidFill>
+              </a:rPr>
+              <a:t>(</a:t>
+            </a:r>
+            <a:r>
+              <a:rPr lang="nl-NL"/>
+              <a:t>p0</a:t>
+            </a:r>
+            <a:r>
+              <a:rPr lang="nl-NL">
+                <a:solidFill>
+                  <a:schemeClr val="tx1">
+                    <a:lumMod val="50000"/>
+                    <a:lumOff val="50000"/>
+                  </a:schemeClr>
+                </a:solidFill>
+              </a:rPr>
+              <a:t>,</a:t>
+            </a:r>
+            <a:r>
+              <a:rPr lang="nl-NL">
+                <a:solidFill>
+                  <a:srgbClr val="FF66FF"/>
+                </a:solidFill>
+              </a:rPr>
+              <a:t>5</a:t>
+            </a:r>
+            <a:r>
+              <a:rPr lang="nl-NL">
+                <a:solidFill>
+                  <a:schemeClr val="tx1">
+                    <a:lumMod val="50000"/>
+                    <a:lumOff val="50000"/>
+                  </a:schemeClr>
+                </a:solidFill>
+              </a:rPr>
+              <a:t>)</a:t>
+            </a:r>
+            <a:endParaRPr lang="en-US">
+              <a:solidFill>
+                <a:schemeClr val="tx1">
+                  <a:lumMod val="50000"/>
+                  <a:lumOff val="50000"/>
+                </a:schemeClr>
+              </a:solidFill>
+            </a:endParaRPr>
+          </a:p>
+        </p:txBody>
+      </p:sp>
+      <p:sp>
+        <p:nvSpPr>
+          <p:cNvPr id="24" name="Tekstvak 23">
+            <a:extLst>
+              <a:ext uri="{FF2B5EF4-FFF2-40B4-BE49-F238E27FC236}">
+                <a16:creationId xmlns:a16="http://schemas.microsoft.com/office/drawing/2014/main" id="{332F7D04-3BCC-4AA7-A037-8135206946C9}"/>
+              </a:ext>
+            </a:extLst>
+          </p:cNvPr>
+          <p:cNvSpPr txBox="1"/>
+          <p:nvPr/>
+        </p:nvSpPr>
+        <p:spPr>
+          <a:xfrm>
+            <a:off x="5216166" y="2698760"/>
+            <a:ext cx="256802" cy="261610"/>
+          </a:xfrm>
+          <a:prstGeom prst="rect">
+            <a:avLst/>
+          </a:prstGeom>
+          <a:noFill/>
+        </p:spPr>
+        <p:txBody>
+          <a:bodyPr wrap="none" rtlCol="0">
+            <a:spAutoFit/>
+          </a:bodyPr>
+          <a:lstStyle/>
+          <a:p>
+            <a:r>
+              <a:rPr lang="nl-NL" sz="1100">
+                <a:solidFill>
+                  <a:srgbClr val="FF66FF"/>
+                </a:solidFill>
+              </a:rPr>
+              <a:t>5</a:t>
+            </a:r>
+            <a:endParaRPr lang="en-US" sz="1100">
+              <a:solidFill>
+                <a:srgbClr val="FF66FF"/>
+              </a:solidFill>
+            </a:endParaRPr>
+          </a:p>
+        </p:txBody>
+      </p:sp>
       <p:cxnSp>
         <p:nvCxnSpPr>
-          <p:cNvPr id="29" name="Rechte verbindingslijn 28">
-            <a:extLst>
-              <a:ext uri="{FF2B5EF4-FFF2-40B4-BE49-F238E27FC236}">
-                <a16:creationId xmlns:a16="http://schemas.microsoft.com/office/drawing/2014/main" id="{9F6EDAE5-2306-4ED5-9255-7205E44F0CE5}"/>
+          <p:cNvPr id="25" name="Rechte verbindingslijn 24">
+            <a:extLst>
+              <a:ext uri="{FF2B5EF4-FFF2-40B4-BE49-F238E27FC236}">
+                <a16:creationId xmlns:a16="http://schemas.microsoft.com/office/drawing/2014/main" id="{4B1C793B-0C40-4D19-94EC-642A868FF17F}"/>
               </a:ext>
             </a:extLst>
           </p:cNvPr>
@@ -5902,18 +7054,18 @@
         </p:nvCxnSpPr>
         <p:spPr>
           <a:xfrm>
-            <a:off x="5480817" y="3336000"/>
-            <a:ext cx="1367137" cy="0"/>
+            <a:off x="4300135" y="3336000"/>
+            <a:ext cx="0" cy="716463"/>
           </a:xfrm>
           <a:prstGeom prst="line">
             <a:avLst/>
           </a:prstGeom>
-          <a:ln w="12700">
+          <a:ln w="28575">
             <a:solidFill>
               <a:srgbClr val="FF66FF"/>
             </a:solidFill>
             <a:headEnd type="none" w="med" len="med"/>
-            <a:tailEnd type="none" w="med" len="med"/>
+            <a:tailEnd type="arrow" w="med" len="med"/>
           </a:ln>
         </p:spPr>
         <p:style>
@@ -5931,33 +7083,122 @@
           </a:fontRef>
         </p:style>
       </p:cxnSp>
+      <p:sp>
+        <p:nvSpPr>
+          <p:cNvPr id="27" name="Tekstvak 26">
+            <a:extLst>
+              <a:ext uri="{FF2B5EF4-FFF2-40B4-BE49-F238E27FC236}">
+                <a16:creationId xmlns:a16="http://schemas.microsoft.com/office/drawing/2014/main" id="{6A181768-2D05-41C7-998C-FC461ADD769B}"/>
+              </a:ext>
+            </a:extLst>
+          </p:cNvPr>
+          <p:cNvSpPr txBox="1"/>
+          <p:nvPr/>
+        </p:nvSpPr>
+        <p:spPr>
+          <a:xfrm>
+            <a:off x="4707045" y="3128397"/>
+            <a:ext cx="407484" cy="261610"/>
+          </a:xfrm>
+          <a:prstGeom prst="rect">
+            <a:avLst/>
+          </a:prstGeom>
+          <a:noFill/>
+        </p:spPr>
+        <p:txBody>
+          <a:bodyPr wrap="none" rtlCol="0">
+            <a:spAutoFit/>
+          </a:bodyPr>
+          <a:lstStyle/>
+          <a:p>
+            <a:r>
+              <a:rPr lang="nl-NL" sz="1100">
+                <a:solidFill>
+                  <a:srgbClr val="FF66FF"/>
+                </a:solidFill>
+              </a:rPr>
+              <a:t>-6.5</a:t>
+            </a:r>
+            <a:endParaRPr lang="en-US" sz="1100">
+              <a:solidFill>
+                <a:srgbClr val="FF66FF"/>
+              </a:solidFill>
+            </a:endParaRPr>
+          </a:p>
+        </p:txBody>
+      </p:sp>
+      <p:sp>
+        <p:nvSpPr>
+          <p:cNvPr id="28" name="Tekstvak 27">
+            <a:extLst>
+              <a:ext uri="{FF2B5EF4-FFF2-40B4-BE49-F238E27FC236}">
+                <a16:creationId xmlns:a16="http://schemas.microsoft.com/office/drawing/2014/main" id="{BBAFC4D9-12F0-49AC-BA30-B2246CCC073C}"/>
+              </a:ext>
+            </a:extLst>
+          </p:cNvPr>
+          <p:cNvSpPr txBox="1"/>
+          <p:nvPr/>
+        </p:nvSpPr>
+        <p:spPr>
+          <a:xfrm>
+            <a:off x="3949838" y="3575132"/>
+            <a:ext cx="300082" cy="261610"/>
+          </a:xfrm>
+          <a:prstGeom prst="rect">
+            <a:avLst/>
+          </a:prstGeom>
+          <a:noFill/>
+        </p:spPr>
+        <p:txBody>
+          <a:bodyPr wrap="none" rtlCol="0">
+            <a:spAutoFit/>
+          </a:bodyPr>
+          <a:lstStyle/>
+          <a:p>
+            <a:r>
+              <a:rPr lang="nl-NL" sz="1100">
+                <a:solidFill>
+                  <a:srgbClr val="FF66FF"/>
+                </a:solidFill>
+              </a:rPr>
+              <a:t>-5</a:t>
+            </a:r>
+            <a:endParaRPr lang="en-US" sz="1100">
+              <a:solidFill>
+                <a:srgbClr val="FF66FF"/>
+              </a:solidFill>
+            </a:endParaRPr>
+          </a:p>
+        </p:txBody>
+      </p:sp>
       <p:cxnSp>
         <p:nvCxnSpPr>
-          <p:cNvPr id="21" name="Rechte verbindingslijn 20">
-            <a:extLst>
-              <a:ext uri="{FF2B5EF4-FFF2-40B4-BE49-F238E27FC236}">
-                <a16:creationId xmlns:a16="http://schemas.microsoft.com/office/drawing/2014/main" id="{92935540-7F59-472F-B670-E7F5C3FB6C51}"/>
+          <p:cNvPr id="29" name="Rechte verbindingslijn 28">
+            <a:extLst>
+              <a:ext uri="{FF2B5EF4-FFF2-40B4-BE49-F238E27FC236}">
+                <a16:creationId xmlns:a16="http://schemas.microsoft.com/office/drawing/2014/main" id="{9F6EDAE5-2306-4ED5-9255-7205E44F0CE5}"/>
               </a:ext>
             </a:extLst>
           </p:cNvPr>
           <p:cNvCxnSpPr>
             <a:cxnSpLocks/>
+            <a:endCxn id="2" idx="2"/>
           </p:cNvCxnSpPr>
           <p:nvPr/>
         </p:nvCxnSpPr>
         <p:spPr>
-          <a:xfrm flipV="1">
-            <a:off x="5415779" y="1807858"/>
-            <a:ext cx="0" cy="1468742"/>
+          <a:xfrm>
+            <a:off x="4283667" y="3336000"/>
+            <a:ext cx="1079919" cy="0"/>
           </a:xfrm>
           <a:prstGeom prst="line">
             <a:avLst/>
           </a:prstGeom>
-          <a:ln w="12700">
+          <a:ln w="28575">
             <a:solidFill>
               <a:srgbClr val="FF66FF"/>
             </a:solidFill>
-            <a:headEnd type="none" w="med" len="med"/>
+            <a:headEnd type="arrow" w="med" len="med"/>
             <a:tailEnd type="none" w="med" len="med"/>
           </a:ln>
         </p:spPr>
@@ -5976,106 +7217,10 @@
           </a:fontRef>
         </p:style>
       </p:cxnSp>
-      <p:sp>
-        <p:nvSpPr>
-          <p:cNvPr id="11" name="Boog 10">
-            <a:extLst>
-              <a:ext uri="{FF2B5EF4-FFF2-40B4-BE49-F238E27FC236}">
-                <a16:creationId xmlns:a16="http://schemas.microsoft.com/office/drawing/2014/main" id="{A1DE9225-48BA-4747-BEB1-0D74A74467AB}"/>
-              </a:ext>
-            </a:extLst>
-          </p:cNvPr>
-          <p:cNvSpPr/>
-          <p:nvPr/>
-        </p:nvSpPr>
-        <p:spPr>
-          <a:xfrm>
-            <a:off x="5299438" y="3066280"/>
-            <a:ext cx="503814" cy="522042"/>
-          </a:xfrm>
-          <a:prstGeom prst="arc">
-            <a:avLst>
-              <a:gd name="adj1" fmla="val 18121996"/>
-              <a:gd name="adj2" fmla="val 0"/>
-            </a:avLst>
-          </a:prstGeom>
-          <a:ln>
-            <a:solidFill>
-              <a:srgbClr val="FF66FF"/>
-            </a:solidFill>
-          </a:ln>
-        </p:spPr>
-        <p:style>
-          <a:lnRef idx="1">
-            <a:schemeClr val="accent1"/>
-          </a:lnRef>
-          <a:fillRef idx="0">
-            <a:schemeClr val="accent1"/>
-          </a:fillRef>
-          <a:effectRef idx="0">
-            <a:schemeClr val="accent1"/>
-          </a:effectRef>
-          <a:fontRef idx="minor">
-            <a:schemeClr val="tx1"/>
-          </a:fontRef>
-        </p:style>
-        <p:txBody>
-          <a:bodyPr rtlCol="0" anchor="ctr"/>
-          <a:lstStyle/>
-          <a:p>
-            <a:pPr algn="ctr"/>
-            <a:endParaRPr lang="en-US"/>
-          </a:p>
-        </p:txBody>
-      </p:sp>
-      <p:sp>
-        <p:nvSpPr>
-          <p:cNvPr id="26" name="Tekstvak 25">
-            <a:extLst>
-              <a:ext uri="{FF2B5EF4-FFF2-40B4-BE49-F238E27FC236}">
-                <a16:creationId xmlns:a16="http://schemas.microsoft.com/office/drawing/2014/main" id="{71B7B885-32B7-4330-9BDB-B7E862F9C012}"/>
-              </a:ext>
-            </a:extLst>
-          </p:cNvPr>
-          <p:cNvSpPr txBox="1"/>
-          <p:nvPr/>
-        </p:nvSpPr>
-        <p:spPr>
-          <a:xfrm>
-            <a:off x="5738847" y="3036982"/>
-            <a:ext cx="570990" cy="261610"/>
-          </a:xfrm>
-          <a:prstGeom prst="rect">
-            <a:avLst/>
-          </a:prstGeom>
-          <a:noFill/>
-        </p:spPr>
-        <p:txBody>
-          <a:bodyPr wrap="none" rtlCol="0">
-            <a:spAutoFit/>
-          </a:bodyPr>
-          <a:lstStyle/>
-          <a:p>
-            <a:r>
-              <a:rPr lang="nl-NL" sz="1100">
-                <a:solidFill>
-                  <a:srgbClr val="FF66FF"/>
-                </a:solidFill>
-              </a:rPr>
-              <a:t>42 deg</a:t>
-            </a:r>
-            <a:endParaRPr lang="en-US" sz="1100">
-              <a:solidFill>
-                <a:srgbClr val="FF66FF"/>
-              </a:solidFill>
-            </a:endParaRPr>
-          </a:p>
-        </p:txBody>
-      </p:sp>
     </p:spTree>
     <p:extLst>
       <p:ext uri="{BB962C8B-B14F-4D97-AF65-F5344CB8AC3E}">
-        <p14:creationId xmlns:p14="http://schemas.microsoft.com/office/powerpoint/2010/main" val="4002065478"/>
+        <p14:creationId xmlns:p14="http://schemas.microsoft.com/office/powerpoint/2010/main" val="3613501520"/>
       </p:ext>
     </p:extLst>
   </p:cSld>
@@ -6107,7 +7252,7 @@
           <p:cNvPr id="2" name="Ovaal 1">
             <a:extLst>
               <a:ext uri="{FF2B5EF4-FFF2-40B4-BE49-F238E27FC236}">
-                <a16:creationId xmlns:a16="http://schemas.microsoft.com/office/drawing/2014/main" id="{B3633963-40E3-4752-954C-87909F9D82AC}"/>
+                <a16:creationId xmlns:a16="http://schemas.microsoft.com/office/drawing/2014/main" id="{716D9C6B-258B-4B75-903C-000779857DED}"/>
               </a:ext>
             </a:extLst>
           </p:cNvPr>
@@ -6161,351 +7306,29 @@
           <p:cNvPr id="5" name="Rechte verbindingslijn 4">
             <a:extLst>
               <a:ext uri="{FF2B5EF4-FFF2-40B4-BE49-F238E27FC236}">
-                <a16:creationId xmlns:a16="http://schemas.microsoft.com/office/drawing/2014/main" id="{BAEAD97F-8EFF-4241-A08C-B4422D1541BF}"/>
+                <a16:creationId xmlns:a16="http://schemas.microsoft.com/office/drawing/2014/main" id="{AE6CFE6D-462C-4006-B1B3-786E34D5C894}"/>
               </a:ext>
             </a:extLst>
           </p:cNvPr>
           <p:cNvCxnSpPr>
             <a:cxnSpLocks/>
-            <a:endCxn id="2" idx="0"/>
           </p:cNvCxnSpPr>
           <p:nvPr/>
         </p:nvCxnSpPr>
         <p:spPr>
-          <a:xfrm>
-            <a:off x="5422202" y="2594068"/>
-            <a:ext cx="0" cy="682532"/>
+          <a:xfrm flipV="1">
+            <a:off x="5487879" y="1868177"/>
+            <a:ext cx="1617758" cy="1424519"/>
           </a:xfrm>
           <a:prstGeom prst="line">
             <a:avLst/>
           </a:prstGeom>
-          <a:solidFill>
-            <a:schemeClr val="tx1"/>
-          </a:solidFill>
-          <a:ln>
+          <a:ln w="28575">
             <a:solidFill>
               <a:srgbClr val="FF66FF"/>
             </a:solidFill>
-          </a:ln>
-        </p:spPr>
-        <p:style>
-          <a:lnRef idx="2">
-            <a:schemeClr val="accent1">
-              <a:shade val="50000"/>
-            </a:schemeClr>
-          </a:lnRef>
-          <a:fillRef idx="1">
-            <a:schemeClr val="accent1"/>
-          </a:fillRef>
-          <a:effectRef idx="0">
-            <a:schemeClr val="accent1"/>
-          </a:effectRef>
-          <a:fontRef idx="minor">
-            <a:schemeClr val="lt1"/>
-          </a:fontRef>
-        </p:style>
-      </p:cxnSp>
-      <p:sp>
-        <p:nvSpPr>
-          <p:cNvPr id="9" name="Ovaal 8">
-            <a:extLst>
-              <a:ext uri="{FF2B5EF4-FFF2-40B4-BE49-F238E27FC236}">
-                <a16:creationId xmlns:a16="http://schemas.microsoft.com/office/drawing/2014/main" id="{C15D0BE6-1477-46ED-BA60-34A125B6D600}"/>
-              </a:ext>
-            </a:extLst>
-          </p:cNvPr>
-          <p:cNvSpPr/>
-          <p:nvPr/>
-        </p:nvSpPr>
-        <p:spPr>
-          <a:xfrm>
-            <a:off x="7175502" y="1619781"/>
-            <a:ext cx="117231" cy="118800"/>
-          </a:xfrm>
-          <a:prstGeom prst="ellipse">
-            <a:avLst/>
-          </a:prstGeom>
-          <a:solidFill>
-            <a:schemeClr val="tx1"/>
-          </a:solidFill>
-          <a:ln>
-            <a:solidFill>
-              <a:schemeClr val="tx1"/>
-            </a:solidFill>
-          </a:ln>
-        </p:spPr>
-        <p:style>
-          <a:lnRef idx="2">
-            <a:schemeClr val="accent1">
-              <a:shade val="50000"/>
-            </a:schemeClr>
-          </a:lnRef>
-          <a:fillRef idx="1">
-            <a:schemeClr val="accent1"/>
-          </a:fillRef>
-          <a:effectRef idx="0">
-            <a:schemeClr val="accent1"/>
-          </a:effectRef>
-          <a:fontRef idx="minor">
-            <a:schemeClr val="lt1"/>
-          </a:fontRef>
-        </p:style>
-        <p:txBody>
-          <a:bodyPr rtlCol="0" anchor="ctr"/>
-          <a:lstStyle/>
-          <a:p>
-            <a:pPr algn="ctr"/>
-            <a:endParaRPr lang="en-US"/>
-          </a:p>
-        </p:txBody>
-      </p:sp>
-      <p:sp>
-        <p:nvSpPr>
-          <p:cNvPr id="10" name="Tekstvak 9">
-            <a:extLst>
-              <a:ext uri="{FF2B5EF4-FFF2-40B4-BE49-F238E27FC236}">
-                <a16:creationId xmlns:a16="http://schemas.microsoft.com/office/drawing/2014/main" id="{DACBF721-4117-47BB-8D6B-D90029F67F2E}"/>
-              </a:ext>
-            </a:extLst>
-          </p:cNvPr>
-          <p:cNvSpPr txBox="1"/>
-          <p:nvPr/>
-        </p:nvSpPr>
-        <p:spPr>
-          <a:xfrm>
-            <a:off x="5095242" y="3437402"/>
-            <a:ext cx="423514" cy="369332"/>
-          </a:xfrm>
-          <a:prstGeom prst="rect">
-            <a:avLst/>
-          </a:prstGeom>
-          <a:noFill/>
-        </p:spPr>
-        <p:txBody>
-          <a:bodyPr wrap="none" rtlCol="0">
-            <a:spAutoFit/>
-          </a:bodyPr>
-          <a:lstStyle/>
-          <a:p>
-            <a:r>
-              <a:rPr lang="nl-NL"/>
-              <a:t>p0</a:t>
-            </a:r>
-            <a:endParaRPr lang="en-US"/>
-          </a:p>
-        </p:txBody>
-      </p:sp>
-      <p:sp>
-        <p:nvSpPr>
-          <p:cNvPr id="11" name="Tekstvak 10">
-            <a:extLst>
-              <a:ext uri="{FF2B5EF4-FFF2-40B4-BE49-F238E27FC236}">
-                <a16:creationId xmlns:a16="http://schemas.microsoft.com/office/drawing/2014/main" id="{9DB0C328-2597-4B46-BCEC-69E4108D35F3}"/>
-              </a:ext>
-            </a:extLst>
-          </p:cNvPr>
-          <p:cNvSpPr txBox="1"/>
-          <p:nvPr/>
-        </p:nvSpPr>
-        <p:spPr>
-          <a:xfrm>
-            <a:off x="6719033" y="2760515"/>
-            <a:ext cx="3034933" cy="369332"/>
-          </a:xfrm>
-          <a:prstGeom prst="rect">
-            <a:avLst/>
-          </a:prstGeom>
-          <a:noFill/>
-        </p:spPr>
-        <p:txBody>
-          <a:bodyPr wrap="none" rtlCol="0">
-            <a:spAutoFit/>
-          </a:bodyPr>
-          <a:lstStyle/>
-          <a:p>
-            <a:r>
-              <a:rPr lang="nl-NL">
-                <a:solidFill>
-                  <a:schemeClr val="tx1">
-                    <a:lumMod val="50000"/>
-                    <a:lumOff val="50000"/>
-                  </a:schemeClr>
-                </a:solidFill>
-              </a:rPr>
-              <a:t>p1 = </a:t>
-            </a:r>
-            <a:r>
-              <a:rPr lang="nl-NL">
-                <a:solidFill>
-                  <a:srgbClr val="00B050"/>
-                </a:solidFill>
-              </a:rPr>
-              <a:t>RadiusArc</a:t>
-            </a:r>
-            <a:r>
-              <a:rPr lang="nl-NL">
-                <a:solidFill>
-                  <a:schemeClr val="tx1">
-                    <a:lumMod val="50000"/>
-                    <a:lumOff val="50000"/>
-                  </a:schemeClr>
-                </a:solidFill>
-              </a:rPr>
-              <a:t>(</a:t>
-            </a:r>
-            <a:r>
-              <a:rPr lang="nl-NL"/>
-              <a:t>p0</a:t>
-            </a:r>
-            <a:r>
-              <a:rPr lang="nl-NL">
-                <a:solidFill>
-                  <a:schemeClr val="tx1">
-                    <a:lumMod val="50000"/>
-                    <a:lumOff val="50000"/>
-                  </a:schemeClr>
-                </a:solidFill>
-              </a:rPr>
-              <a:t>,</a:t>
-            </a:r>
-            <a:r>
-              <a:rPr lang="nl-NL"/>
-              <a:t>p2</a:t>
-            </a:r>
-            <a:r>
-              <a:rPr lang="nl-NL">
-                <a:solidFill>
-                  <a:schemeClr val="tx1">
-                    <a:lumMod val="50000"/>
-                    <a:lumOff val="50000"/>
-                  </a:schemeClr>
-                </a:solidFill>
-              </a:rPr>
-              <a:t>,</a:t>
-            </a:r>
-            <a:r>
-              <a:rPr lang="nl-NL">
-                <a:solidFill>
-                  <a:srgbClr val="FF66FF"/>
-                </a:solidFill>
-              </a:rPr>
-              <a:t>10</a:t>
-            </a:r>
-            <a:r>
-              <a:rPr lang="nl-NL">
-                <a:solidFill>
-                  <a:schemeClr val="tx1">
-                    <a:lumMod val="50000"/>
-                    <a:lumOff val="50000"/>
-                  </a:schemeClr>
-                </a:solidFill>
-              </a:rPr>
-              <a:t>,</a:t>
-            </a:r>
-            <a:r>
-              <a:rPr lang="nl-NL">
-                <a:solidFill>
-                  <a:schemeClr val="accent1">
-                    <a:lumMod val="75000"/>
-                  </a:schemeClr>
-                </a:solidFill>
-              </a:rPr>
-              <a:t>false</a:t>
-            </a:r>
-            <a:r>
-              <a:rPr lang="nl-NL">
-                <a:solidFill>
-                  <a:schemeClr val="tx1">
-                    <a:lumMod val="50000"/>
-                    <a:lumOff val="50000"/>
-                  </a:schemeClr>
-                </a:solidFill>
-              </a:rPr>
-              <a:t>)</a:t>
-            </a:r>
-            <a:endParaRPr lang="en-US">
-              <a:solidFill>
-                <a:schemeClr val="tx1">
-                  <a:lumMod val="50000"/>
-                  <a:lumOff val="50000"/>
-                </a:schemeClr>
-              </a:solidFill>
-            </a:endParaRPr>
-          </a:p>
-        </p:txBody>
-      </p:sp>
-      <p:sp>
-        <p:nvSpPr>
-          <p:cNvPr id="13" name="Tekstvak 12">
-            <a:extLst>
-              <a:ext uri="{FF2B5EF4-FFF2-40B4-BE49-F238E27FC236}">
-                <a16:creationId xmlns:a16="http://schemas.microsoft.com/office/drawing/2014/main" id="{6DD6CA90-7A04-4E22-9AB0-F67190E09E83}"/>
-              </a:ext>
-            </a:extLst>
-          </p:cNvPr>
-          <p:cNvSpPr txBox="1"/>
-          <p:nvPr/>
-        </p:nvSpPr>
-        <p:spPr>
-          <a:xfrm>
-            <a:off x="6222976" y="1792442"/>
-            <a:ext cx="328936" cy="261610"/>
-          </a:xfrm>
-          <a:prstGeom prst="rect">
-            <a:avLst/>
-          </a:prstGeom>
-          <a:noFill/>
-        </p:spPr>
-        <p:txBody>
-          <a:bodyPr wrap="none" rtlCol="0">
-            <a:spAutoFit/>
-          </a:bodyPr>
-          <a:lstStyle/>
-          <a:p>
-            <a:r>
-              <a:rPr lang="nl-NL" sz="1100">
-                <a:solidFill>
-                  <a:srgbClr val="FF66FF"/>
-                </a:solidFill>
-              </a:rPr>
-              <a:t>10</a:t>
-            </a:r>
-            <a:endParaRPr lang="en-US" sz="1100">
-              <a:solidFill>
-                <a:srgbClr val="FF66FF"/>
-              </a:solidFill>
-            </a:endParaRPr>
-          </a:p>
-        </p:txBody>
-      </p:sp>
-      <p:cxnSp>
-        <p:nvCxnSpPr>
-          <p:cNvPr id="19" name="Rechte verbindingslijn 18">
-            <a:extLst>
-              <a:ext uri="{FF2B5EF4-FFF2-40B4-BE49-F238E27FC236}">
-                <a16:creationId xmlns:a16="http://schemas.microsoft.com/office/drawing/2014/main" id="{2A6EEA36-C099-4B39-A055-1415E3EC2C91}"/>
-              </a:ext>
-            </a:extLst>
-          </p:cNvPr>
-          <p:cNvCxnSpPr>
-            <a:cxnSpLocks/>
-            <a:stCxn id="2" idx="7"/>
-            <a:endCxn id="9" idx="3"/>
-          </p:cNvCxnSpPr>
-          <p:nvPr/>
-        </p:nvCxnSpPr>
-        <p:spPr>
-          <a:xfrm flipV="1">
-            <a:off x="5463649" y="1721183"/>
-            <a:ext cx="1729021" cy="1572815"/>
-          </a:xfrm>
-          <a:prstGeom prst="line">
-            <a:avLst/>
-          </a:prstGeom>
-          <a:ln>
-            <a:solidFill>
-              <a:schemeClr val="tx1"/>
-            </a:solidFill>
+            <a:headEnd type="none" w="med" len="med"/>
+            <a:tailEnd type="arrow" w="med" len="med"/>
           </a:ln>
         </p:spPr>
         <p:style>
@@ -6525,10 +7348,10 @@
       </p:cxnSp>
       <p:sp>
         <p:nvSpPr>
-          <p:cNvPr id="21" name="Tekstvak 20">
-            <a:extLst>
-              <a:ext uri="{FF2B5EF4-FFF2-40B4-BE49-F238E27FC236}">
-                <a16:creationId xmlns:a16="http://schemas.microsoft.com/office/drawing/2014/main" id="{15945C35-1C56-44B8-B1F2-B4DE1D2DF9CC}"/>
+          <p:cNvPr id="14" name="Tekstvak 13">
+            <a:extLst>
+              <a:ext uri="{FF2B5EF4-FFF2-40B4-BE49-F238E27FC236}">
+                <a16:creationId xmlns:a16="http://schemas.microsoft.com/office/drawing/2014/main" id="{329F4CD2-A791-4B79-90E4-9E3F289FD9E1}"/>
               </a:ext>
             </a:extLst>
           </p:cNvPr>
@@ -6537,8 +7360,8 @@
         </p:nvSpPr>
         <p:spPr>
           <a:xfrm>
-            <a:off x="7307292" y="1553915"/>
-            <a:ext cx="423514" cy="369332"/>
+            <a:off x="6084161" y="2250683"/>
+            <a:ext cx="328936" cy="261610"/>
           </a:xfrm>
           <a:prstGeom prst="rect">
             <a:avLst/>
@@ -6552,19 +7375,27 @@
           <a:lstStyle/>
           <a:p>
             <a:r>
-              <a:rPr lang="nl-NL"/>
-              <a:t>p2</a:t>
-            </a:r>
-            <a:endParaRPr lang="en-US"/>
-          </a:p>
-        </p:txBody>
-      </p:sp>
-      <p:sp>
-        <p:nvSpPr>
-          <p:cNvPr id="22" name="Gedeeltelijke cirkel 21">
-            <a:extLst>
-              <a:ext uri="{FF2B5EF4-FFF2-40B4-BE49-F238E27FC236}">
-                <a16:creationId xmlns:a16="http://schemas.microsoft.com/office/drawing/2014/main" id="{EA7BC2DE-BCD6-4784-9E8B-0EB0FCB7322C}"/>
+              <a:rPr lang="nl-NL" sz="1100">
+                <a:solidFill>
+                  <a:srgbClr val="FF66FF"/>
+                </a:solidFill>
+              </a:rPr>
+              <a:t>12</a:t>
+            </a:r>
+            <a:endParaRPr lang="en-US" sz="1100">
+              <a:solidFill>
+                <a:srgbClr val="FF66FF"/>
+              </a:solidFill>
+            </a:endParaRPr>
+          </a:p>
+        </p:txBody>
+      </p:sp>
+      <p:sp>
+        <p:nvSpPr>
+          <p:cNvPr id="17" name="Ovaal 16">
+            <a:extLst>
+              <a:ext uri="{FF2B5EF4-FFF2-40B4-BE49-F238E27FC236}">
+                <a16:creationId xmlns:a16="http://schemas.microsoft.com/office/drawing/2014/main" id="{349E3BC3-B55C-43BE-96D6-A659C3A79F63}"/>
               </a:ext>
             </a:extLst>
           </p:cNvPr>
@@ -6573,61 +7404,7 @@
         </p:nvSpPr>
         <p:spPr>
           <a:xfrm>
-            <a:off x="3667576" y="-143000"/>
-            <a:ext cx="3548015" cy="3472542"/>
-          </a:xfrm>
-          <a:prstGeom prst="pie">
-            <a:avLst>
-              <a:gd name="adj1" fmla="val 195000"/>
-              <a:gd name="adj2" fmla="val 5454701"/>
-            </a:avLst>
-          </a:prstGeom>
-          <a:noFill/>
-        </p:spPr>
-        <p:style>
-          <a:lnRef idx="2">
-            <a:schemeClr val="accent1">
-              <a:shade val="50000"/>
-            </a:schemeClr>
-          </a:lnRef>
-          <a:fillRef idx="1">
-            <a:schemeClr val="accent1"/>
-          </a:fillRef>
-          <a:effectRef idx="0">
-            <a:schemeClr val="accent1"/>
-          </a:effectRef>
-          <a:fontRef idx="minor">
-            <a:schemeClr val="lt1"/>
-          </a:fontRef>
-        </p:style>
-        <p:txBody>
-          <a:bodyPr rtlCol="0" anchor="ctr"/>
-          <a:lstStyle/>
-          <a:p>
-            <a:pPr algn="ctr"/>
-            <a:endParaRPr lang="en-US">
-              <a:solidFill>
-                <a:schemeClr val="tx1"/>
-              </a:solidFill>
-            </a:endParaRPr>
-          </a:p>
-        </p:txBody>
-      </p:sp>
-      <p:sp>
-        <p:nvSpPr>
-          <p:cNvPr id="23" name="Ovaal 22">
-            <a:extLst>
-              <a:ext uri="{FF2B5EF4-FFF2-40B4-BE49-F238E27FC236}">
-                <a16:creationId xmlns:a16="http://schemas.microsoft.com/office/drawing/2014/main" id="{52936659-644B-41D6-9FEE-9F13C5DF6D84}"/>
-              </a:ext>
-            </a:extLst>
-          </p:cNvPr>
-          <p:cNvSpPr/>
-          <p:nvPr/>
-        </p:nvSpPr>
-        <p:spPr>
-          <a:xfrm>
-            <a:off x="6660418" y="2727482"/>
+            <a:off x="7064239" y="1768077"/>
             <a:ext cx="117231" cy="118800"/>
           </a:xfrm>
           <a:prstGeom prst="ellipse">
@@ -6671,12 +7448,151 @@
           </a:p>
         </p:txBody>
       </p:sp>
+      <p:sp>
+        <p:nvSpPr>
+          <p:cNvPr id="19" name="Tekstvak 18">
+            <a:extLst>
+              <a:ext uri="{FF2B5EF4-FFF2-40B4-BE49-F238E27FC236}">
+                <a16:creationId xmlns:a16="http://schemas.microsoft.com/office/drawing/2014/main" id="{2ABE61D8-625D-4BED-8875-35E91D637482}"/>
+              </a:ext>
+            </a:extLst>
+          </p:cNvPr>
+          <p:cNvSpPr txBox="1"/>
+          <p:nvPr/>
+        </p:nvSpPr>
+        <p:spPr>
+          <a:xfrm>
+            <a:off x="5095242" y="3437402"/>
+            <a:ext cx="423514" cy="369332"/>
+          </a:xfrm>
+          <a:prstGeom prst="rect">
+            <a:avLst/>
+          </a:prstGeom>
+          <a:noFill/>
+        </p:spPr>
+        <p:txBody>
+          <a:bodyPr wrap="none" rtlCol="0">
+            <a:spAutoFit/>
+          </a:bodyPr>
+          <a:lstStyle/>
+          <a:p>
+            <a:r>
+              <a:rPr lang="nl-NL"/>
+              <a:t>p0</a:t>
+            </a:r>
+            <a:endParaRPr lang="en-US"/>
+          </a:p>
+        </p:txBody>
+      </p:sp>
+      <p:sp>
+        <p:nvSpPr>
+          <p:cNvPr id="23" name="Tekstvak 22">
+            <a:extLst>
+              <a:ext uri="{FF2B5EF4-FFF2-40B4-BE49-F238E27FC236}">
+                <a16:creationId xmlns:a16="http://schemas.microsoft.com/office/drawing/2014/main" id="{C2F666CD-7DA4-4AB0-853E-E4A833D7B1A4}"/>
+              </a:ext>
+            </a:extLst>
+          </p:cNvPr>
+          <p:cNvSpPr txBox="1"/>
+          <p:nvPr/>
+        </p:nvSpPr>
+        <p:spPr>
+          <a:xfrm>
+            <a:off x="6932354" y="1358651"/>
+            <a:ext cx="2087623" cy="369332"/>
+          </a:xfrm>
+          <a:prstGeom prst="rect">
+            <a:avLst/>
+          </a:prstGeom>
+          <a:noFill/>
+        </p:spPr>
+        <p:txBody>
+          <a:bodyPr wrap="none" rtlCol="0">
+            <a:spAutoFit/>
+          </a:bodyPr>
+          <a:lstStyle/>
+          <a:p>
+            <a:r>
+              <a:rPr lang="nl-NL">
+                <a:solidFill>
+                  <a:schemeClr val="tx1">
+                    <a:lumMod val="50000"/>
+                    <a:lumOff val="50000"/>
+                  </a:schemeClr>
+                </a:solidFill>
+              </a:rPr>
+              <a:t>p1 = </a:t>
+            </a:r>
+            <a:r>
+              <a:rPr lang="nl-NL">
+                <a:solidFill>
+                  <a:srgbClr val="00B050"/>
+                </a:solidFill>
+              </a:rPr>
+              <a:t>Polar</a:t>
+            </a:r>
+            <a:r>
+              <a:rPr lang="nl-NL">
+                <a:solidFill>
+                  <a:schemeClr val="tx1">
+                    <a:lumMod val="50000"/>
+                    <a:lumOff val="50000"/>
+                  </a:schemeClr>
+                </a:solidFill>
+              </a:rPr>
+              <a:t>(</a:t>
+            </a:r>
+            <a:r>
+              <a:rPr lang="nl-NL"/>
+              <a:t>p0</a:t>
+            </a:r>
+            <a:r>
+              <a:rPr lang="nl-NL">
+                <a:solidFill>
+                  <a:schemeClr val="tx1">
+                    <a:lumMod val="50000"/>
+                    <a:lumOff val="50000"/>
+                  </a:schemeClr>
+                </a:solidFill>
+              </a:rPr>
+              <a:t>,</a:t>
+            </a:r>
+            <a:r>
+              <a:rPr lang="nl-NL">
+                <a:solidFill>
+                  <a:srgbClr val="FF66FF"/>
+                </a:solidFill>
+              </a:rPr>
+              <a:t>12,42</a:t>
+            </a:r>
+            <a:r>
+              <a:rPr lang="nl-NL">
+                <a:solidFill>
+                  <a:schemeClr val="tx1">
+                    <a:lumMod val="50000"/>
+                    <a:lumOff val="50000"/>
+                  </a:schemeClr>
+                </a:solidFill>
+              </a:rPr>
+              <a:t>)</a:t>
+            </a:r>
+            <a:endParaRPr lang="en-US">
+              <a:solidFill>
+                <a:schemeClr val="tx1">
+                  <a:lumMod val="50000"/>
+                  <a:lumOff val="50000"/>
+                </a:schemeClr>
+              </a:solidFill>
+            </a:endParaRPr>
+          </a:p>
+        </p:txBody>
+      </p:sp>
       <p:cxnSp>
         <p:nvCxnSpPr>
-          <p:cNvPr id="25" name="Rechte verbindingslijn met pijl 24">
-            <a:extLst>
-              <a:ext uri="{FF2B5EF4-FFF2-40B4-BE49-F238E27FC236}">
-                <a16:creationId xmlns:a16="http://schemas.microsoft.com/office/drawing/2014/main" id="{2479F7AC-646C-43FE-BFED-8E2E5894A644}"/>
+          <p:cNvPr id="29" name="Rechte verbindingslijn 28">
+            <a:extLst>
+              <a:ext uri="{FF2B5EF4-FFF2-40B4-BE49-F238E27FC236}">
+                <a16:creationId xmlns:a16="http://schemas.microsoft.com/office/drawing/2014/main" id="{9F6EDAE5-2306-4ED5-9255-7205E44F0CE5}"/>
               </a:ext>
             </a:extLst>
           </p:cNvPr>
@@ -6687,17 +7603,18 @@
         </p:nvCxnSpPr>
         <p:spPr>
           <a:xfrm>
-            <a:off x="5451475" y="1594988"/>
-            <a:ext cx="1531711" cy="829481"/>
-          </a:xfrm>
-          <a:prstGeom prst="straightConnector1">
+            <a:off x="5480817" y="3336000"/>
+            <a:ext cx="1367137" cy="0"/>
+          </a:xfrm>
+          <a:prstGeom prst="line">
             <a:avLst/>
           </a:prstGeom>
-          <a:ln w="28575">
+          <a:ln w="12700">
             <a:solidFill>
               <a:srgbClr val="FF66FF"/>
             </a:solidFill>
-            <a:tailEnd type="triangle"/>
+            <a:headEnd type="none" w="med" len="med"/>
+            <a:tailEnd type="none" w="med" len="med"/>
           </a:ln>
         </p:spPr>
         <p:style>
@@ -6715,37 +7632,34 @@
           </a:fontRef>
         </p:style>
       </p:cxnSp>
-      <p:sp>
-        <p:nvSpPr>
-          <p:cNvPr id="27" name="Boog 26">
-            <a:extLst>
-              <a:ext uri="{FF2B5EF4-FFF2-40B4-BE49-F238E27FC236}">
-                <a16:creationId xmlns:a16="http://schemas.microsoft.com/office/drawing/2014/main" id="{8ECD2929-1121-40D5-B88B-6CA82CB0FA38}"/>
-              </a:ext>
-            </a:extLst>
-          </p:cNvPr>
-          <p:cNvSpPr/>
+      <p:cxnSp>
+        <p:nvCxnSpPr>
+          <p:cNvPr id="21" name="Rechte verbindingslijn 20">
+            <a:extLst>
+              <a:ext uri="{FF2B5EF4-FFF2-40B4-BE49-F238E27FC236}">
+                <a16:creationId xmlns:a16="http://schemas.microsoft.com/office/drawing/2014/main" id="{92935540-7F59-472F-B670-E7F5C3FB6C51}"/>
+              </a:ext>
+            </a:extLst>
+          </p:cNvPr>
+          <p:cNvCxnSpPr>
+            <a:cxnSpLocks/>
+          </p:cNvCxnSpPr>
           <p:nvPr/>
-        </p:nvSpPr>
+        </p:nvCxnSpPr>
         <p:spPr>
           <a:xfrm flipV="1">
-            <a:off x="3776851" y="410519"/>
-            <a:ext cx="3603171" cy="3198418"/>
-          </a:xfrm>
-          <a:prstGeom prst="arc">
-            <a:avLst>
-              <a:gd name="adj1" fmla="val 20261151"/>
-              <a:gd name="adj2" fmla="val 21283480"/>
-            </a:avLst>
+            <a:off x="5415779" y="1807858"/>
+            <a:ext cx="0" cy="1468742"/>
+          </a:xfrm>
+          <a:prstGeom prst="line">
+            <a:avLst/>
           </a:prstGeom>
-          <a:ln w="19050">
+          <a:ln w="12700">
             <a:solidFill>
-              <a:schemeClr val="accent1">
-                <a:lumMod val="75000"/>
-              </a:schemeClr>
+              <a:srgbClr val="FF66FF"/>
             </a:solidFill>
             <a:headEnd type="none" w="med" len="med"/>
-            <a:tailEnd type="arrow" w="med" len="med"/>
+            <a:tailEnd type="none" w="med" len="med"/>
           </a:ln>
         </p:spPr>
         <p:style>
@@ -6762,87 +7676,1068 @@
             <a:schemeClr val="tx1"/>
           </a:fontRef>
         </p:style>
+      </p:cxnSp>
+      <p:sp>
+        <p:nvSpPr>
+          <p:cNvPr id="11" name="Boog 10">
+            <a:extLst>
+              <a:ext uri="{FF2B5EF4-FFF2-40B4-BE49-F238E27FC236}">
+                <a16:creationId xmlns:a16="http://schemas.microsoft.com/office/drawing/2014/main" id="{A1DE9225-48BA-4747-BEB1-0D74A74467AB}"/>
+              </a:ext>
+            </a:extLst>
+          </p:cNvPr>
+          <p:cNvSpPr/>
+          <p:nvPr/>
+        </p:nvSpPr>
+        <p:spPr>
+          <a:xfrm>
+            <a:off x="5299438" y="3066280"/>
+            <a:ext cx="503814" cy="522042"/>
+          </a:xfrm>
+          <a:prstGeom prst="arc">
+            <a:avLst>
+              <a:gd name="adj1" fmla="val 18121996"/>
+              <a:gd name="adj2" fmla="val 0"/>
+            </a:avLst>
+          </a:prstGeom>
+          <a:ln>
+            <a:solidFill>
+              <a:srgbClr val="FF66FF"/>
+            </a:solidFill>
+          </a:ln>
+        </p:spPr>
+        <p:style>
+          <a:lnRef idx="1">
+            <a:schemeClr val="accent1"/>
+          </a:lnRef>
+          <a:fillRef idx="0">
+            <a:schemeClr val="accent1"/>
+          </a:fillRef>
+          <a:effectRef idx="0">
+            <a:schemeClr val="accent1"/>
+          </a:effectRef>
+          <a:fontRef idx="minor">
+            <a:schemeClr val="tx1"/>
+          </a:fontRef>
+        </p:style>
+        <p:txBody>
+          <a:bodyPr rtlCol="0" anchor="ctr"/>
+          <a:lstStyle/>
+          <a:p>
+            <a:pPr algn="ctr"/>
+            <a:endParaRPr lang="en-US"/>
+          </a:p>
+        </p:txBody>
+      </p:sp>
+      <p:sp>
+        <p:nvSpPr>
+          <p:cNvPr id="26" name="Tekstvak 25">
+            <a:extLst>
+              <a:ext uri="{FF2B5EF4-FFF2-40B4-BE49-F238E27FC236}">
+                <a16:creationId xmlns:a16="http://schemas.microsoft.com/office/drawing/2014/main" id="{71B7B885-32B7-4330-9BDB-B7E862F9C012}"/>
+              </a:ext>
+            </a:extLst>
+          </p:cNvPr>
+          <p:cNvSpPr txBox="1"/>
+          <p:nvPr/>
+        </p:nvSpPr>
+        <p:spPr>
+          <a:xfrm>
+            <a:off x="5738847" y="3036982"/>
+            <a:ext cx="570990" cy="261610"/>
+          </a:xfrm>
+          <a:prstGeom prst="rect">
+            <a:avLst/>
+          </a:prstGeom>
+          <a:noFill/>
+        </p:spPr>
+        <p:txBody>
+          <a:bodyPr wrap="none" rtlCol="0">
+            <a:spAutoFit/>
+          </a:bodyPr>
+          <a:lstStyle/>
+          <a:p>
+            <a:r>
+              <a:rPr lang="nl-NL" sz="1100">
+                <a:solidFill>
+                  <a:srgbClr val="FF66FF"/>
+                </a:solidFill>
+              </a:rPr>
+              <a:t>42 deg</a:t>
+            </a:r>
+            <a:endParaRPr lang="en-US" sz="1100">
+              <a:solidFill>
+                <a:srgbClr val="FF66FF"/>
+              </a:solidFill>
+            </a:endParaRPr>
+          </a:p>
+        </p:txBody>
+      </p:sp>
+    </p:spTree>
+    <p:extLst>
+      <p:ext uri="{BB962C8B-B14F-4D97-AF65-F5344CB8AC3E}">
+        <p14:creationId xmlns:p14="http://schemas.microsoft.com/office/powerpoint/2010/main" val="4002065478"/>
+      </p:ext>
+    </p:extLst>
+  </p:cSld>
+  <p:clrMapOvr>
+    <a:masterClrMapping/>
+  </p:clrMapOvr>
+</p:sld>
+</file>
+
+<file path=ppt/slides/slide5.xml><?xml version="1.0" encoding="utf-8"?>
+<p:sld xmlns:a="http://schemas.openxmlformats.org/drawingml/2006/main" xmlns:r="http://schemas.openxmlformats.org/officeDocument/2006/relationships" xmlns:p="http://schemas.openxmlformats.org/presentationml/2006/main">
+  <p:cSld>
+    <p:spTree>
+      <p:nvGrpSpPr>
+        <p:cNvPr id="1" name=""/>
+        <p:cNvGrpSpPr/>
+        <p:nvPr/>
+      </p:nvGrpSpPr>
+      <p:grpSpPr>
+        <a:xfrm>
+          <a:off x="0" y="0"/>
+          <a:ext cx="0" cy="0"/>
+          <a:chOff x="0" y="0"/>
+          <a:chExt cx="0" cy="0"/>
+        </a:xfrm>
+      </p:grpSpPr>
+      <p:sp>
+        <p:nvSpPr>
+          <p:cNvPr id="22" name="Gedeeltelijke cirkel 21">
+            <a:extLst>
+              <a:ext uri="{FF2B5EF4-FFF2-40B4-BE49-F238E27FC236}">
+                <a16:creationId xmlns:a16="http://schemas.microsoft.com/office/drawing/2014/main" id="{EA7BC2DE-BCD6-4784-9E8B-0EB0FCB7322C}"/>
+              </a:ext>
+            </a:extLst>
+          </p:cNvPr>
+          <p:cNvSpPr/>
+          <p:nvPr/>
+        </p:nvSpPr>
+        <p:spPr>
+          <a:xfrm>
+            <a:off x="3667576" y="-143000"/>
+            <a:ext cx="3548015" cy="3472542"/>
+          </a:xfrm>
+          <a:prstGeom prst="pie">
+            <a:avLst>
+              <a:gd name="adj1" fmla="val 195000"/>
+              <a:gd name="adj2" fmla="val 5454701"/>
+            </a:avLst>
+          </a:prstGeom>
+          <a:noFill/>
+        </p:spPr>
+        <p:style>
+          <a:lnRef idx="2">
+            <a:schemeClr val="accent1">
+              <a:shade val="50000"/>
+            </a:schemeClr>
+          </a:lnRef>
+          <a:fillRef idx="1">
+            <a:schemeClr val="accent1"/>
+          </a:fillRef>
+          <a:effectRef idx="0">
+            <a:schemeClr val="accent1"/>
+          </a:effectRef>
+          <a:fontRef idx="minor">
+            <a:schemeClr val="lt1"/>
+          </a:fontRef>
+        </p:style>
         <p:txBody>
           <a:bodyPr rtlCol="0" anchor="ctr"/>
           <a:lstStyle/>
           <a:p>
             <a:pPr algn="ctr"/>
             <a:endParaRPr lang="en-US">
+              <a:solidFill>
+                <a:schemeClr val="tx1"/>
+              </a:solidFill>
+            </a:endParaRPr>
+          </a:p>
+        </p:txBody>
+      </p:sp>
+      <p:grpSp>
+        <p:nvGrpSpPr>
+          <p:cNvPr id="16" name="Groep 15">
+            <a:extLst>
+              <a:ext uri="{FF2B5EF4-FFF2-40B4-BE49-F238E27FC236}">
+                <a16:creationId xmlns:a16="http://schemas.microsoft.com/office/drawing/2014/main" id="{46EF6FB0-50C9-4977-A7D0-3E064055D5B5}"/>
+              </a:ext>
+            </a:extLst>
+          </p:cNvPr>
+          <p:cNvGrpSpPr/>
+          <p:nvPr/>
+        </p:nvGrpSpPr>
+        <p:grpSpPr>
+          <a:xfrm>
+            <a:off x="3776851" y="410519"/>
+            <a:ext cx="5977115" cy="3396215"/>
+            <a:chOff x="3776851" y="410519"/>
+            <a:chExt cx="5977115" cy="3396215"/>
+          </a:xfrm>
+        </p:grpSpPr>
+        <p:sp>
+          <p:nvSpPr>
+            <p:cNvPr id="2" name="Ovaal 1">
+              <a:extLst>
+                <a:ext uri="{FF2B5EF4-FFF2-40B4-BE49-F238E27FC236}">
+                  <a16:creationId xmlns:a16="http://schemas.microsoft.com/office/drawing/2014/main" id="{B3633963-40E3-4752-954C-87909F9D82AC}"/>
+                </a:ext>
+              </a:extLst>
+            </p:cNvPr>
+            <p:cNvSpPr/>
+            <p:nvPr/>
+          </p:nvSpPr>
+          <p:spPr>
+            <a:xfrm>
+              <a:off x="5363586" y="3276600"/>
+              <a:ext cx="117231" cy="118800"/>
+            </a:xfrm>
+            <a:prstGeom prst="ellipse">
+              <a:avLst/>
+            </a:prstGeom>
+            <a:solidFill>
+              <a:schemeClr val="tx1"/>
+            </a:solidFill>
+            <a:ln>
+              <a:solidFill>
+                <a:schemeClr val="tx1"/>
+              </a:solidFill>
+            </a:ln>
+          </p:spPr>
+          <p:style>
+            <a:lnRef idx="2">
+              <a:schemeClr val="accent1">
+                <a:shade val="50000"/>
+              </a:schemeClr>
+            </a:lnRef>
+            <a:fillRef idx="1">
+              <a:schemeClr val="accent1"/>
+            </a:fillRef>
+            <a:effectRef idx="0">
+              <a:schemeClr val="accent1"/>
+            </a:effectRef>
+            <a:fontRef idx="minor">
+              <a:schemeClr val="lt1"/>
+            </a:fontRef>
+          </p:style>
+          <p:txBody>
+            <a:bodyPr rtlCol="0" anchor="ctr"/>
+            <a:lstStyle/>
+            <a:p>
+              <a:pPr algn="ctr"/>
+              <a:endParaRPr lang="en-US"/>
+            </a:p>
+          </p:txBody>
+        </p:sp>
+        <p:cxnSp>
+          <p:nvCxnSpPr>
+            <p:cNvPr id="5" name="Rechte verbindingslijn 4">
+              <a:extLst>
+                <a:ext uri="{FF2B5EF4-FFF2-40B4-BE49-F238E27FC236}">
+                  <a16:creationId xmlns:a16="http://schemas.microsoft.com/office/drawing/2014/main" id="{BAEAD97F-8EFF-4241-A08C-B4422D1541BF}"/>
+                </a:ext>
+              </a:extLst>
+            </p:cNvPr>
+            <p:cNvCxnSpPr>
+              <a:cxnSpLocks/>
+              <a:endCxn id="2" idx="0"/>
+            </p:cNvCxnSpPr>
+            <p:nvPr/>
+          </p:nvCxnSpPr>
+          <p:spPr>
+            <a:xfrm>
+              <a:off x="5422202" y="2594068"/>
+              <a:ext cx="0" cy="682532"/>
+            </a:xfrm>
+            <a:prstGeom prst="line">
+              <a:avLst/>
+            </a:prstGeom>
+            <a:solidFill>
+              <a:schemeClr val="tx1"/>
+            </a:solidFill>
+            <a:ln>
+              <a:solidFill>
+                <a:srgbClr val="FF66FF"/>
+              </a:solidFill>
+            </a:ln>
+          </p:spPr>
+          <p:style>
+            <a:lnRef idx="2">
+              <a:schemeClr val="accent1">
+                <a:shade val="50000"/>
+              </a:schemeClr>
+            </a:lnRef>
+            <a:fillRef idx="1">
+              <a:schemeClr val="accent1"/>
+            </a:fillRef>
+            <a:effectRef idx="0">
+              <a:schemeClr val="accent1"/>
+            </a:effectRef>
+            <a:fontRef idx="minor">
+              <a:schemeClr val="lt1"/>
+            </a:fontRef>
+          </p:style>
+        </p:cxnSp>
+        <p:sp>
+          <p:nvSpPr>
+            <p:cNvPr id="9" name="Ovaal 8">
+              <a:extLst>
+                <a:ext uri="{FF2B5EF4-FFF2-40B4-BE49-F238E27FC236}">
+                  <a16:creationId xmlns:a16="http://schemas.microsoft.com/office/drawing/2014/main" id="{C15D0BE6-1477-46ED-BA60-34A125B6D600}"/>
+                </a:ext>
+              </a:extLst>
+            </p:cNvPr>
+            <p:cNvSpPr/>
+            <p:nvPr/>
+          </p:nvSpPr>
+          <p:spPr>
+            <a:xfrm>
+              <a:off x="7175502" y="1619781"/>
+              <a:ext cx="117231" cy="118800"/>
+            </a:xfrm>
+            <a:prstGeom prst="ellipse">
+              <a:avLst/>
+            </a:prstGeom>
+            <a:solidFill>
+              <a:schemeClr val="tx1"/>
+            </a:solidFill>
+            <a:ln>
+              <a:solidFill>
+                <a:schemeClr val="tx1"/>
+              </a:solidFill>
+            </a:ln>
+          </p:spPr>
+          <p:style>
+            <a:lnRef idx="2">
+              <a:schemeClr val="accent1">
+                <a:shade val="50000"/>
+              </a:schemeClr>
+            </a:lnRef>
+            <a:fillRef idx="1">
+              <a:schemeClr val="accent1"/>
+            </a:fillRef>
+            <a:effectRef idx="0">
+              <a:schemeClr val="accent1"/>
+            </a:effectRef>
+            <a:fontRef idx="minor">
+              <a:schemeClr val="lt1"/>
+            </a:fontRef>
+          </p:style>
+          <p:txBody>
+            <a:bodyPr rtlCol="0" anchor="ctr"/>
+            <a:lstStyle/>
+            <a:p>
+              <a:pPr algn="ctr"/>
+              <a:endParaRPr lang="en-US"/>
+            </a:p>
+          </p:txBody>
+        </p:sp>
+        <p:sp>
+          <p:nvSpPr>
+            <p:cNvPr id="10" name="Tekstvak 9">
+              <a:extLst>
+                <a:ext uri="{FF2B5EF4-FFF2-40B4-BE49-F238E27FC236}">
+                  <a16:creationId xmlns:a16="http://schemas.microsoft.com/office/drawing/2014/main" id="{DACBF721-4117-47BB-8D6B-D90029F67F2E}"/>
+                </a:ext>
+              </a:extLst>
+            </p:cNvPr>
+            <p:cNvSpPr txBox="1"/>
+            <p:nvPr/>
+          </p:nvSpPr>
+          <p:spPr>
+            <a:xfrm>
+              <a:off x="5095242" y="3437402"/>
+              <a:ext cx="423514" cy="369332"/>
+            </a:xfrm>
+            <a:prstGeom prst="rect">
+              <a:avLst/>
+            </a:prstGeom>
+            <a:noFill/>
+          </p:spPr>
+          <p:txBody>
+            <a:bodyPr wrap="none" rtlCol="0">
+              <a:spAutoFit/>
+            </a:bodyPr>
+            <a:lstStyle/>
+            <a:p>
+              <a:r>
+                <a:rPr lang="nl-NL"/>
+                <a:t>p0</a:t>
+              </a:r>
+              <a:endParaRPr lang="en-US"/>
+            </a:p>
+          </p:txBody>
+        </p:sp>
+        <p:sp>
+          <p:nvSpPr>
+            <p:cNvPr id="11" name="Tekstvak 10">
+              <a:extLst>
+                <a:ext uri="{FF2B5EF4-FFF2-40B4-BE49-F238E27FC236}">
+                  <a16:creationId xmlns:a16="http://schemas.microsoft.com/office/drawing/2014/main" id="{9DB0C328-2597-4B46-BCEC-69E4108D35F3}"/>
+                </a:ext>
+              </a:extLst>
+            </p:cNvPr>
+            <p:cNvSpPr txBox="1"/>
+            <p:nvPr/>
+          </p:nvSpPr>
+          <p:spPr>
+            <a:xfrm>
+              <a:off x="6719033" y="2760515"/>
+              <a:ext cx="3034933" cy="369332"/>
+            </a:xfrm>
+            <a:prstGeom prst="rect">
+              <a:avLst/>
+            </a:prstGeom>
+            <a:noFill/>
+          </p:spPr>
+          <p:txBody>
+            <a:bodyPr wrap="none" rtlCol="0">
+              <a:spAutoFit/>
+            </a:bodyPr>
+            <a:lstStyle/>
+            <a:p>
+              <a:r>
+                <a:rPr lang="nl-NL">
+                  <a:solidFill>
+                    <a:schemeClr val="tx1">
+                      <a:lumMod val="50000"/>
+                      <a:lumOff val="50000"/>
+                    </a:schemeClr>
+                  </a:solidFill>
+                </a:rPr>
+                <a:t>p1 = </a:t>
+              </a:r>
+              <a:r>
+                <a:rPr lang="nl-NL">
+                  <a:solidFill>
+                    <a:srgbClr val="00B050"/>
+                  </a:solidFill>
+                </a:rPr>
+                <a:t>RadiusArc</a:t>
+              </a:r>
+              <a:r>
+                <a:rPr lang="nl-NL">
+                  <a:solidFill>
+                    <a:schemeClr val="tx1">
+                      <a:lumMod val="50000"/>
+                      <a:lumOff val="50000"/>
+                    </a:schemeClr>
+                  </a:solidFill>
+                </a:rPr>
+                <a:t>(</a:t>
+              </a:r>
+              <a:r>
+                <a:rPr lang="nl-NL"/>
+                <a:t>p0</a:t>
+              </a:r>
+              <a:r>
+                <a:rPr lang="nl-NL">
+                  <a:solidFill>
+                    <a:schemeClr val="tx1">
+                      <a:lumMod val="50000"/>
+                      <a:lumOff val="50000"/>
+                    </a:schemeClr>
+                  </a:solidFill>
+                </a:rPr>
+                <a:t>,</a:t>
+              </a:r>
+              <a:r>
+                <a:rPr lang="nl-NL"/>
+                <a:t>p2</a:t>
+              </a:r>
+              <a:r>
+                <a:rPr lang="nl-NL">
+                  <a:solidFill>
+                    <a:schemeClr val="tx1">
+                      <a:lumMod val="50000"/>
+                      <a:lumOff val="50000"/>
+                    </a:schemeClr>
+                  </a:solidFill>
+                </a:rPr>
+                <a:t>,</a:t>
+              </a:r>
+              <a:r>
+                <a:rPr lang="nl-NL">
+                  <a:solidFill>
+                    <a:srgbClr val="FF66FF"/>
+                  </a:solidFill>
+                </a:rPr>
+                <a:t>10</a:t>
+              </a:r>
+              <a:r>
+                <a:rPr lang="nl-NL">
+                  <a:solidFill>
+                    <a:schemeClr val="tx1">
+                      <a:lumMod val="50000"/>
+                      <a:lumOff val="50000"/>
+                    </a:schemeClr>
+                  </a:solidFill>
+                </a:rPr>
+                <a:t>,</a:t>
+              </a:r>
+              <a:r>
+                <a:rPr lang="nl-NL">
+                  <a:solidFill>
+                    <a:schemeClr val="accent1">
+                      <a:lumMod val="75000"/>
+                    </a:schemeClr>
+                  </a:solidFill>
+                </a:rPr>
+                <a:t>false</a:t>
+              </a:r>
+              <a:r>
+                <a:rPr lang="nl-NL">
+                  <a:solidFill>
+                    <a:schemeClr val="tx1">
+                      <a:lumMod val="50000"/>
+                      <a:lumOff val="50000"/>
+                    </a:schemeClr>
+                  </a:solidFill>
+                </a:rPr>
+                <a:t>)</a:t>
+              </a:r>
+              <a:endParaRPr lang="en-US">
+                <a:solidFill>
+                  <a:schemeClr val="tx1">
+                    <a:lumMod val="50000"/>
+                    <a:lumOff val="50000"/>
+                  </a:schemeClr>
+                </a:solidFill>
+              </a:endParaRPr>
+            </a:p>
+          </p:txBody>
+        </p:sp>
+        <p:sp>
+          <p:nvSpPr>
+            <p:cNvPr id="13" name="Tekstvak 12">
+              <a:extLst>
+                <a:ext uri="{FF2B5EF4-FFF2-40B4-BE49-F238E27FC236}">
+                  <a16:creationId xmlns:a16="http://schemas.microsoft.com/office/drawing/2014/main" id="{6DD6CA90-7A04-4E22-9AB0-F67190E09E83}"/>
+                </a:ext>
+              </a:extLst>
+            </p:cNvPr>
+            <p:cNvSpPr txBox="1"/>
+            <p:nvPr/>
+          </p:nvSpPr>
+          <p:spPr>
+            <a:xfrm>
+              <a:off x="6222976" y="1792442"/>
+              <a:ext cx="328936" cy="261610"/>
+            </a:xfrm>
+            <a:prstGeom prst="rect">
+              <a:avLst/>
+            </a:prstGeom>
+            <a:noFill/>
+          </p:spPr>
+          <p:txBody>
+            <a:bodyPr wrap="none" rtlCol="0">
+              <a:spAutoFit/>
+            </a:bodyPr>
+            <a:lstStyle/>
+            <a:p>
+              <a:r>
+                <a:rPr lang="nl-NL" sz="1100">
+                  <a:solidFill>
+                    <a:srgbClr val="FF66FF"/>
+                  </a:solidFill>
+                </a:rPr>
+                <a:t>10</a:t>
+              </a:r>
+              <a:endParaRPr lang="en-US" sz="1100">
+                <a:solidFill>
+                  <a:srgbClr val="FF66FF"/>
+                </a:solidFill>
+              </a:endParaRPr>
+            </a:p>
+          </p:txBody>
+        </p:sp>
+        <p:cxnSp>
+          <p:nvCxnSpPr>
+            <p:cNvPr id="19" name="Rechte verbindingslijn 18">
+              <a:extLst>
+                <a:ext uri="{FF2B5EF4-FFF2-40B4-BE49-F238E27FC236}">
+                  <a16:creationId xmlns:a16="http://schemas.microsoft.com/office/drawing/2014/main" id="{2A6EEA36-C099-4B39-A055-1415E3EC2C91}"/>
+                </a:ext>
+              </a:extLst>
+            </p:cNvPr>
+            <p:cNvCxnSpPr>
+              <a:cxnSpLocks/>
+              <a:stCxn id="2" idx="7"/>
+              <a:endCxn id="9" idx="3"/>
+            </p:cNvCxnSpPr>
+            <p:nvPr/>
+          </p:nvCxnSpPr>
+          <p:spPr>
+            <a:xfrm flipV="1">
+              <a:off x="5463649" y="1721183"/>
+              <a:ext cx="1729021" cy="1572815"/>
+            </a:xfrm>
+            <a:prstGeom prst="line">
+              <a:avLst/>
+            </a:prstGeom>
+            <a:ln>
+              <a:solidFill>
+                <a:schemeClr val="tx1"/>
+              </a:solidFill>
+            </a:ln>
+          </p:spPr>
+          <p:style>
+            <a:lnRef idx="1">
+              <a:schemeClr val="accent1"/>
+            </a:lnRef>
+            <a:fillRef idx="0">
+              <a:schemeClr val="accent1"/>
+            </a:fillRef>
+            <a:effectRef idx="0">
+              <a:schemeClr val="accent1"/>
+            </a:effectRef>
+            <a:fontRef idx="minor">
+              <a:schemeClr val="tx1"/>
+            </a:fontRef>
+          </p:style>
+        </p:cxnSp>
+        <p:sp>
+          <p:nvSpPr>
+            <p:cNvPr id="21" name="Tekstvak 20">
+              <a:extLst>
+                <a:ext uri="{FF2B5EF4-FFF2-40B4-BE49-F238E27FC236}">
+                  <a16:creationId xmlns:a16="http://schemas.microsoft.com/office/drawing/2014/main" id="{15945C35-1C56-44B8-B1F2-B4DE1D2DF9CC}"/>
+                </a:ext>
+              </a:extLst>
+            </p:cNvPr>
+            <p:cNvSpPr txBox="1"/>
+            <p:nvPr/>
+          </p:nvSpPr>
+          <p:spPr>
+            <a:xfrm>
+              <a:off x="7307292" y="1553915"/>
+              <a:ext cx="423514" cy="369332"/>
+            </a:xfrm>
+            <a:prstGeom prst="rect">
+              <a:avLst/>
+            </a:prstGeom>
+            <a:noFill/>
+          </p:spPr>
+          <p:txBody>
+            <a:bodyPr wrap="none" rtlCol="0">
+              <a:spAutoFit/>
+            </a:bodyPr>
+            <a:lstStyle/>
+            <a:p>
+              <a:r>
+                <a:rPr lang="nl-NL"/>
+                <a:t>p2</a:t>
+              </a:r>
+              <a:endParaRPr lang="en-US"/>
+            </a:p>
+          </p:txBody>
+        </p:sp>
+        <p:sp>
+          <p:nvSpPr>
+            <p:cNvPr id="23" name="Ovaal 22">
+              <a:extLst>
+                <a:ext uri="{FF2B5EF4-FFF2-40B4-BE49-F238E27FC236}">
+                  <a16:creationId xmlns:a16="http://schemas.microsoft.com/office/drawing/2014/main" id="{52936659-644B-41D6-9FEE-9F13C5DF6D84}"/>
+                </a:ext>
+              </a:extLst>
+            </p:cNvPr>
+            <p:cNvSpPr/>
+            <p:nvPr/>
+          </p:nvSpPr>
+          <p:spPr>
+            <a:xfrm>
+              <a:off x="6660418" y="2727482"/>
+              <a:ext cx="117231" cy="118800"/>
+            </a:xfrm>
+            <a:prstGeom prst="ellipse">
+              <a:avLst/>
+            </a:prstGeom>
+            <a:solidFill>
+              <a:schemeClr val="bg1">
+                <a:lumMod val="50000"/>
+              </a:schemeClr>
+            </a:solidFill>
+            <a:ln>
+              <a:solidFill>
+                <a:schemeClr val="bg1">
+                  <a:lumMod val="50000"/>
+                </a:schemeClr>
+              </a:solidFill>
+            </a:ln>
+          </p:spPr>
+          <p:style>
+            <a:lnRef idx="2">
+              <a:schemeClr val="accent1">
+                <a:shade val="50000"/>
+              </a:schemeClr>
+            </a:lnRef>
+            <a:fillRef idx="1">
+              <a:schemeClr val="accent1"/>
+            </a:fillRef>
+            <a:effectRef idx="0">
+              <a:schemeClr val="accent1"/>
+            </a:effectRef>
+            <a:fontRef idx="minor">
+              <a:schemeClr val="lt1"/>
+            </a:fontRef>
+          </p:style>
+          <p:txBody>
+            <a:bodyPr rtlCol="0" anchor="ctr"/>
+            <a:lstStyle/>
+            <a:p>
+              <a:pPr algn="ctr"/>
+              <a:endParaRPr lang="en-US"/>
+            </a:p>
+          </p:txBody>
+        </p:sp>
+        <p:cxnSp>
+          <p:nvCxnSpPr>
+            <p:cNvPr id="25" name="Rechte verbindingslijn met pijl 24">
+              <a:extLst>
+                <a:ext uri="{FF2B5EF4-FFF2-40B4-BE49-F238E27FC236}">
+                  <a16:creationId xmlns:a16="http://schemas.microsoft.com/office/drawing/2014/main" id="{2479F7AC-646C-43FE-BFED-8E2E5894A644}"/>
+                </a:ext>
+              </a:extLst>
+            </p:cNvPr>
+            <p:cNvCxnSpPr>
+              <a:cxnSpLocks/>
+            </p:cNvCxnSpPr>
+            <p:nvPr/>
+          </p:nvCxnSpPr>
+          <p:spPr>
+            <a:xfrm>
+              <a:off x="5451475" y="1594988"/>
+              <a:ext cx="1531711" cy="829481"/>
+            </a:xfrm>
+            <a:prstGeom prst="straightConnector1">
+              <a:avLst/>
+            </a:prstGeom>
+            <a:ln w="28575">
+              <a:solidFill>
+                <a:srgbClr val="FF66FF"/>
+              </a:solidFill>
+              <a:tailEnd type="triangle"/>
+            </a:ln>
+          </p:spPr>
+          <p:style>
+            <a:lnRef idx="1">
+              <a:schemeClr val="accent1"/>
+            </a:lnRef>
+            <a:fillRef idx="0">
+              <a:schemeClr val="accent1"/>
+            </a:fillRef>
+            <a:effectRef idx="0">
+              <a:schemeClr val="accent1"/>
+            </a:effectRef>
+            <a:fontRef idx="minor">
+              <a:schemeClr val="tx1"/>
+            </a:fontRef>
+          </p:style>
+        </p:cxnSp>
+        <p:sp>
+          <p:nvSpPr>
+            <p:cNvPr id="27" name="Boog 26">
+              <a:extLst>
+                <a:ext uri="{FF2B5EF4-FFF2-40B4-BE49-F238E27FC236}">
+                  <a16:creationId xmlns:a16="http://schemas.microsoft.com/office/drawing/2014/main" id="{8ECD2929-1121-40D5-B88B-6CA82CB0FA38}"/>
+                </a:ext>
+              </a:extLst>
+            </p:cNvPr>
+            <p:cNvSpPr/>
+            <p:nvPr/>
+          </p:nvSpPr>
+          <p:spPr>
+            <a:xfrm flipV="1">
+              <a:off x="3776851" y="410519"/>
+              <a:ext cx="3603171" cy="3198418"/>
+            </a:xfrm>
+            <a:prstGeom prst="arc">
+              <a:avLst>
+                <a:gd name="adj1" fmla="val 20261151"/>
+                <a:gd name="adj2" fmla="val 21283480"/>
+              </a:avLst>
+            </a:prstGeom>
+            <a:ln w="19050">
               <a:solidFill>
                 <a:schemeClr val="accent1">
                   <a:lumMod val="75000"/>
                 </a:schemeClr>
               </a:solidFill>
-            </a:endParaRPr>
-          </a:p>
-        </p:txBody>
-      </p:sp>
-      <p:sp>
-        <p:nvSpPr>
-          <p:cNvPr id="28" name="Tekstvak 27">
-            <a:extLst>
-              <a:ext uri="{FF2B5EF4-FFF2-40B4-BE49-F238E27FC236}">
-                <a16:creationId xmlns:a16="http://schemas.microsoft.com/office/drawing/2014/main" id="{2AC6EA61-16DC-4194-AD6C-B3DDBB1581F3}"/>
-              </a:ext>
-            </a:extLst>
-          </p:cNvPr>
-          <p:cNvSpPr txBox="1"/>
-          <p:nvPr/>
-        </p:nvSpPr>
-        <p:spPr>
-          <a:xfrm>
-            <a:off x="7324866" y="2215156"/>
-            <a:ext cx="1133644" cy="261610"/>
-          </a:xfrm>
-          <a:prstGeom prst="rect">
-            <a:avLst/>
-          </a:prstGeom>
-          <a:noFill/>
-        </p:spPr>
-        <p:txBody>
-          <a:bodyPr wrap="none" rtlCol="0">
-            <a:spAutoFit/>
-          </a:bodyPr>
-          <a:lstStyle/>
-          <a:p>
-            <a:r>
-              <a:rPr lang="nl-NL" sz="1100">
+              <a:headEnd type="none" w="med" len="med"/>
+              <a:tailEnd type="arrow" w="med" len="med"/>
+            </a:ln>
+          </p:spPr>
+          <p:style>
+            <a:lnRef idx="1">
+              <a:schemeClr val="accent1"/>
+            </a:lnRef>
+            <a:fillRef idx="0">
+              <a:schemeClr val="accent1"/>
+            </a:fillRef>
+            <a:effectRef idx="0">
+              <a:schemeClr val="accent1"/>
+            </a:effectRef>
+            <a:fontRef idx="minor">
+              <a:schemeClr val="tx1"/>
+            </a:fontRef>
+          </p:style>
+          <p:txBody>
+            <a:bodyPr rtlCol="0" anchor="ctr"/>
+            <a:lstStyle/>
+            <a:p>
+              <a:pPr algn="ctr"/>
+              <a:endParaRPr lang="en-US">
                 <a:solidFill>
                   <a:schemeClr val="accent1">
                     <a:lumMod val="75000"/>
                   </a:schemeClr>
                 </a:solidFill>
-              </a:rPr>
-              <a:t>clockwise =</a:t>
-            </a:r>
-            <a:r>
-              <a:rPr lang="nl-NL" sz="1100">
-                <a:solidFill>
-                  <a:srgbClr val="FF66FF"/>
-                </a:solidFill>
-              </a:rPr>
-              <a:t> </a:t>
-            </a:r>
-            <a:r>
-              <a:rPr lang="nl-NL" sz="1100">
+              </a:endParaRPr>
+            </a:p>
+          </p:txBody>
+        </p:sp>
+        <p:sp>
+          <p:nvSpPr>
+            <p:cNvPr id="28" name="Tekstvak 27">
+              <a:extLst>
+                <a:ext uri="{FF2B5EF4-FFF2-40B4-BE49-F238E27FC236}">
+                  <a16:creationId xmlns:a16="http://schemas.microsoft.com/office/drawing/2014/main" id="{2AC6EA61-16DC-4194-AD6C-B3DDBB1581F3}"/>
+                </a:ext>
+              </a:extLst>
+            </p:cNvPr>
+            <p:cNvSpPr txBox="1"/>
+            <p:nvPr/>
+          </p:nvSpPr>
+          <p:spPr>
+            <a:xfrm>
+              <a:off x="7324866" y="2215156"/>
+              <a:ext cx="1133644" cy="261610"/>
+            </a:xfrm>
+            <a:prstGeom prst="rect">
+              <a:avLst/>
+            </a:prstGeom>
+            <a:noFill/>
+          </p:spPr>
+          <p:txBody>
+            <a:bodyPr wrap="none" rtlCol="0">
+              <a:spAutoFit/>
+            </a:bodyPr>
+            <a:lstStyle/>
+            <a:p>
+              <a:r>
+                <a:rPr lang="nl-NL" sz="1100">
+                  <a:solidFill>
+                    <a:schemeClr val="accent1">
+                      <a:lumMod val="75000"/>
+                    </a:schemeClr>
+                  </a:solidFill>
+                </a:rPr>
+                <a:t>clockwise =</a:t>
+              </a:r>
+              <a:r>
+                <a:rPr lang="nl-NL" sz="1100">
+                  <a:solidFill>
+                    <a:srgbClr val="FF66FF"/>
+                  </a:solidFill>
+                </a:rPr>
+                <a:t> </a:t>
+              </a:r>
+              <a:r>
+                <a:rPr lang="nl-NL" sz="1100">
+                  <a:solidFill>
+                    <a:schemeClr val="accent1">
+                      <a:lumMod val="75000"/>
+                    </a:schemeClr>
+                  </a:solidFill>
+                </a:rPr>
+                <a:t>false</a:t>
+              </a:r>
+              <a:endParaRPr lang="en-US" sz="1100">
                 <a:solidFill>
                   <a:schemeClr val="accent1">
                     <a:lumMod val="75000"/>
                   </a:schemeClr>
                 </a:solidFill>
-              </a:rPr>
-              <a:t>false</a:t>
-            </a:r>
-            <a:endParaRPr lang="en-US" sz="1100">
-              <a:solidFill>
-                <a:schemeClr val="accent1">
-                  <a:lumMod val="75000"/>
-                </a:schemeClr>
-              </a:solidFill>
-            </a:endParaRPr>
-          </a:p>
-        </p:txBody>
-      </p:sp>
+              </a:endParaRPr>
+            </a:p>
+          </p:txBody>
+        </p:sp>
+        <p:cxnSp>
+          <p:nvCxnSpPr>
+            <p:cNvPr id="4" name="Rechte verbindingslijn 3">
+              <a:extLst>
+                <a:ext uri="{FF2B5EF4-FFF2-40B4-BE49-F238E27FC236}">
+                  <a16:creationId xmlns:a16="http://schemas.microsoft.com/office/drawing/2014/main" id="{1ECF0C87-392F-4947-8397-141FA289D30B}"/>
+                </a:ext>
+              </a:extLst>
+            </p:cNvPr>
+            <p:cNvCxnSpPr>
+              <a:stCxn id="2" idx="5"/>
+            </p:cNvCxnSpPr>
+            <p:nvPr/>
+          </p:nvCxnSpPr>
+          <p:spPr>
+            <a:xfrm>
+              <a:off x="5463649" y="3378002"/>
+              <a:ext cx="1843643" cy="17398"/>
+            </a:xfrm>
+            <a:prstGeom prst="line">
+              <a:avLst/>
+            </a:prstGeom>
+          </p:spPr>
+          <p:style>
+            <a:lnRef idx="1">
+              <a:schemeClr val="accent1"/>
+            </a:lnRef>
+            <a:fillRef idx="0">
+              <a:schemeClr val="accent1"/>
+            </a:fillRef>
+            <a:effectRef idx="0">
+              <a:schemeClr val="accent1"/>
+            </a:effectRef>
+            <a:fontRef idx="minor">
+              <a:schemeClr val="tx1"/>
+            </a:fontRef>
+          </p:style>
+        </p:cxnSp>
+        <p:sp>
+          <p:nvSpPr>
+            <p:cNvPr id="18" name="Tekstvak 17">
+              <a:extLst>
+                <a:ext uri="{FF2B5EF4-FFF2-40B4-BE49-F238E27FC236}">
+                  <a16:creationId xmlns:a16="http://schemas.microsoft.com/office/drawing/2014/main" id="{6B5066C7-C6DC-4584-AAF5-EE53E71E8BBD}"/>
+                </a:ext>
+              </a:extLst>
+            </p:cNvPr>
+            <p:cNvSpPr txBox="1"/>
+            <p:nvPr/>
+          </p:nvSpPr>
+          <p:spPr>
+            <a:xfrm>
+              <a:off x="5556206" y="3109754"/>
+              <a:ext cx="498855" cy="261610"/>
+            </a:xfrm>
+            <a:prstGeom prst="rect">
+              <a:avLst/>
+            </a:prstGeom>
+            <a:noFill/>
+          </p:spPr>
+          <p:txBody>
+            <a:bodyPr wrap="none" rtlCol="0">
+              <a:spAutoFit/>
+            </a:bodyPr>
+            <a:lstStyle/>
+            <a:p>
+              <a:r>
+                <a:rPr lang="nl-NL" sz="1100">
+                  <a:solidFill>
+                    <a:schemeClr val="accent1">
+                      <a:lumMod val="75000"/>
+                    </a:schemeClr>
+                  </a:solidFill>
+                </a:rPr>
+                <a:t>alpha</a:t>
+              </a:r>
+              <a:endParaRPr lang="en-US" sz="1100">
+                <a:solidFill>
+                  <a:schemeClr val="accent1">
+                    <a:lumMod val="75000"/>
+                  </a:schemeClr>
+                </a:solidFill>
+              </a:endParaRPr>
+            </a:p>
+          </p:txBody>
+        </p:sp>
+        <p:cxnSp>
+          <p:nvCxnSpPr>
+            <p:cNvPr id="8" name="Rechte verbindingslijn 7">
+              <a:extLst>
+                <a:ext uri="{FF2B5EF4-FFF2-40B4-BE49-F238E27FC236}">
+                  <a16:creationId xmlns:a16="http://schemas.microsoft.com/office/drawing/2014/main" id="{70042211-967E-49D4-8034-CC0FD6703273}"/>
+                </a:ext>
+              </a:extLst>
+            </p:cNvPr>
+            <p:cNvCxnSpPr>
+              <a:cxnSpLocks/>
+              <a:endCxn id="23" idx="1"/>
+            </p:cNvCxnSpPr>
+            <p:nvPr/>
+          </p:nvCxnSpPr>
+          <p:spPr>
+            <a:xfrm>
+              <a:off x="5451475" y="1607684"/>
+              <a:ext cx="1226111" cy="1137196"/>
+            </a:xfrm>
+            <a:prstGeom prst="line">
+              <a:avLst/>
+            </a:prstGeom>
+          </p:spPr>
+          <p:style>
+            <a:lnRef idx="1">
+              <a:schemeClr val="accent1"/>
+            </a:lnRef>
+            <a:fillRef idx="0">
+              <a:schemeClr val="accent1"/>
+            </a:fillRef>
+            <a:effectRef idx="0">
+              <a:schemeClr val="accent1"/>
+            </a:effectRef>
+            <a:fontRef idx="minor">
+              <a:schemeClr val="tx1"/>
+            </a:fontRef>
+          </p:style>
+        </p:cxnSp>
+        <p:sp>
+          <p:nvSpPr>
+            <p:cNvPr id="24" name="Tekstvak 23">
+              <a:extLst>
+                <a:ext uri="{FF2B5EF4-FFF2-40B4-BE49-F238E27FC236}">
+                  <a16:creationId xmlns:a16="http://schemas.microsoft.com/office/drawing/2014/main" id="{6A30DC9B-0AC8-4472-BC3B-CD7745658A66}"/>
+                </a:ext>
+              </a:extLst>
+            </p:cNvPr>
+            <p:cNvSpPr txBox="1"/>
+            <p:nvPr/>
+          </p:nvSpPr>
+          <p:spPr>
+            <a:xfrm>
+              <a:off x="5351412" y="1860387"/>
+              <a:ext cx="442750" cy="261610"/>
+            </a:xfrm>
+            <a:prstGeom prst="rect">
+              <a:avLst/>
+            </a:prstGeom>
+            <a:noFill/>
+          </p:spPr>
+          <p:txBody>
+            <a:bodyPr wrap="none" rtlCol="0">
+              <a:spAutoFit/>
+            </a:bodyPr>
+            <a:lstStyle/>
+            <a:p>
+              <a:r>
+                <a:rPr lang="nl-NL" sz="1100">
+                  <a:solidFill>
+                    <a:schemeClr val="accent1">
+                      <a:lumMod val="75000"/>
+                    </a:schemeClr>
+                  </a:solidFill>
+                </a:rPr>
+                <a:t>beta</a:t>
+              </a:r>
+              <a:endParaRPr lang="en-US" sz="1100">
+                <a:solidFill>
+                  <a:schemeClr val="accent1">
+                    <a:lumMod val="75000"/>
+                  </a:schemeClr>
+                </a:solidFill>
+              </a:endParaRPr>
+            </a:p>
+          </p:txBody>
+        </p:sp>
+      </p:grpSp>
     </p:spTree>
     <p:extLst>
       <p:ext uri="{BB962C8B-B14F-4D97-AF65-F5344CB8AC3E}">
@@ -6856,7 +8751,7 @@
 </p:sld>
 </file>
 
-<file path=ppt/slides/slide5.xml><?xml version="1.0" encoding="utf-8"?>
+<file path=ppt/slides/slide6.xml><?xml version="1.0" encoding="utf-8"?>
 <p:sld xmlns:a="http://schemas.openxmlformats.org/drawingml/2006/main" xmlns:r="http://schemas.openxmlformats.org/officeDocument/2006/relationships" xmlns:p="http://schemas.openxmlformats.org/presentationml/2006/main">
   <p:cSld>
     <p:spTree>
